--- a/images/lightfields/01-Solar.pptx
+++ b/images/lightfields/01-Solar.pptx
@@ -7,13 +7,15 @@
     <p:sldMasterId id="2147483672" r:id="rId3"/>
   </p:sldMasterIdLst>
   <p:notesMasterIdLst>
-    <p:notesMasterId r:id="rId8"/>
+    <p:notesMasterId r:id="rId10"/>
   </p:notesMasterIdLst>
   <p:sldIdLst>
     <p:sldId id="256" r:id="rId4"/>
     <p:sldId id="258" r:id="rId5"/>
     <p:sldId id="257" r:id="rId6"/>
     <p:sldId id="259" r:id="rId7"/>
+    <p:sldId id="260" r:id="rId8"/>
+    <p:sldId id="261" r:id="rId9"/>
   </p:sldIdLst>
   <p:sldSz cx="9144000" cy="5143500" type="screen16x9"/>
   <p:notesSz cx="6858000" cy="9144000"/>
@@ -213,7 +215,7 @@
           <a:p>
             <a:fld id="{8C3289C9-CDCD-0840-933F-7E73C561A980}" type="datetimeFigureOut">
               <a:rPr lang="en-US" smtClean="0"/>
-              <a:t>3/17/25</a:t>
+              <a:t>3/20/25</a:t>
             </a:fld>
             <a:endParaRPr lang="en-US"/>
           </a:p>
@@ -7180,17 +7182,17 @@
           </a:ln>
           <a:extLst>
             <a:ext uri="{FAA26D3D-D897-4be2-8F04-BA451C77F1D7}">
-              <ma14:placeholderFlag xmlns="" xmlns:ma14="http://schemas.microsoft.com/office/mac/drawingml/2011/main" val="1"/>
+              <ma14:placeholderFlag xmlns:ma14="http://schemas.microsoft.com/office/mac/drawingml/2011/main" xmlns="" val="1"/>
             </a:ext>
             <a:ext uri="{909E8E84-426E-40dd-AFC4-6F175D3DCCD1}">
-              <a14:hiddenFill xmlns:a14="http://schemas.microsoft.com/office/drawing/2010/main" xmlns="">
+              <a14:hiddenFill xmlns="" xmlns:a14="http://schemas.microsoft.com/office/drawing/2010/main">
                 <a:solidFill>
                   <a:srgbClr val="FFFFFF"/>
                 </a:solidFill>
               </a14:hiddenFill>
             </a:ext>
             <a:ext uri="{91240B29-F687-4f45-9708-019B960494DF}">
-              <a14:hiddenLine xmlns:a14="http://schemas.microsoft.com/office/drawing/2010/main" xmlns="" w="9525">
+              <a14:hiddenLine xmlns="" xmlns:a14="http://schemas.microsoft.com/office/drawing/2010/main" w="9525">
                 <a:solidFill>
                   <a:srgbClr val="000000"/>
                 </a:solidFill>
@@ -7282,17 +7284,17 @@
           </a:ln>
           <a:extLst>
             <a:ext uri="{FAA26D3D-D897-4be2-8F04-BA451C77F1D7}">
-              <ma14:placeholderFlag xmlns="" xmlns:ma14="http://schemas.microsoft.com/office/mac/drawingml/2011/main" val="1"/>
+              <ma14:placeholderFlag xmlns:ma14="http://schemas.microsoft.com/office/mac/drawingml/2011/main" xmlns="" val="1"/>
             </a:ext>
             <a:ext uri="{909E8E84-426E-40dd-AFC4-6F175D3DCCD1}">
-              <a14:hiddenFill xmlns:a14="http://schemas.microsoft.com/office/drawing/2010/main" xmlns="">
+              <a14:hiddenFill xmlns="" xmlns:a14="http://schemas.microsoft.com/office/drawing/2010/main">
                 <a:solidFill>
                   <a:srgbClr val="FFFFFF"/>
                 </a:solidFill>
               </a14:hiddenFill>
             </a:ext>
             <a:ext uri="{91240B29-F687-4f45-9708-019B960494DF}">
-              <a14:hiddenLine xmlns:a14="http://schemas.microsoft.com/office/drawing/2010/main" xmlns="" w="9525">
+              <a14:hiddenLine xmlns="" xmlns:a14="http://schemas.microsoft.com/office/drawing/2010/main" w="9525">
                 <a:solidFill>
                   <a:srgbClr val="000000"/>
                 </a:solidFill>
@@ -7889,17 +7891,17 @@
           </a:ln>
           <a:extLst>
             <a:ext uri="{FAA26D3D-D897-4be2-8F04-BA451C77F1D7}">
-              <ma14:placeholderFlag xmlns:ma14="http://schemas.microsoft.com/office/mac/drawingml/2011/main" xmlns="" val="1"/>
+              <ma14:placeholderFlag xmlns="" xmlns:ma14="http://schemas.microsoft.com/office/mac/drawingml/2011/main" val="1"/>
             </a:ext>
             <a:ext uri="{909E8E84-426E-40dd-AFC4-6F175D3DCCD1}">
-              <a14:hiddenFill xmlns="" xmlns:a14="http://schemas.microsoft.com/office/drawing/2010/main">
+              <a14:hiddenFill xmlns:a14="http://schemas.microsoft.com/office/drawing/2010/main" xmlns="">
                 <a:solidFill>
                   <a:srgbClr val="FFFFFF"/>
                 </a:solidFill>
               </a14:hiddenFill>
             </a:ext>
             <a:ext uri="{91240B29-F687-4f45-9708-019B960494DF}">
-              <a14:hiddenLine xmlns="" xmlns:a14="http://schemas.microsoft.com/office/drawing/2010/main" w="9525">
+              <a14:hiddenLine xmlns:a14="http://schemas.microsoft.com/office/drawing/2010/main" xmlns="" w="9525">
                 <a:solidFill>
                   <a:srgbClr val="000000"/>
                 </a:solidFill>
@@ -7991,17 +7993,17 @@
           </a:ln>
           <a:extLst>
             <a:ext uri="{FAA26D3D-D897-4be2-8F04-BA451C77F1D7}">
-              <ma14:placeholderFlag xmlns:ma14="http://schemas.microsoft.com/office/mac/drawingml/2011/main" xmlns="" val="1"/>
+              <ma14:placeholderFlag xmlns="" xmlns:ma14="http://schemas.microsoft.com/office/mac/drawingml/2011/main" val="1"/>
             </a:ext>
             <a:ext uri="{909E8E84-426E-40dd-AFC4-6F175D3DCCD1}">
-              <a14:hiddenFill xmlns="" xmlns:a14="http://schemas.microsoft.com/office/drawing/2010/main">
+              <a14:hiddenFill xmlns:a14="http://schemas.microsoft.com/office/drawing/2010/main" xmlns="">
                 <a:solidFill>
                   <a:srgbClr val="FFFFFF"/>
                 </a:solidFill>
               </a14:hiddenFill>
             </a:ext>
             <a:ext uri="{91240B29-F687-4f45-9708-019B960494DF}">
-              <a14:hiddenLine xmlns="" xmlns:a14="http://schemas.microsoft.com/office/drawing/2010/main" w="9525">
+              <a14:hiddenLine xmlns:a14="http://schemas.microsoft.com/office/drawing/2010/main" xmlns="" w="9525">
                 <a:solidFill>
                   <a:srgbClr val="000000"/>
                 </a:solidFill>
@@ -8535,14 +8537,14 @@
           <a:effectLst/>
           <a:extLst>
             <a:ext uri="{909E8E84-426E-40dd-AFC4-6F175D3DCCD1}">
-              <a14:hiddenFill xmlns="" xmlns:a14="http://schemas.microsoft.com/office/drawing/2010/main">
+              <a14:hiddenFill xmlns:a14="http://schemas.microsoft.com/office/drawing/2010/main" xmlns="">
                 <a:solidFill>
                   <a:schemeClr val="accent1"/>
                 </a:solidFill>
               </a14:hiddenFill>
             </a:ext>
             <a:ext uri="{91240B29-F687-4f45-9708-019B960494DF}">
-              <a14:hiddenLine xmlns="" xmlns:a14="http://schemas.microsoft.com/office/drawing/2010/main" w="9525">
+              <a14:hiddenLine xmlns:a14="http://schemas.microsoft.com/office/drawing/2010/main" xmlns="" w="9525">
                 <a:solidFill>
                   <a:schemeClr val="tx1"/>
                 </a:solidFill>
@@ -8552,7 +8554,7 @@
               </a14:hiddenLine>
             </a:ext>
             <a:ext uri="{AF507438-7753-43e0-B8FC-AC1667EBCBE1}">
-              <a14:hiddenEffects xmlns="" xmlns:a14="http://schemas.microsoft.com/office/drawing/2010/main">
+              <a14:hiddenEffects xmlns:a14="http://schemas.microsoft.com/office/drawing/2010/main" xmlns="">
                 <a:effectLst>
                   <a:outerShdw dist="35921" dir="2700000" algn="ctr" rotWithShape="0">
                     <a:schemeClr val="bg2"/>
@@ -8603,14 +8605,14 @@
           <a:effectLst/>
           <a:extLst>
             <a:ext uri="{909E8E84-426E-40dd-AFC4-6F175D3DCCD1}">
-              <a14:hiddenFill xmlns="" xmlns:a14="http://schemas.microsoft.com/office/drawing/2010/main">
+              <a14:hiddenFill xmlns:a14="http://schemas.microsoft.com/office/drawing/2010/main" xmlns="">
                 <a:solidFill>
                   <a:schemeClr val="accent1"/>
                 </a:solidFill>
               </a14:hiddenFill>
             </a:ext>
             <a:ext uri="{91240B29-F687-4f45-9708-019B960494DF}">
-              <a14:hiddenLine xmlns="" xmlns:a14="http://schemas.microsoft.com/office/drawing/2010/main" w="9525">
+              <a14:hiddenLine xmlns:a14="http://schemas.microsoft.com/office/drawing/2010/main" xmlns="" w="9525">
                 <a:solidFill>
                   <a:schemeClr val="tx1"/>
                 </a:solidFill>
@@ -8620,7 +8622,7 @@
               </a14:hiddenLine>
             </a:ext>
             <a:ext uri="{AF507438-7753-43e0-B8FC-AC1667EBCBE1}">
-              <a14:hiddenEffects xmlns="" xmlns:a14="http://schemas.microsoft.com/office/drawing/2010/main">
+              <a14:hiddenEffects xmlns:a14="http://schemas.microsoft.com/office/drawing/2010/main" xmlns="">
                 <a:effectLst>
                   <a:outerShdw dist="35921" dir="2700000" algn="ctr" rotWithShape="0">
                     <a:schemeClr val="bg2"/>
@@ -8699,14 +8701,14 @@
           <a:effectLst/>
           <a:extLst>
             <a:ext uri="{909E8E84-426E-40dd-AFC4-6F175D3DCCD1}">
-              <a14:hiddenFill xmlns="" xmlns:a14="http://schemas.microsoft.com/office/drawing/2010/main">
+              <a14:hiddenFill xmlns:a14="http://schemas.microsoft.com/office/drawing/2010/main" xmlns="">
                 <a:solidFill>
                   <a:schemeClr val="accent1"/>
                 </a:solidFill>
               </a14:hiddenFill>
             </a:ext>
             <a:ext uri="{91240B29-F687-4f45-9708-019B960494DF}">
-              <a14:hiddenLine xmlns="" xmlns:a14="http://schemas.microsoft.com/office/drawing/2010/main" w="9525">
+              <a14:hiddenLine xmlns:a14="http://schemas.microsoft.com/office/drawing/2010/main" xmlns="" w="9525">
                 <a:solidFill>
                   <a:schemeClr val="tx1"/>
                 </a:solidFill>
@@ -8716,7 +8718,7 @@
               </a14:hiddenLine>
             </a:ext>
             <a:ext uri="{AF507438-7753-43e0-B8FC-AC1667EBCBE1}">
-              <a14:hiddenEffects xmlns="" xmlns:a14="http://schemas.microsoft.com/office/drawing/2010/main">
+              <a14:hiddenEffects xmlns:a14="http://schemas.microsoft.com/office/drawing/2010/main" xmlns="">
                 <a:effectLst>
                   <a:outerShdw dist="35921" dir="2700000" algn="ctr" rotWithShape="0">
                     <a:schemeClr val="bg2"/>
@@ -8770,14 +8772,14 @@
           <a:effectLst/>
           <a:extLst>
             <a:ext uri="{909E8E84-426E-40dd-AFC4-6F175D3DCCD1}">
-              <a14:hiddenFill xmlns="" xmlns:a14="http://schemas.microsoft.com/office/drawing/2010/main">
+              <a14:hiddenFill xmlns:a14="http://schemas.microsoft.com/office/drawing/2010/main" xmlns="">
                 <a:solidFill>
                   <a:schemeClr val="accent1"/>
                 </a:solidFill>
               </a14:hiddenFill>
             </a:ext>
             <a:ext uri="{91240B29-F687-4f45-9708-019B960494DF}">
-              <a14:hiddenLine xmlns="" xmlns:a14="http://schemas.microsoft.com/office/drawing/2010/main" w="9525">
+              <a14:hiddenLine xmlns:a14="http://schemas.microsoft.com/office/drawing/2010/main" xmlns="" w="9525">
                 <a:solidFill>
                   <a:schemeClr val="tx1"/>
                 </a:solidFill>
@@ -8787,7 +8789,7 @@
               </a14:hiddenLine>
             </a:ext>
             <a:ext uri="{AF507438-7753-43e0-B8FC-AC1667EBCBE1}">
-              <a14:hiddenEffects xmlns="" xmlns:a14="http://schemas.microsoft.com/office/drawing/2010/main">
+              <a14:hiddenEffects xmlns:a14="http://schemas.microsoft.com/office/drawing/2010/main" xmlns="">
                 <a:effectLst>
                   <a:outerShdw dist="35921" dir="2700000" algn="ctr" rotWithShape="0">
                     <a:schemeClr val="bg2"/>
@@ -8841,14 +8843,14 @@
           <a:effectLst/>
           <a:extLst>
             <a:ext uri="{909E8E84-426E-40dd-AFC4-6F175D3DCCD1}">
-              <a14:hiddenFill xmlns="" xmlns:a14="http://schemas.microsoft.com/office/drawing/2010/main">
+              <a14:hiddenFill xmlns:a14="http://schemas.microsoft.com/office/drawing/2010/main" xmlns="">
                 <a:solidFill>
                   <a:schemeClr val="accent1"/>
                 </a:solidFill>
               </a14:hiddenFill>
             </a:ext>
             <a:ext uri="{91240B29-F687-4f45-9708-019B960494DF}">
-              <a14:hiddenLine xmlns="" xmlns:a14="http://schemas.microsoft.com/office/drawing/2010/main" w="9525">
+              <a14:hiddenLine xmlns:a14="http://schemas.microsoft.com/office/drawing/2010/main" xmlns="" w="9525">
                 <a:solidFill>
                   <a:schemeClr val="tx1"/>
                 </a:solidFill>
@@ -8858,7 +8860,7 @@
               </a14:hiddenLine>
             </a:ext>
             <a:ext uri="{AF507438-7753-43e0-B8FC-AC1667EBCBE1}">
-              <a14:hiddenEffects xmlns="" xmlns:a14="http://schemas.microsoft.com/office/drawing/2010/main">
+              <a14:hiddenEffects xmlns:a14="http://schemas.microsoft.com/office/drawing/2010/main" xmlns="">
                 <a:effectLst>
                   <a:outerShdw dist="35921" dir="2700000" algn="ctr" rotWithShape="0">
                     <a:schemeClr val="bg2"/>
@@ -9352,7 +9354,11 @@
           <a:bodyPr/>
           <a:lstStyle/>
           <a:p>
-            <a:endParaRPr lang="en-US"/>
+            <a:r>
+              <a:rPr lang="en-US" dirty="0" err="1"/>
+              <a:t>fise_solarDaylight.mlx</a:t>
+            </a:r>
+            <a:endParaRPr lang="en-US" dirty="0"/>
           </a:p>
         </p:txBody>
       </p:sp>
@@ -11248,10 +11254,234 @@
           </a:p>
         </p:txBody>
       </p:sp>
+      <p:pic>
+        <p:nvPicPr>
+          <p:cNvPr id="3" name="Picture 2">
+            <a:extLst>
+              <a:ext uri="{FF2B5EF4-FFF2-40B4-BE49-F238E27FC236}">
+                <a16:creationId xmlns:a16="http://schemas.microsoft.com/office/drawing/2014/main" id="{255DE1D3-0257-A12C-F6C0-EA0B2F84A56D}"/>
+              </a:ext>
+            </a:extLst>
+          </p:cNvPr>
+          <p:cNvPicPr>
+            <a:picLocks noChangeAspect="1"/>
+          </p:cNvPicPr>
+          <p:nvPr/>
+        </p:nvPicPr>
+        <p:blipFill>
+          <a:blip r:embed="rId2"/>
+          <a:stretch>
+            <a:fillRect/>
+          </a:stretch>
+        </p:blipFill>
+        <p:spPr>
+          <a:xfrm>
+            <a:off x="938333" y="0"/>
+            <a:ext cx="7267333" cy="5143500"/>
+          </a:xfrm>
+          <a:prstGeom prst="rect">
+            <a:avLst/>
+          </a:prstGeom>
+        </p:spPr>
+      </p:pic>
     </p:spTree>
     <p:extLst>
       <p:ext uri="{BB962C8B-B14F-4D97-AF65-F5344CB8AC3E}">
         <p14:creationId xmlns:p14="http://schemas.microsoft.com/office/powerpoint/2010/main" val="249354995"/>
+      </p:ext>
+    </p:extLst>
+  </p:cSld>
+  <p:clrMapOvr>
+    <a:masterClrMapping/>
+  </p:clrMapOvr>
+  <mc:AlternateContent xmlns:mc="http://schemas.openxmlformats.org/markup-compatibility/2006" xmlns:p14="http://schemas.microsoft.com/office/powerpoint/2010/main">
+    <mc:Choice Requires="p14">
+      <p:transition spd="slow" p14:dur="900">
+        <p:fade/>
+      </p:transition>
+    </mc:Choice>
+    <mc:Fallback xmlns="">
+      <p:transition xmlns:p14="http://schemas.microsoft.com/office/powerpoint/2010/main" spd="slow">
+        <p:fade/>
+      </p:transition>
+    </mc:Fallback>
+  </mc:AlternateContent>
+</p:sld>
+</file>
+
+<file path=ppt/slides/slide5.xml><?xml version="1.0" encoding="utf-8"?>
+<p:sld xmlns:a="http://schemas.openxmlformats.org/drawingml/2006/main" xmlns:r="http://schemas.openxmlformats.org/officeDocument/2006/relationships" xmlns:p="http://schemas.openxmlformats.org/presentationml/2006/main">
+  <p:cSld>
+    <p:spTree>
+      <p:nvGrpSpPr>
+        <p:cNvPr id="1" name=""/>
+        <p:cNvGrpSpPr/>
+        <p:nvPr/>
+      </p:nvGrpSpPr>
+      <p:grpSpPr>
+        <a:xfrm>
+          <a:off x="0" y="0"/>
+          <a:ext cx="0" cy="0"/>
+          <a:chOff x="0" y="0"/>
+          <a:chExt cx="0" cy="0"/>
+        </a:xfrm>
+      </p:grpSpPr>
+      <p:sp>
+        <p:nvSpPr>
+          <p:cNvPr id="2" name="Title 1">
+            <a:extLst>
+              <a:ext uri="{FF2B5EF4-FFF2-40B4-BE49-F238E27FC236}">
+                <a16:creationId xmlns:a16="http://schemas.microsoft.com/office/drawing/2014/main" id="{965207CB-7ACC-FC7B-22EB-C48F7B5C3F34}"/>
+              </a:ext>
+            </a:extLst>
+          </p:cNvPr>
+          <p:cNvSpPr>
+            <a:spLocks noGrp="1"/>
+          </p:cNvSpPr>
+          <p:nvPr>
+            <p:ph type="title"/>
+          </p:nvPr>
+        </p:nvSpPr>
+        <p:spPr/>
+        <p:txBody>
+          <a:bodyPr/>
+          <a:lstStyle/>
+          <a:p>
+            <a:endParaRPr lang="en-US"/>
+          </a:p>
+        </p:txBody>
+      </p:sp>
+      <p:pic>
+        <p:nvPicPr>
+          <p:cNvPr id="3" name="Picture 2">
+            <a:extLst>
+              <a:ext uri="{FF2B5EF4-FFF2-40B4-BE49-F238E27FC236}">
+                <a16:creationId xmlns:a16="http://schemas.microsoft.com/office/drawing/2014/main" id="{5BCE17A5-2501-A9A1-1773-D07A82E62814}"/>
+              </a:ext>
+            </a:extLst>
+          </p:cNvPr>
+          <p:cNvPicPr>
+            <a:picLocks noChangeAspect="1"/>
+          </p:cNvPicPr>
+          <p:nvPr/>
+        </p:nvPicPr>
+        <p:blipFill>
+          <a:blip r:embed="rId2"/>
+          <a:stretch>
+            <a:fillRect/>
+          </a:stretch>
+        </p:blipFill>
+        <p:spPr>
+          <a:xfrm>
+            <a:off x="1052529" y="0"/>
+            <a:ext cx="7038942" cy="5143500"/>
+          </a:xfrm>
+          <a:prstGeom prst="rect">
+            <a:avLst/>
+          </a:prstGeom>
+        </p:spPr>
+      </p:pic>
+    </p:spTree>
+    <p:extLst>
+      <p:ext uri="{BB962C8B-B14F-4D97-AF65-F5344CB8AC3E}">
+        <p14:creationId xmlns:p14="http://schemas.microsoft.com/office/powerpoint/2010/main" val="308517103"/>
+      </p:ext>
+    </p:extLst>
+  </p:cSld>
+  <p:clrMapOvr>
+    <a:masterClrMapping/>
+  </p:clrMapOvr>
+  <mc:AlternateContent xmlns:mc="http://schemas.openxmlformats.org/markup-compatibility/2006" xmlns:p14="http://schemas.microsoft.com/office/powerpoint/2010/main">
+    <mc:Choice Requires="p14">
+      <p:transition spd="slow" p14:dur="900">
+        <p:fade/>
+      </p:transition>
+    </mc:Choice>
+    <mc:Fallback xmlns="">
+      <p:transition xmlns:p14="http://schemas.microsoft.com/office/powerpoint/2010/main" spd="slow">
+        <p:fade/>
+      </p:transition>
+    </mc:Fallback>
+  </mc:AlternateContent>
+</p:sld>
+</file>
+
+<file path=ppt/slides/slide6.xml><?xml version="1.0" encoding="utf-8"?>
+<p:sld xmlns:a="http://schemas.openxmlformats.org/drawingml/2006/main" xmlns:r="http://schemas.openxmlformats.org/officeDocument/2006/relationships" xmlns:p="http://schemas.openxmlformats.org/presentationml/2006/main">
+  <p:cSld>
+    <p:spTree>
+      <p:nvGrpSpPr>
+        <p:cNvPr id="1" name=""/>
+        <p:cNvGrpSpPr/>
+        <p:nvPr/>
+      </p:nvGrpSpPr>
+      <p:grpSpPr>
+        <a:xfrm>
+          <a:off x="0" y="0"/>
+          <a:ext cx="0" cy="0"/>
+          <a:chOff x="0" y="0"/>
+          <a:chExt cx="0" cy="0"/>
+        </a:xfrm>
+      </p:grpSpPr>
+      <p:sp>
+        <p:nvSpPr>
+          <p:cNvPr id="2" name="Title 1">
+            <a:extLst>
+              <a:ext uri="{FF2B5EF4-FFF2-40B4-BE49-F238E27FC236}">
+                <a16:creationId xmlns:a16="http://schemas.microsoft.com/office/drawing/2014/main" id="{867878EC-263A-9A3E-1FAE-FCDF7050BF01}"/>
+              </a:ext>
+            </a:extLst>
+          </p:cNvPr>
+          <p:cNvSpPr>
+            <a:spLocks noGrp="1"/>
+          </p:cNvSpPr>
+          <p:nvPr>
+            <p:ph type="title"/>
+          </p:nvPr>
+        </p:nvSpPr>
+        <p:spPr/>
+        <p:txBody>
+          <a:bodyPr/>
+          <a:lstStyle/>
+          <a:p>
+            <a:endParaRPr lang="en-US"/>
+          </a:p>
+        </p:txBody>
+      </p:sp>
+      <p:pic>
+        <p:nvPicPr>
+          <p:cNvPr id="4" name="Picture 3">
+            <a:extLst>
+              <a:ext uri="{FF2B5EF4-FFF2-40B4-BE49-F238E27FC236}">
+                <a16:creationId xmlns:a16="http://schemas.microsoft.com/office/drawing/2014/main" id="{E92DD540-DB83-C326-A3AD-13487605F904}"/>
+              </a:ext>
+            </a:extLst>
+          </p:cNvPr>
+          <p:cNvPicPr>
+            <a:picLocks noChangeAspect="1"/>
+          </p:cNvPicPr>
+          <p:nvPr/>
+        </p:nvPicPr>
+        <p:blipFill>
+          <a:blip r:embed="rId2"/>
+          <a:stretch>
+            <a:fillRect/>
+          </a:stretch>
+        </p:blipFill>
+        <p:spPr>
+          <a:xfrm>
+            <a:off x="973818" y="-50329"/>
+            <a:ext cx="7196363" cy="5244158"/>
+          </a:xfrm>
+          <a:prstGeom prst="rect">
+            <a:avLst/>
+          </a:prstGeom>
+        </p:spPr>
+      </p:pic>
+    </p:spTree>
+    <p:extLst>
+      <p:ext uri="{BB962C8B-B14F-4D97-AF65-F5344CB8AC3E}">
+        <p14:creationId xmlns:p14="http://schemas.microsoft.com/office/powerpoint/2010/main" val="3796490091"/>
       </p:ext>
     </p:extLst>
   </p:cSld>
@@ -11635,7 +11865,7 @@
         <a:effectLst/>
         <a:extLst>
           <a:ext uri="{AF507438-7753-43e0-B8FC-AC1667EBCBE1}">
-            <a14:hiddenEffects xmlns:a14="http://schemas.microsoft.com/office/drawing/2010/main" xmlns="">
+            <a14:hiddenEffects xmlns="" xmlns:a14="http://schemas.microsoft.com/office/drawing/2010/main">
               <a:effectLst>
                 <a:outerShdw blurRad="63500" dist="38099" dir="2700000" algn="ctr" rotWithShape="0">
                   <a:schemeClr val="bg2">
@@ -12114,7 +12344,7 @@
         <a:effectLst/>
         <a:extLst>
           <a:ext uri="{AF507438-7753-43e0-B8FC-AC1667EBCBE1}">
-            <a14:hiddenEffects xmlns="" xmlns:a14="http://schemas.microsoft.com/office/drawing/2010/main">
+            <a14:hiddenEffects xmlns:a14="http://schemas.microsoft.com/office/drawing/2010/main" xmlns="">
               <a:effectLst>
                 <a:outerShdw blurRad="63500" dist="38099" dir="2700000" algn="ctr" rotWithShape="0">
                   <a:schemeClr val="bg2">
@@ -12534,7 +12764,7 @@
         <a:effectLst/>
         <a:extLst>
           <a:ext uri="{AF507438-7753-43e0-B8FC-AC1667EBCBE1}">
-            <a14:hiddenEffects xmlns="" xmlns:a14="http://schemas.microsoft.com/office/drawing/2010/main">
+            <a14:hiddenEffects xmlns:a14="http://schemas.microsoft.com/office/drawing/2010/main" xmlns="">
               <a:effectLst>
                 <a:outerShdw dist="35921" dir="2700000" algn="ctr" rotWithShape="0">
                   <a:srgbClr val="808080"/>

--- a/images/lightfields/01-Solar.pptx
+++ b/images/lightfields/01-Solar.pptx
@@ -4,18 +4,19 @@
   <p:sldMasterIdLst>
     <p:sldMasterId id="2147483685" r:id="rId1"/>
     <p:sldMasterId id="2147483697" r:id="rId2"/>
-    <p:sldMasterId id="2147483672" r:id="rId3"/>
+    <p:sldMasterId id="2147483710" r:id="rId3"/>
+    <p:sldMasterId id="2147483672" r:id="rId4"/>
   </p:sldMasterIdLst>
   <p:notesMasterIdLst>
-    <p:notesMasterId r:id="rId10"/>
+    <p:notesMasterId r:id="rId11"/>
   </p:notesMasterIdLst>
   <p:sldIdLst>
-    <p:sldId id="256" r:id="rId4"/>
-    <p:sldId id="258" r:id="rId5"/>
-    <p:sldId id="257" r:id="rId6"/>
-    <p:sldId id="259" r:id="rId7"/>
-    <p:sldId id="260" r:id="rId8"/>
-    <p:sldId id="261" r:id="rId9"/>
+    <p:sldId id="256" r:id="rId5"/>
+    <p:sldId id="258" r:id="rId6"/>
+    <p:sldId id="257" r:id="rId7"/>
+    <p:sldId id="263" r:id="rId8"/>
+    <p:sldId id="260" r:id="rId9"/>
+    <p:sldId id="261" r:id="rId10"/>
   </p:sldIdLst>
   <p:sldSz cx="9144000" cy="5143500" type="screen16x9"/>
   <p:notesSz cx="6858000" cy="9144000"/>
@@ -3024,6 +3025,1976 @@
 </file>
 
 <file path=ppt/slideLayouts/slideLayout24.xml><?xml version="1.0" encoding="utf-8"?>
+<p:sldLayout xmlns:a="http://schemas.openxmlformats.org/drawingml/2006/main" xmlns:r="http://schemas.openxmlformats.org/officeDocument/2006/relationships" xmlns:p="http://schemas.openxmlformats.org/presentationml/2006/main" type="titleOnly" preserve="1">
+  <p:cSld name="Title Only">
+    <p:spTree>
+      <p:nvGrpSpPr>
+        <p:cNvPr id="1" name=""/>
+        <p:cNvGrpSpPr/>
+        <p:nvPr/>
+      </p:nvGrpSpPr>
+      <p:grpSpPr>
+        <a:xfrm>
+          <a:off x="0" y="0"/>
+          <a:ext cx="0" cy="0"/>
+          <a:chOff x="0" y="0"/>
+          <a:chExt cx="0" cy="0"/>
+        </a:xfrm>
+      </p:grpSpPr>
+      <p:sp>
+        <p:nvSpPr>
+          <p:cNvPr id="2" name="Title 1"/>
+          <p:cNvSpPr>
+            <a:spLocks noGrp="1"/>
+          </p:cNvSpPr>
+          <p:nvPr>
+            <p:ph type="title"/>
+          </p:nvPr>
+        </p:nvSpPr>
+        <p:spPr>
+          <a:xfrm>
+            <a:off x="107506" y="46003"/>
+            <a:ext cx="8928992" cy="421928"/>
+          </a:xfrm>
+        </p:spPr>
+        <p:txBody>
+          <a:bodyPr/>
+          <a:lstStyle/>
+          <a:p>
+            <a:r>
+              <a:rPr lang="en-US"/>
+              <a:t>Click to edit Master title style</a:t>
+            </a:r>
+          </a:p>
+        </p:txBody>
+      </p:sp>
+    </p:spTree>
+    <p:extLst>
+      <p:ext uri="{BB962C8B-B14F-4D97-AF65-F5344CB8AC3E}">
+        <p14:creationId xmlns:p14="http://schemas.microsoft.com/office/powerpoint/2010/main" val="2598933232"/>
+      </p:ext>
+    </p:extLst>
+  </p:cSld>
+  <p:clrMapOvr>
+    <a:masterClrMapping/>
+  </p:clrMapOvr>
+  <mc:AlternateContent xmlns:mc="http://schemas.openxmlformats.org/markup-compatibility/2006" xmlns:p14="http://schemas.microsoft.com/office/powerpoint/2010/main">
+    <mc:Choice Requires="p14">
+      <p:transition spd="slow" p14:dur="900">
+        <p:fade/>
+      </p:transition>
+    </mc:Choice>
+    <mc:Fallback xmlns="">
+      <p:transition xmlns:p14="http://schemas.microsoft.com/office/powerpoint/2010/main" spd="slow">
+        <p:fade/>
+      </p:transition>
+    </mc:Fallback>
+  </mc:AlternateContent>
+</p:sldLayout>
+</file>
+
+<file path=ppt/slideLayouts/slideLayout25.xml><?xml version="1.0" encoding="utf-8"?>
+<p:sldLayout xmlns:a="http://schemas.openxmlformats.org/drawingml/2006/main" xmlns:r="http://schemas.openxmlformats.org/officeDocument/2006/relationships" xmlns:p="http://schemas.openxmlformats.org/presentationml/2006/main" showMasterSp="0" preserve="1" userDrawn="1">
+  <p:cSld name="Custom Layout">
+    <p:spTree>
+      <p:nvGrpSpPr>
+        <p:cNvPr id="1" name=""/>
+        <p:cNvGrpSpPr/>
+        <p:nvPr/>
+      </p:nvGrpSpPr>
+      <p:grpSpPr>
+        <a:xfrm>
+          <a:off x="0" y="0"/>
+          <a:ext cx="0" cy="0"/>
+          <a:chOff x="0" y="0"/>
+          <a:chExt cx="0" cy="0"/>
+        </a:xfrm>
+      </p:grpSpPr>
+      <p:sp>
+        <p:nvSpPr>
+          <p:cNvPr id="2" name="Title 1">
+            <a:extLst>
+              <a:ext uri="{FF2B5EF4-FFF2-40B4-BE49-F238E27FC236}">
+                <a16:creationId xmlns:a16="http://schemas.microsoft.com/office/drawing/2014/main" id="{AB351DDD-D69E-BA9E-5CF7-BF735019CDA2}"/>
+              </a:ext>
+            </a:extLst>
+          </p:cNvPr>
+          <p:cNvSpPr>
+            <a:spLocks noGrp="1"/>
+          </p:cNvSpPr>
+          <p:nvPr>
+            <p:ph type="title"/>
+          </p:nvPr>
+        </p:nvSpPr>
+        <p:spPr/>
+        <p:txBody>
+          <a:bodyPr/>
+          <a:lstStyle/>
+          <a:p>
+            <a:r>
+              <a:rPr lang="en-US"/>
+              <a:t>Click to edit Master title style</a:t>
+            </a:r>
+          </a:p>
+        </p:txBody>
+      </p:sp>
+    </p:spTree>
+    <p:extLst>
+      <p:ext uri="{BB962C8B-B14F-4D97-AF65-F5344CB8AC3E}">
+        <p14:creationId xmlns:p14="http://schemas.microsoft.com/office/powerpoint/2010/main" val="500469858"/>
+      </p:ext>
+    </p:extLst>
+  </p:cSld>
+  <p:clrMapOvr>
+    <a:masterClrMapping/>
+  </p:clrMapOvr>
+  <mc:AlternateContent xmlns:mc="http://schemas.openxmlformats.org/markup-compatibility/2006" xmlns:p14="http://schemas.microsoft.com/office/powerpoint/2010/main">
+    <mc:Choice Requires="p14">
+      <p:transition spd="slow" p14:dur="900">
+        <p:fade/>
+      </p:transition>
+    </mc:Choice>
+    <mc:Fallback xmlns="">
+      <p:transition xmlns:p14="http://schemas.microsoft.com/office/powerpoint/2010/main" spd="slow">
+        <p:fade/>
+      </p:transition>
+    </mc:Fallback>
+  </mc:AlternateContent>
+</p:sldLayout>
+</file>
+
+<file path=ppt/slideLayouts/slideLayout26.xml><?xml version="1.0" encoding="utf-8"?>
+<p:sldLayout xmlns:a="http://schemas.openxmlformats.org/drawingml/2006/main" xmlns:r="http://schemas.openxmlformats.org/officeDocument/2006/relationships" xmlns:p="http://schemas.openxmlformats.org/presentationml/2006/main" type="title" preserve="1">
+  <p:cSld name="Title Slide">
+    <p:spTree>
+      <p:nvGrpSpPr>
+        <p:cNvPr id="1" name=""/>
+        <p:cNvGrpSpPr/>
+        <p:nvPr/>
+      </p:nvGrpSpPr>
+      <p:grpSpPr>
+        <a:xfrm>
+          <a:off x="0" y="0"/>
+          <a:ext cx="0" cy="0"/>
+          <a:chOff x="0" y="0"/>
+          <a:chExt cx="0" cy="0"/>
+        </a:xfrm>
+      </p:grpSpPr>
+      <p:sp>
+        <p:nvSpPr>
+          <p:cNvPr id="2" name="Title 1"/>
+          <p:cNvSpPr>
+            <a:spLocks noGrp="1"/>
+          </p:cNvSpPr>
+          <p:nvPr>
+            <p:ph type="ctrTitle"/>
+          </p:nvPr>
+        </p:nvSpPr>
+        <p:spPr>
+          <a:xfrm>
+            <a:off x="685356" y="1598137"/>
+            <a:ext cx="7773293" cy="1102537"/>
+          </a:xfrm>
+        </p:spPr>
+        <p:txBody>
+          <a:bodyPr/>
+          <a:lstStyle/>
+          <a:p>
+            <a:r>
+              <a:rPr lang="en-US"/>
+              <a:t>Click to edit Master title style</a:t>
+            </a:r>
+          </a:p>
+        </p:txBody>
+      </p:sp>
+      <p:sp>
+        <p:nvSpPr>
+          <p:cNvPr id="3" name="Subtitle 2"/>
+          <p:cNvSpPr>
+            <a:spLocks noGrp="1"/>
+          </p:cNvSpPr>
+          <p:nvPr>
+            <p:ph type="subTitle" idx="1"/>
+          </p:nvPr>
+        </p:nvSpPr>
+        <p:spPr>
+          <a:xfrm>
+            <a:off x="1371825" y="2914990"/>
+            <a:ext cx="6400354" cy="1314338"/>
+          </a:xfrm>
+        </p:spPr>
+        <p:txBody>
+          <a:bodyPr/>
+          <a:lstStyle>
+            <a:lvl1pPr marL="0" indent="0" algn="ctr">
+              <a:buNone/>
+              <a:defRPr/>
+            </a:lvl1pPr>
+            <a:lvl2pPr marL="241037" indent="0" algn="ctr">
+              <a:buNone/>
+              <a:defRPr/>
+            </a:lvl2pPr>
+            <a:lvl3pPr marL="482075" indent="0" algn="ctr">
+              <a:buNone/>
+              <a:defRPr/>
+            </a:lvl3pPr>
+            <a:lvl4pPr marL="723113" indent="0" algn="ctr">
+              <a:buNone/>
+              <a:defRPr/>
+            </a:lvl4pPr>
+            <a:lvl5pPr marL="964150" indent="0" algn="ctr">
+              <a:buNone/>
+              <a:defRPr/>
+            </a:lvl5pPr>
+            <a:lvl6pPr marL="1205189" indent="0" algn="ctr">
+              <a:buNone/>
+              <a:defRPr/>
+            </a:lvl6pPr>
+            <a:lvl7pPr marL="1446225" indent="0" algn="ctr">
+              <a:buNone/>
+              <a:defRPr/>
+            </a:lvl7pPr>
+            <a:lvl8pPr marL="1687264" indent="0" algn="ctr">
+              <a:buNone/>
+              <a:defRPr/>
+            </a:lvl8pPr>
+            <a:lvl9pPr marL="1928302" indent="0" algn="ctr">
+              <a:buNone/>
+              <a:defRPr/>
+            </a:lvl9pPr>
+          </a:lstStyle>
+          <a:p>
+            <a:r>
+              <a:rPr lang="en-US"/>
+              <a:t>Click to edit Master subtitle style</a:t>
+            </a:r>
+          </a:p>
+        </p:txBody>
+      </p:sp>
+    </p:spTree>
+    <p:extLst>
+      <p:ext uri="{BB962C8B-B14F-4D97-AF65-F5344CB8AC3E}">
+        <p14:creationId xmlns:p14="http://schemas.microsoft.com/office/powerpoint/2010/main" val="2807586883"/>
+      </p:ext>
+    </p:extLst>
+  </p:cSld>
+  <p:clrMapOvr>
+    <a:masterClrMapping/>
+  </p:clrMapOvr>
+  <mc:AlternateContent xmlns:mc="http://schemas.openxmlformats.org/markup-compatibility/2006" xmlns:p14="http://schemas.microsoft.com/office/powerpoint/2010/main">
+    <mc:Choice Requires="p14">
+      <p:transition spd="slow" p14:dur="900">
+        <p:fade/>
+      </p:transition>
+    </mc:Choice>
+    <mc:Fallback xmlns="">
+      <p:transition xmlns:p14="http://schemas.microsoft.com/office/powerpoint/2010/main" spd="slow">
+        <p:fade/>
+      </p:transition>
+    </mc:Fallback>
+  </mc:AlternateContent>
+</p:sldLayout>
+</file>
+
+<file path=ppt/slideLayouts/slideLayout27.xml><?xml version="1.0" encoding="utf-8"?>
+<p:sldLayout xmlns:a="http://schemas.openxmlformats.org/drawingml/2006/main" xmlns:r="http://schemas.openxmlformats.org/officeDocument/2006/relationships" xmlns:p="http://schemas.openxmlformats.org/presentationml/2006/main" type="obj" preserve="1">
+  <p:cSld name="Title and Content">
+    <p:spTree>
+      <p:nvGrpSpPr>
+        <p:cNvPr id="1" name=""/>
+        <p:cNvGrpSpPr/>
+        <p:nvPr/>
+      </p:nvGrpSpPr>
+      <p:grpSpPr>
+        <a:xfrm>
+          <a:off x="0" y="0"/>
+          <a:ext cx="0" cy="0"/>
+          <a:chOff x="0" y="0"/>
+          <a:chExt cx="0" cy="0"/>
+        </a:xfrm>
+      </p:grpSpPr>
+      <p:sp>
+        <p:nvSpPr>
+          <p:cNvPr id="2" name="Title 1"/>
+          <p:cNvSpPr>
+            <a:spLocks noGrp="1"/>
+          </p:cNvSpPr>
+          <p:nvPr>
+            <p:ph type="title"/>
+          </p:nvPr>
+        </p:nvSpPr>
+        <p:spPr/>
+        <p:txBody>
+          <a:bodyPr/>
+          <a:lstStyle/>
+          <a:p>
+            <a:r>
+              <a:rPr lang="en-US"/>
+              <a:t>Click to edit Master title style</a:t>
+            </a:r>
+          </a:p>
+        </p:txBody>
+      </p:sp>
+      <p:sp>
+        <p:nvSpPr>
+          <p:cNvPr id="3" name="Content Placeholder 2"/>
+          <p:cNvSpPr>
+            <a:spLocks noGrp="1"/>
+          </p:cNvSpPr>
+          <p:nvPr>
+            <p:ph idx="1"/>
+          </p:nvPr>
+        </p:nvSpPr>
+        <p:spPr/>
+        <p:txBody>
+          <a:bodyPr/>
+          <a:lstStyle/>
+          <a:p>
+            <a:pPr lvl="0"/>
+            <a:r>
+              <a:rPr lang="en-US"/>
+              <a:t>Click to edit Master text styles</a:t>
+            </a:r>
+          </a:p>
+          <a:p>
+            <a:pPr lvl="1"/>
+            <a:r>
+              <a:rPr lang="en-US"/>
+              <a:t>Second level</a:t>
+            </a:r>
+          </a:p>
+          <a:p>
+            <a:pPr lvl="2"/>
+            <a:r>
+              <a:rPr lang="en-US"/>
+              <a:t>Third level</a:t>
+            </a:r>
+          </a:p>
+          <a:p>
+            <a:pPr lvl="3"/>
+            <a:r>
+              <a:rPr lang="en-US"/>
+              <a:t>Fourth level</a:t>
+            </a:r>
+          </a:p>
+          <a:p>
+            <a:pPr lvl="4"/>
+            <a:r>
+              <a:rPr lang="en-US"/>
+              <a:t>Fifth level</a:t>
+            </a:r>
+          </a:p>
+        </p:txBody>
+      </p:sp>
+    </p:spTree>
+    <p:extLst>
+      <p:ext uri="{BB962C8B-B14F-4D97-AF65-F5344CB8AC3E}">
+        <p14:creationId xmlns:p14="http://schemas.microsoft.com/office/powerpoint/2010/main" val="3390898947"/>
+      </p:ext>
+    </p:extLst>
+  </p:cSld>
+  <p:clrMapOvr>
+    <a:masterClrMapping/>
+  </p:clrMapOvr>
+  <mc:AlternateContent xmlns:mc="http://schemas.openxmlformats.org/markup-compatibility/2006" xmlns:p14="http://schemas.microsoft.com/office/powerpoint/2010/main">
+    <mc:Choice Requires="p14">
+      <p:transition spd="slow" p14:dur="900">
+        <p:fade/>
+      </p:transition>
+    </mc:Choice>
+    <mc:Fallback xmlns="">
+      <p:transition xmlns:p14="http://schemas.microsoft.com/office/powerpoint/2010/main" spd="slow">
+        <p:fade/>
+      </p:transition>
+    </mc:Fallback>
+  </mc:AlternateContent>
+</p:sldLayout>
+</file>
+
+<file path=ppt/slideLayouts/slideLayout28.xml><?xml version="1.0" encoding="utf-8"?>
+<p:sldLayout xmlns:a="http://schemas.openxmlformats.org/drawingml/2006/main" xmlns:r="http://schemas.openxmlformats.org/officeDocument/2006/relationships" xmlns:p="http://schemas.openxmlformats.org/presentationml/2006/main" type="secHead" preserve="1">
+  <p:cSld name="Section Header">
+    <p:spTree>
+      <p:nvGrpSpPr>
+        <p:cNvPr id="1" name=""/>
+        <p:cNvGrpSpPr/>
+        <p:nvPr/>
+      </p:nvGrpSpPr>
+      <p:grpSpPr>
+        <a:xfrm>
+          <a:off x="0" y="0"/>
+          <a:ext cx="0" cy="0"/>
+          <a:chOff x="0" y="0"/>
+          <a:chExt cx="0" cy="0"/>
+        </a:xfrm>
+      </p:grpSpPr>
+      <p:sp>
+        <p:nvSpPr>
+          <p:cNvPr id="2" name="Title 1"/>
+          <p:cNvSpPr>
+            <a:spLocks noGrp="1"/>
+          </p:cNvSpPr>
+          <p:nvPr>
+            <p:ph type="title"/>
+          </p:nvPr>
+        </p:nvSpPr>
+        <p:spPr>
+          <a:xfrm>
+            <a:off x="722190" y="3305103"/>
+            <a:ext cx="7772176" cy="1021333"/>
+          </a:xfrm>
+        </p:spPr>
+        <p:txBody>
+          <a:bodyPr anchor="t"/>
+          <a:lstStyle>
+            <a:lvl1pPr algn="l">
+              <a:defRPr sz="2100" b="1" cap="all"/>
+            </a:lvl1pPr>
+          </a:lstStyle>
+          <a:p>
+            <a:r>
+              <a:rPr lang="en-US"/>
+              <a:t>Click to edit Master title style</a:t>
+            </a:r>
+          </a:p>
+        </p:txBody>
+      </p:sp>
+      <p:sp>
+        <p:nvSpPr>
+          <p:cNvPr id="3" name="Text Placeholder 2"/>
+          <p:cNvSpPr>
+            <a:spLocks noGrp="1"/>
+          </p:cNvSpPr>
+          <p:nvPr>
+            <p:ph type="body" idx="1"/>
+          </p:nvPr>
+        </p:nvSpPr>
+        <p:spPr>
+          <a:xfrm>
+            <a:off x="722190" y="2179960"/>
+            <a:ext cx="7772176" cy="1125141"/>
+          </a:xfrm>
+        </p:spPr>
+        <p:txBody>
+          <a:bodyPr anchor="b"/>
+          <a:lstStyle>
+            <a:lvl1pPr marL="0" indent="0">
+              <a:buNone/>
+              <a:defRPr sz="1050"/>
+            </a:lvl1pPr>
+            <a:lvl2pPr marL="241037" indent="0">
+              <a:buNone/>
+              <a:defRPr sz="975"/>
+            </a:lvl2pPr>
+            <a:lvl3pPr marL="482075" indent="0">
+              <a:buNone/>
+              <a:defRPr sz="825"/>
+            </a:lvl3pPr>
+            <a:lvl4pPr marL="723113" indent="0">
+              <a:buNone/>
+              <a:defRPr sz="750"/>
+            </a:lvl4pPr>
+            <a:lvl5pPr marL="964150" indent="0">
+              <a:buNone/>
+              <a:defRPr sz="750"/>
+            </a:lvl5pPr>
+            <a:lvl6pPr marL="1205189" indent="0">
+              <a:buNone/>
+              <a:defRPr sz="750"/>
+            </a:lvl6pPr>
+            <a:lvl7pPr marL="1446225" indent="0">
+              <a:buNone/>
+              <a:defRPr sz="750"/>
+            </a:lvl7pPr>
+            <a:lvl8pPr marL="1687264" indent="0">
+              <a:buNone/>
+              <a:defRPr sz="750"/>
+            </a:lvl8pPr>
+            <a:lvl9pPr marL="1928302" indent="0">
+              <a:buNone/>
+              <a:defRPr sz="750"/>
+            </a:lvl9pPr>
+          </a:lstStyle>
+          <a:p>
+            <a:pPr lvl="0"/>
+            <a:r>
+              <a:rPr lang="en-US"/>
+              <a:t>Click to edit Master text styles</a:t>
+            </a:r>
+          </a:p>
+        </p:txBody>
+      </p:sp>
+    </p:spTree>
+    <p:extLst>
+      <p:ext uri="{BB962C8B-B14F-4D97-AF65-F5344CB8AC3E}">
+        <p14:creationId xmlns:p14="http://schemas.microsoft.com/office/powerpoint/2010/main" val="1191415538"/>
+      </p:ext>
+    </p:extLst>
+  </p:cSld>
+  <p:clrMapOvr>
+    <a:masterClrMapping/>
+  </p:clrMapOvr>
+  <mc:AlternateContent xmlns:mc="http://schemas.openxmlformats.org/markup-compatibility/2006" xmlns:p14="http://schemas.microsoft.com/office/powerpoint/2010/main">
+    <mc:Choice Requires="p14">
+      <p:transition spd="slow" p14:dur="900">
+        <p:fade/>
+      </p:transition>
+    </mc:Choice>
+    <mc:Fallback xmlns="">
+      <p:transition xmlns:p14="http://schemas.microsoft.com/office/powerpoint/2010/main" spd="slow">
+        <p:fade/>
+      </p:transition>
+    </mc:Fallback>
+  </mc:AlternateContent>
+</p:sldLayout>
+</file>
+
+<file path=ppt/slideLayouts/slideLayout29.xml><?xml version="1.0" encoding="utf-8"?>
+<p:sldLayout xmlns:a="http://schemas.openxmlformats.org/drawingml/2006/main" xmlns:r="http://schemas.openxmlformats.org/officeDocument/2006/relationships" xmlns:p="http://schemas.openxmlformats.org/presentationml/2006/main" type="twoObj" preserve="1">
+  <p:cSld name="Two Content">
+    <p:spTree>
+      <p:nvGrpSpPr>
+        <p:cNvPr id="1" name=""/>
+        <p:cNvGrpSpPr/>
+        <p:nvPr/>
+      </p:nvGrpSpPr>
+      <p:grpSpPr>
+        <a:xfrm>
+          <a:off x="0" y="0"/>
+          <a:ext cx="0" cy="0"/>
+          <a:chOff x="0" y="0"/>
+          <a:chExt cx="0" cy="0"/>
+        </a:xfrm>
+      </p:grpSpPr>
+      <p:sp>
+        <p:nvSpPr>
+          <p:cNvPr id="2" name="Title 1"/>
+          <p:cNvSpPr>
+            <a:spLocks noGrp="1"/>
+          </p:cNvSpPr>
+          <p:nvPr>
+            <p:ph type="title"/>
+          </p:nvPr>
+        </p:nvSpPr>
+        <p:spPr/>
+        <p:txBody>
+          <a:bodyPr/>
+          <a:lstStyle/>
+          <a:p>
+            <a:r>
+              <a:rPr lang="en-US"/>
+              <a:t>Click to edit Master title style</a:t>
+            </a:r>
+          </a:p>
+        </p:txBody>
+      </p:sp>
+      <p:sp>
+        <p:nvSpPr>
+          <p:cNvPr id="3" name="Content Placeholder 2"/>
+          <p:cNvSpPr>
+            <a:spLocks noGrp="1"/>
+          </p:cNvSpPr>
+          <p:nvPr>
+            <p:ph sz="half" idx="1"/>
+          </p:nvPr>
+        </p:nvSpPr>
+        <p:spPr>
+          <a:xfrm>
+            <a:off x="892972" y="2652118"/>
+            <a:ext cx="3625453" cy="596057"/>
+          </a:xfrm>
+        </p:spPr>
+        <p:txBody>
+          <a:bodyPr/>
+          <a:lstStyle>
+            <a:lvl1pPr>
+              <a:defRPr sz="1500"/>
+            </a:lvl1pPr>
+            <a:lvl2pPr>
+              <a:defRPr sz="1275"/>
+            </a:lvl2pPr>
+            <a:lvl3pPr>
+              <a:defRPr sz="1050"/>
+            </a:lvl3pPr>
+            <a:lvl4pPr>
+              <a:defRPr sz="975"/>
+            </a:lvl4pPr>
+            <a:lvl5pPr>
+              <a:defRPr sz="975"/>
+            </a:lvl5pPr>
+            <a:lvl6pPr>
+              <a:defRPr sz="975"/>
+            </a:lvl6pPr>
+            <a:lvl7pPr>
+              <a:defRPr sz="975"/>
+            </a:lvl7pPr>
+            <a:lvl8pPr>
+              <a:defRPr sz="975"/>
+            </a:lvl8pPr>
+            <a:lvl9pPr>
+              <a:defRPr sz="975"/>
+            </a:lvl9pPr>
+          </a:lstStyle>
+          <a:p>
+            <a:pPr lvl="0"/>
+            <a:r>
+              <a:rPr lang="en-US"/>
+              <a:t>Click to edit Master text styles</a:t>
+            </a:r>
+          </a:p>
+          <a:p>
+            <a:pPr lvl="1"/>
+            <a:r>
+              <a:rPr lang="en-US"/>
+              <a:t>Second level</a:t>
+            </a:r>
+          </a:p>
+          <a:p>
+            <a:pPr lvl="2"/>
+            <a:r>
+              <a:rPr lang="en-US"/>
+              <a:t>Third level</a:t>
+            </a:r>
+          </a:p>
+          <a:p>
+            <a:pPr lvl="3"/>
+            <a:r>
+              <a:rPr lang="en-US"/>
+              <a:t>Fourth level</a:t>
+            </a:r>
+          </a:p>
+          <a:p>
+            <a:pPr lvl="4"/>
+            <a:r>
+              <a:rPr lang="en-US"/>
+              <a:t>Fifth level</a:t>
+            </a:r>
+          </a:p>
+        </p:txBody>
+      </p:sp>
+      <p:sp>
+        <p:nvSpPr>
+          <p:cNvPr id="4" name="Content Placeholder 3"/>
+          <p:cNvSpPr>
+            <a:spLocks noGrp="1"/>
+          </p:cNvSpPr>
+          <p:nvPr>
+            <p:ph sz="half" idx="2"/>
+          </p:nvPr>
+        </p:nvSpPr>
+        <p:spPr>
+          <a:xfrm>
+            <a:off x="4625580" y="2652118"/>
+            <a:ext cx="3625453" cy="596057"/>
+          </a:xfrm>
+        </p:spPr>
+        <p:txBody>
+          <a:bodyPr/>
+          <a:lstStyle>
+            <a:lvl1pPr>
+              <a:defRPr sz="1500"/>
+            </a:lvl1pPr>
+            <a:lvl2pPr>
+              <a:defRPr sz="1275"/>
+            </a:lvl2pPr>
+            <a:lvl3pPr>
+              <a:defRPr sz="1050"/>
+            </a:lvl3pPr>
+            <a:lvl4pPr>
+              <a:defRPr sz="975"/>
+            </a:lvl4pPr>
+            <a:lvl5pPr>
+              <a:defRPr sz="975"/>
+            </a:lvl5pPr>
+            <a:lvl6pPr>
+              <a:defRPr sz="975"/>
+            </a:lvl6pPr>
+            <a:lvl7pPr>
+              <a:defRPr sz="975"/>
+            </a:lvl7pPr>
+            <a:lvl8pPr>
+              <a:defRPr sz="975"/>
+            </a:lvl8pPr>
+            <a:lvl9pPr>
+              <a:defRPr sz="975"/>
+            </a:lvl9pPr>
+          </a:lstStyle>
+          <a:p>
+            <a:pPr lvl="0"/>
+            <a:r>
+              <a:rPr lang="en-US"/>
+              <a:t>Click to edit Master text styles</a:t>
+            </a:r>
+          </a:p>
+          <a:p>
+            <a:pPr lvl="1"/>
+            <a:r>
+              <a:rPr lang="en-US"/>
+              <a:t>Second level</a:t>
+            </a:r>
+          </a:p>
+          <a:p>
+            <a:pPr lvl="2"/>
+            <a:r>
+              <a:rPr lang="en-US"/>
+              <a:t>Third level</a:t>
+            </a:r>
+          </a:p>
+          <a:p>
+            <a:pPr lvl="3"/>
+            <a:r>
+              <a:rPr lang="en-US"/>
+              <a:t>Fourth level</a:t>
+            </a:r>
+          </a:p>
+          <a:p>
+            <a:pPr lvl="4"/>
+            <a:r>
+              <a:rPr lang="en-US"/>
+              <a:t>Fifth level</a:t>
+            </a:r>
+          </a:p>
+        </p:txBody>
+      </p:sp>
+    </p:spTree>
+    <p:extLst>
+      <p:ext uri="{BB962C8B-B14F-4D97-AF65-F5344CB8AC3E}">
+        <p14:creationId xmlns:p14="http://schemas.microsoft.com/office/powerpoint/2010/main" val="1437492207"/>
+      </p:ext>
+    </p:extLst>
+  </p:cSld>
+  <p:clrMapOvr>
+    <a:masterClrMapping/>
+  </p:clrMapOvr>
+  <mc:AlternateContent xmlns:mc="http://schemas.openxmlformats.org/markup-compatibility/2006" xmlns:p14="http://schemas.microsoft.com/office/powerpoint/2010/main">
+    <mc:Choice Requires="p14">
+      <p:transition spd="slow" p14:dur="900">
+        <p:fade/>
+      </p:transition>
+    </mc:Choice>
+    <mc:Fallback xmlns="">
+      <p:transition xmlns:p14="http://schemas.microsoft.com/office/powerpoint/2010/main" spd="slow">
+        <p:fade/>
+      </p:transition>
+    </mc:Fallback>
+  </mc:AlternateContent>
+</p:sldLayout>
+</file>
+
+<file path=ppt/slideLayouts/slideLayout3.xml><?xml version="1.0" encoding="utf-8"?>
+<p:sldLayout xmlns:a="http://schemas.openxmlformats.org/drawingml/2006/main" xmlns:r="http://schemas.openxmlformats.org/officeDocument/2006/relationships" xmlns:p="http://schemas.openxmlformats.org/presentationml/2006/main" type="title" preserve="1">
+  <p:cSld name="Title Slide">
+    <p:spTree>
+      <p:nvGrpSpPr>
+        <p:cNvPr id="1" name=""/>
+        <p:cNvGrpSpPr/>
+        <p:nvPr/>
+      </p:nvGrpSpPr>
+      <p:grpSpPr>
+        <a:xfrm>
+          <a:off x="0" y="0"/>
+          <a:ext cx="0" cy="0"/>
+          <a:chOff x="0" y="0"/>
+          <a:chExt cx="0" cy="0"/>
+        </a:xfrm>
+      </p:grpSpPr>
+      <p:sp>
+        <p:nvSpPr>
+          <p:cNvPr id="2" name="Title 1"/>
+          <p:cNvSpPr>
+            <a:spLocks noGrp="1"/>
+          </p:cNvSpPr>
+          <p:nvPr>
+            <p:ph type="ctrTitle"/>
+          </p:nvPr>
+        </p:nvSpPr>
+        <p:spPr>
+          <a:xfrm>
+            <a:off x="685356" y="1598137"/>
+            <a:ext cx="7773293" cy="1102537"/>
+          </a:xfrm>
+        </p:spPr>
+        <p:txBody>
+          <a:bodyPr/>
+          <a:lstStyle/>
+          <a:p>
+            <a:r>
+              <a:rPr lang="en-US"/>
+              <a:t>Click to edit Master title style</a:t>
+            </a:r>
+          </a:p>
+        </p:txBody>
+      </p:sp>
+      <p:sp>
+        <p:nvSpPr>
+          <p:cNvPr id="3" name="Subtitle 2"/>
+          <p:cNvSpPr>
+            <a:spLocks noGrp="1"/>
+          </p:cNvSpPr>
+          <p:nvPr>
+            <p:ph type="subTitle" idx="1"/>
+          </p:nvPr>
+        </p:nvSpPr>
+        <p:spPr>
+          <a:xfrm>
+            <a:off x="1371825" y="2914990"/>
+            <a:ext cx="6400354" cy="1314338"/>
+          </a:xfrm>
+        </p:spPr>
+        <p:txBody>
+          <a:bodyPr/>
+          <a:lstStyle>
+            <a:lvl1pPr marL="0" indent="0" algn="ctr">
+              <a:buNone/>
+              <a:defRPr/>
+            </a:lvl1pPr>
+            <a:lvl2pPr marL="241037" indent="0" algn="ctr">
+              <a:buNone/>
+              <a:defRPr/>
+            </a:lvl2pPr>
+            <a:lvl3pPr marL="482075" indent="0" algn="ctr">
+              <a:buNone/>
+              <a:defRPr/>
+            </a:lvl3pPr>
+            <a:lvl4pPr marL="723113" indent="0" algn="ctr">
+              <a:buNone/>
+              <a:defRPr/>
+            </a:lvl4pPr>
+            <a:lvl5pPr marL="964150" indent="0" algn="ctr">
+              <a:buNone/>
+              <a:defRPr/>
+            </a:lvl5pPr>
+            <a:lvl6pPr marL="1205189" indent="0" algn="ctr">
+              <a:buNone/>
+              <a:defRPr/>
+            </a:lvl6pPr>
+            <a:lvl7pPr marL="1446225" indent="0" algn="ctr">
+              <a:buNone/>
+              <a:defRPr/>
+            </a:lvl7pPr>
+            <a:lvl8pPr marL="1687264" indent="0" algn="ctr">
+              <a:buNone/>
+              <a:defRPr/>
+            </a:lvl8pPr>
+            <a:lvl9pPr marL="1928302" indent="0" algn="ctr">
+              <a:buNone/>
+              <a:defRPr/>
+            </a:lvl9pPr>
+          </a:lstStyle>
+          <a:p>
+            <a:r>
+              <a:rPr lang="en-US"/>
+              <a:t>Click to edit Master subtitle style</a:t>
+            </a:r>
+          </a:p>
+        </p:txBody>
+      </p:sp>
+    </p:spTree>
+    <p:extLst>
+      <p:ext uri="{BB962C8B-B14F-4D97-AF65-F5344CB8AC3E}">
+        <p14:creationId xmlns:p14="http://schemas.microsoft.com/office/powerpoint/2010/main" val="943471723"/>
+      </p:ext>
+    </p:extLst>
+  </p:cSld>
+  <p:clrMapOvr>
+    <a:masterClrMapping/>
+  </p:clrMapOvr>
+  <mc:AlternateContent xmlns:mc="http://schemas.openxmlformats.org/markup-compatibility/2006" xmlns:p14="http://schemas.microsoft.com/office/powerpoint/2010/main">
+    <mc:Choice Requires="p14">
+      <p:transition spd="slow" p14:dur="900">
+        <p:fade/>
+      </p:transition>
+    </mc:Choice>
+    <mc:Fallback xmlns="">
+      <p:transition xmlns:p14="http://schemas.microsoft.com/office/powerpoint/2010/main" spd="slow">
+        <p:fade/>
+      </p:transition>
+    </mc:Fallback>
+  </mc:AlternateContent>
+</p:sldLayout>
+</file>
+
+<file path=ppt/slideLayouts/slideLayout30.xml><?xml version="1.0" encoding="utf-8"?>
+<p:sldLayout xmlns:a="http://schemas.openxmlformats.org/drawingml/2006/main" xmlns:r="http://schemas.openxmlformats.org/officeDocument/2006/relationships" xmlns:p="http://schemas.openxmlformats.org/presentationml/2006/main" type="twoTxTwoObj" preserve="1">
+  <p:cSld name="Comparison">
+    <p:spTree>
+      <p:nvGrpSpPr>
+        <p:cNvPr id="1" name=""/>
+        <p:cNvGrpSpPr/>
+        <p:nvPr/>
+      </p:nvGrpSpPr>
+      <p:grpSpPr>
+        <a:xfrm>
+          <a:off x="0" y="0"/>
+          <a:ext cx="0" cy="0"/>
+          <a:chOff x="0" y="0"/>
+          <a:chExt cx="0" cy="0"/>
+        </a:xfrm>
+      </p:grpSpPr>
+      <p:sp>
+        <p:nvSpPr>
+          <p:cNvPr id="2" name="Title 1"/>
+          <p:cNvSpPr>
+            <a:spLocks noGrp="1"/>
+          </p:cNvSpPr>
+          <p:nvPr>
+            <p:ph type="title"/>
+          </p:nvPr>
+        </p:nvSpPr>
+        <p:spPr>
+          <a:xfrm>
+            <a:off x="457649" y="205941"/>
+            <a:ext cx="8228707" cy="857250"/>
+          </a:xfrm>
+        </p:spPr>
+        <p:txBody>
+          <a:bodyPr/>
+          <a:lstStyle>
+            <a:lvl1pPr>
+              <a:defRPr/>
+            </a:lvl1pPr>
+          </a:lstStyle>
+          <a:p>
+            <a:r>
+              <a:rPr lang="en-US"/>
+              <a:t>Click to edit Master title style</a:t>
+            </a:r>
+          </a:p>
+        </p:txBody>
+      </p:sp>
+      <p:sp>
+        <p:nvSpPr>
+          <p:cNvPr id="3" name="Text Placeholder 2"/>
+          <p:cNvSpPr>
+            <a:spLocks noGrp="1"/>
+          </p:cNvSpPr>
+          <p:nvPr>
+            <p:ph type="body" idx="1"/>
+          </p:nvPr>
+        </p:nvSpPr>
+        <p:spPr>
+          <a:xfrm>
+            <a:off x="457648" y="1151093"/>
+            <a:ext cx="4039568" cy="479692"/>
+          </a:xfrm>
+        </p:spPr>
+        <p:txBody>
+          <a:bodyPr anchor="b"/>
+          <a:lstStyle>
+            <a:lvl1pPr marL="0" indent="0">
+              <a:buNone/>
+              <a:defRPr sz="1275" b="1"/>
+            </a:lvl1pPr>
+            <a:lvl2pPr marL="241037" indent="0">
+              <a:buNone/>
+              <a:defRPr sz="1050" b="1"/>
+            </a:lvl2pPr>
+            <a:lvl3pPr marL="482075" indent="0">
+              <a:buNone/>
+              <a:defRPr sz="975" b="1"/>
+            </a:lvl3pPr>
+            <a:lvl4pPr marL="723113" indent="0">
+              <a:buNone/>
+              <a:defRPr sz="825" b="1"/>
+            </a:lvl4pPr>
+            <a:lvl5pPr marL="964150" indent="0">
+              <a:buNone/>
+              <a:defRPr sz="825" b="1"/>
+            </a:lvl5pPr>
+            <a:lvl6pPr marL="1205189" indent="0">
+              <a:buNone/>
+              <a:defRPr sz="825" b="1"/>
+            </a:lvl6pPr>
+            <a:lvl7pPr marL="1446225" indent="0">
+              <a:buNone/>
+              <a:defRPr sz="825" b="1"/>
+            </a:lvl7pPr>
+            <a:lvl8pPr marL="1687264" indent="0">
+              <a:buNone/>
+              <a:defRPr sz="825" b="1"/>
+            </a:lvl8pPr>
+            <a:lvl9pPr marL="1928302" indent="0">
+              <a:buNone/>
+              <a:defRPr sz="825" b="1"/>
+            </a:lvl9pPr>
+          </a:lstStyle>
+          <a:p>
+            <a:pPr lvl="0"/>
+            <a:r>
+              <a:rPr lang="en-US"/>
+              <a:t>Click to edit Master text styles</a:t>
+            </a:r>
+          </a:p>
+        </p:txBody>
+      </p:sp>
+      <p:sp>
+        <p:nvSpPr>
+          <p:cNvPr id="4" name="Content Placeholder 3"/>
+          <p:cNvSpPr>
+            <a:spLocks noGrp="1"/>
+          </p:cNvSpPr>
+          <p:nvPr>
+            <p:ph sz="half" idx="2"/>
+          </p:nvPr>
+        </p:nvSpPr>
+        <p:spPr>
+          <a:xfrm>
+            <a:off x="457648" y="1630786"/>
+            <a:ext cx="4039568" cy="2963540"/>
+          </a:xfrm>
+        </p:spPr>
+        <p:txBody>
+          <a:bodyPr/>
+          <a:lstStyle>
+            <a:lvl1pPr>
+              <a:defRPr sz="1275"/>
+            </a:lvl1pPr>
+            <a:lvl2pPr>
+              <a:defRPr sz="1050"/>
+            </a:lvl2pPr>
+            <a:lvl3pPr>
+              <a:defRPr sz="975"/>
+            </a:lvl3pPr>
+            <a:lvl4pPr>
+              <a:defRPr sz="825"/>
+            </a:lvl4pPr>
+            <a:lvl5pPr>
+              <a:defRPr sz="825"/>
+            </a:lvl5pPr>
+            <a:lvl6pPr>
+              <a:defRPr sz="825"/>
+            </a:lvl6pPr>
+            <a:lvl7pPr>
+              <a:defRPr sz="825"/>
+            </a:lvl7pPr>
+            <a:lvl8pPr>
+              <a:defRPr sz="825"/>
+            </a:lvl8pPr>
+            <a:lvl9pPr>
+              <a:defRPr sz="825"/>
+            </a:lvl9pPr>
+          </a:lstStyle>
+          <a:p>
+            <a:pPr lvl="0"/>
+            <a:r>
+              <a:rPr lang="en-US"/>
+              <a:t>Click to edit Master text styles</a:t>
+            </a:r>
+          </a:p>
+          <a:p>
+            <a:pPr lvl="1"/>
+            <a:r>
+              <a:rPr lang="en-US"/>
+              <a:t>Second level</a:t>
+            </a:r>
+          </a:p>
+          <a:p>
+            <a:pPr lvl="2"/>
+            <a:r>
+              <a:rPr lang="en-US"/>
+              <a:t>Third level</a:t>
+            </a:r>
+          </a:p>
+          <a:p>
+            <a:pPr lvl="3"/>
+            <a:r>
+              <a:rPr lang="en-US"/>
+              <a:t>Fourth level</a:t>
+            </a:r>
+          </a:p>
+          <a:p>
+            <a:pPr lvl="4"/>
+            <a:r>
+              <a:rPr lang="en-US"/>
+              <a:t>Fifth level</a:t>
+            </a:r>
+          </a:p>
+        </p:txBody>
+      </p:sp>
+      <p:sp>
+        <p:nvSpPr>
+          <p:cNvPr id="5" name="Text Placeholder 4"/>
+          <p:cNvSpPr>
+            <a:spLocks noGrp="1"/>
+          </p:cNvSpPr>
+          <p:nvPr>
+            <p:ph type="body" sz="quarter" idx="3"/>
+          </p:nvPr>
+        </p:nvSpPr>
+        <p:spPr>
+          <a:xfrm>
+            <a:off x="4644557" y="1151093"/>
+            <a:ext cx="4041799" cy="479692"/>
+          </a:xfrm>
+        </p:spPr>
+        <p:txBody>
+          <a:bodyPr anchor="b"/>
+          <a:lstStyle>
+            <a:lvl1pPr marL="0" indent="0">
+              <a:buNone/>
+              <a:defRPr sz="1275" b="1"/>
+            </a:lvl1pPr>
+            <a:lvl2pPr marL="241037" indent="0">
+              <a:buNone/>
+              <a:defRPr sz="1050" b="1"/>
+            </a:lvl2pPr>
+            <a:lvl3pPr marL="482075" indent="0">
+              <a:buNone/>
+              <a:defRPr sz="975" b="1"/>
+            </a:lvl3pPr>
+            <a:lvl4pPr marL="723113" indent="0">
+              <a:buNone/>
+              <a:defRPr sz="825" b="1"/>
+            </a:lvl4pPr>
+            <a:lvl5pPr marL="964150" indent="0">
+              <a:buNone/>
+              <a:defRPr sz="825" b="1"/>
+            </a:lvl5pPr>
+            <a:lvl6pPr marL="1205189" indent="0">
+              <a:buNone/>
+              <a:defRPr sz="825" b="1"/>
+            </a:lvl6pPr>
+            <a:lvl7pPr marL="1446225" indent="0">
+              <a:buNone/>
+              <a:defRPr sz="825" b="1"/>
+            </a:lvl7pPr>
+            <a:lvl8pPr marL="1687264" indent="0">
+              <a:buNone/>
+              <a:defRPr sz="825" b="1"/>
+            </a:lvl8pPr>
+            <a:lvl9pPr marL="1928302" indent="0">
+              <a:buNone/>
+              <a:defRPr sz="825" b="1"/>
+            </a:lvl9pPr>
+          </a:lstStyle>
+          <a:p>
+            <a:pPr lvl="0"/>
+            <a:r>
+              <a:rPr lang="en-US"/>
+              <a:t>Click to edit Master text styles</a:t>
+            </a:r>
+          </a:p>
+        </p:txBody>
+      </p:sp>
+      <p:sp>
+        <p:nvSpPr>
+          <p:cNvPr id="6" name="Content Placeholder 5"/>
+          <p:cNvSpPr>
+            <a:spLocks noGrp="1"/>
+          </p:cNvSpPr>
+          <p:nvPr>
+            <p:ph sz="quarter" idx="4"/>
+          </p:nvPr>
+        </p:nvSpPr>
+        <p:spPr>
+          <a:xfrm>
+            <a:off x="4644557" y="1630786"/>
+            <a:ext cx="4041799" cy="2963540"/>
+          </a:xfrm>
+        </p:spPr>
+        <p:txBody>
+          <a:bodyPr/>
+          <a:lstStyle>
+            <a:lvl1pPr>
+              <a:defRPr sz="1275"/>
+            </a:lvl1pPr>
+            <a:lvl2pPr>
+              <a:defRPr sz="1050"/>
+            </a:lvl2pPr>
+            <a:lvl3pPr>
+              <a:defRPr sz="975"/>
+            </a:lvl3pPr>
+            <a:lvl4pPr>
+              <a:defRPr sz="825"/>
+            </a:lvl4pPr>
+            <a:lvl5pPr>
+              <a:defRPr sz="825"/>
+            </a:lvl5pPr>
+            <a:lvl6pPr>
+              <a:defRPr sz="825"/>
+            </a:lvl6pPr>
+            <a:lvl7pPr>
+              <a:defRPr sz="825"/>
+            </a:lvl7pPr>
+            <a:lvl8pPr>
+              <a:defRPr sz="825"/>
+            </a:lvl8pPr>
+            <a:lvl9pPr>
+              <a:defRPr sz="825"/>
+            </a:lvl9pPr>
+          </a:lstStyle>
+          <a:p>
+            <a:pPr lvl="0"/>
+            <a:r>
+              <a:rPr lang="en-US"/>
+              <a:t>Click to edit Master text styles</a:t>
+            </a:r>
+          </a:p>
+          <a:p>
+            <a:pPr lvl="1"/>
+            <a:r>
+              <a:rPr lang="en-US"/>
+              <a:t>Second level</a:t>
+            </a:r>
+          </a:p>
+          <a:p>
+            <a:pPr lvl="2"/>
+            <a:r>
+              <a:rPr lang="en-US"/>
+              <a:t>Third level</a:t>
+            </a:r>
+          </a:p>
+          <a:p>
+            <a:pPr lvl="3"/>
+            <a:r>
+              <a:rPr lang="en-US"/>
+              <a:t>Fourth level</a:t>
+            </a:r>
+          </a:p>
+          <a:p>
+            <a:pPr lvl="4"/>
+            <a:r>
+              <a:rPr lang="en-US"/>
+              <a:t>Fifth level</a:t>
+            </a:r>
+          </a:p>
+        </p:txBody>
+      </p:sp>
+    </p:spTree>
+    <p:extLst>
+      <p:ext uri="{BB962C8B-B14F-4D97-AF65-F5344CB8AC3E}">
+        <p14:creationId xmlns:p14="http://schemas.microsoft.com/office/powerpoint/2010/main" val="2703737728"/>
+      </p:ext>
+    </p:extLst>
+  </p:cSld>
+  <p:clrMapOvr>
+    <a:masterClrMapping/>
+  </p:clrMapOvr>
+  <mc:AlternateContent xmlns:mc="http://schemas.openxmlformats.org/markup-compatibility/2006" xmlns:p14="http://schemas.microsoft.com/office/powerpoint/2010/main">
+    <mc:Choice Requires="p14">
+      <p:transition spd="slow" p14:dur="900">
+        <p:fade/>
+      </p:transition>
+    </mc:Choice>
+    <mc:Fallback xmlns="">
+      <p:transition xmlns:p14="http://schemas.microsoft.com/office/powerpoint/2010/main" spd="slow">
+        <p:fade/>
+      </p:transition>
+    </mc:Fallback>
+  </mc:AlternateContent>
+</p:sldLayout>
+</file>
+
+<file path=ppt/slideLayouts/slideLayout31.xml><?xml version="1.0" encoding="utf-8"?>
+<p:sldLayout xmlns:a="http://schemas.openxmlformats.org/drawingml/2006/main" xmlns:r="http://schemas.openxmlformats.org/officeDocument/2006/relationships" xmlns:p="http://schemas.openxmlformats.org/presentationml/2006/main" type="blank" preserve="1">
+  <p:cSld name="Blank">
+    <p:spTree>
+      <p:nvGrpSpPr>
+        <p:cNvPr id="1" name=""/>
+        <p:cNvGrpSpPr/>
+        <p:nvPr/>
+      </p:nvGrpSpPr>
+      <p:grpSpPr>
+        <a:xfrm>
+          <a:off x="0" y="0"/>
+          <a:ext cx="0" cy="0"/>
+          <a:chOff x="0" y="0"/>
+          <a:chExt cx="0" cy="0"/>
+        </a:xfrm>
+      </p:grpSpPr>
+    </p:spTree>
+    <p:extLst>
+      <p:ext uri="{BB962C8B-B14F-4D97-AF65-F5344CB8AC3E}">
+        <p14:creationId xmlns:p14="http://schemas.microsoft.com/office/powerpoint/2010/main" val="3709201758"/>
+      </p:ext>
+    </p:extLst>
+  </p:cSld>
+  <p:clrMapOvr>
+    <a:masterClrMapping/>
+  </p:clrMapOvr>
+  <mc:AlternateContent xmlns:mc="http://schemas.openxmlformats.org/markup-compatibility/2006" xmlns:p14="http://schemas.microsoft.com/office/powerpoint/2010/main">
+    <mc:Choice Requires="p14">
+      <p:transition spd="slow" p14:dur="900">
+        <p:fade/>
+      </p:transition>
+    </mc:Choice>
+    <mc:Fallback xmlns="">
+      <p:transition xmlns:p14="http://schemas.microsoft.com/office/powerpoint/2010/main" spd="slow">
+        <p:fade/>
+      </p:transition>
+    </mc:Fallback>
+  </mc:AlternateContent>
+</p:sldLayout>
+</file>
+
+<file path=ppt/slideLayouts/slideLayout32.xml><?xml version="1.0" encoding="utf-8"?>
+<p:sldLayout xmlns:a="http://schemas.openxmlformats.org/drawingml/2006/main" xmlns:r="http://schemas.openxmlformats.org/officeDocument/2006/relationships" xmlns:p="http://schemas.openxmlformats.org/presentationml/2006/main" type="objTx" preserve="1">
+  <p:cSld name="Content with Caption">
+    <p:spTree>
+      <p:nvGrpSpPr>
+        <p:cNvPr id="1" name=""/>
+        <p:cNvGrpSpPr/>
+        <p:nvPr/>
+      </p:nvGrpSpPr>
+      <p:grpSpPr>
+        <a:xfrm>
+          <a:off x="0" y="0"/>
+          <a:ext cx="0" cy="0"/>
+          <a:chOff x="0" y="0"/>
+          <a:chExt cx="0" cy="0"/>
+        </a:xfrm>
+      </p:grpSpPr>
+      <p:sp>
+        <p:nvSpPr>
+          <p:cNvPr id="2" name="Title 1"/>
+          <p:cNvSpPr>
+            <a:spLocks noGrp="1"/>
+          </p:cNvSpPr>
+          <p:nvPr>
+            <p:ph type="title"/>
+          </p:nvPr>
+        </p:nvSpPr>
+        <p:spPr>
+          <a:xfrm>
+            <a:off x="457653" y="205109"/>
+            <a:ext cx="3008189" cy="871481"/>
+          </a:xfrm>
+        </p:spPr>
+        <p:txBody>
+          <a:bodyPr/>
+          <a:lstStyle>
+            <a:lvl1pPr algn="l">
+              <a:defRPr sz="1050" b="1"/>
+            </a:lvl1pPr>
+          </a:lstStyle>
+          <a:p>
+            <a:r>
+              <a:rPr lang="en-US"/>
+              <a:t>Click to edit Master title style</a:t>
+            </a:r>
+          </a:p>
+        </p:txBody>
+      </p:sp>
+      <p:sp>
+        <p:nvSpPr>
+          <p:cNvPr id="3" name="Content Placeholder 2"/>
+          <p:cNvSpPr>
+            <a:spLocks noGrp="1"/>
+          </p:cNvSpPr>
+          <p:nvPr>
+            <p:ph idx="1"/>
+          </p:nvPr>
+        </p:nvSpPr>
+        <p:spPr>
+          <a:xfrm>
+            <a:off x="3575224" y="205106"/>
+            <a:ext cx="5111130" cy="4389221"/>
+          </a:xfrm>
+        </p:spPr>
+        <p:txBody>
+          <a:bodyPr/>
+          <a:lstStyle>
+            <a:lvl1pPr>
+              <a:defRPr sz="1650"/>
+            </a:lvl1pPr>
+            <a:lvl2pPr>
+              <a:defRPr sz="1500"/>
+            </a:lvl2pPr>
+            <a:lvl3pPr>
+              <a:defRPr sz="1275"/>
+            </a:lvl3pPr>
+            <a:lvl4pPr>
+              <a:defRPr sz="1050"/>
+            </a:lvl4pPr>
+            <a:lvl5pPr>
+              <a:defRPr sz="1050"/>
+            </a:lvl5pPr>
+            <a:lvl6pPr>
+              <a:defRPr sz="1050"/>
+            </a:lvl6pPr>
+            <a:lvl7pPr>
+              <a:defRPr sz="1050"/>
+            </a:lvl7pPr>
+            <a:lvl8pPr>
+              <a:defRPr sz="1050"/>
+            </a:lvl8pPr>
+            <a:lvl9pPr>
+              <a:defRPr sz="1050"/>
+            </a:lvl9pPr>
+          </a:lstStyle>
+          <a:p>
+            <a:pPr lvl="0"/>
+            <a:r>
+              <a:rPr lang="en-US"/>
+              <a:t>Click to edit Master text styles</a:t>
+            </a:r>
+          </a:p>
+          <a:p>
+            <a:pPr lvl="1"/>
+            <a:r>
+              <a:rPr lang="en-US"/>
+              <a:t>Second level</a:t>
+            </a:r>
+          </a:p>
+          <a:p>
+            <a:pPr lvl="2"/>
+            <a:r>
+              <a:rPr lang="en-US"/>
+              <a:t>Third level</a:t>
+            </a:r>
+          </a:p>
+          <a:p>
+            <a:pPr lvl="3"/>
+            <a:r>
+              <a:rPr lang="en-US"/>
+              <a:t>Fourth level</a:t>
+            </a:r>
+          </a:p>
+          <a:p>
+            <a:pPr lvl="4"/>
+            <a:r>
+              <a:rPr lang="en-US"/>
+              <a:t>Fifth level</a:t>
+            </a:r>
+          </a:p>
+        </p:txBody>
+      </p:sp>
+      <p:sp>
+        <p:nvSpPr>
+          <p:cNvPr id="4" name="Text Placeholder 3"/>
+          <p:cNvSpPr>
+            <a:spLocks noGrp="1"/>
+          </p:cNvSpPr>
+          <p:nvPr>
+            <p:ph type="body" sz="half" idx="2"/>
+          </p:nvPr>
+        </p:nvSpPr>
+        <p:spPr>
+          <a:xfrm>
+            <a:off x="457653" y="1076587"/>
+            <a:ext cx="3008189" cy="3517739"/>
+          </a:xfrm>
+        </p:spPr>
+        <p:txBody>
+          <a:bodyPr/>
+          <a:lstStyle>
+            <a:lvl1pPr marL="0" indent="0">
+              <a:buNone/>
+              <a:defRPr sz="750"/>
+            </a:lvl1pPr>
+            <a:lvl2pPr marL="241037" indent="0">
+              <a:buNone/>
+              <a:defRPr sz="600"/>
+            </a:lvl2pPr>
+            <a:lvl3pPr marL="482075" indent="0">
+              <a:buNone/>
+              <a:defRPr sz="525"/>
+            </a:lvl3pPr>
+            <a:lvl4pPr marL="723113" indent="0">
+              <a:buNone/>
+              <a:defRPr sz="450"/>
+            </a:lvl4pPr>
+            <a:lvl5pPr marL="964150" indent="0">
+              <a:buNone/>
+              <a:defRPr sz="450"/>
+            </a:lvl5pPr>
+            <a:lvl6pPr marL="1205189" indent="0">
+              <a:buNone/>
+              <a:defRPr sz="450"/>
+            </a:lvl6pPr>
+            <a:lvl7pPr marL="1446225" indent="0">
+              <a:buNone/>
+              <a:defRPr sz="450"/>
+            </a:lvl7pPr>
+            <a:lvl8pPr marL="1687264" indent="0">
+              <a:buNone/>
+              <a:defRPr sz="450"/>
+            </a:lvl8pPr>
+            <a:lvl9pPr marL="1928302" indent="0">
+              <a:buNone/>
+              <a:defRPr sz="450"/>
+            </a:lvl9pPr>
+          </a:lstStyle>
+          <a:p>
+            <a:pPr lvl="0"/>
+            <a:r>
+              <a:rPr lang="en-US"/>
+              <a:t>Click to edit Master text styles</a:t>
+            </a:r>
+          </a:p>
+        </p:txBody>
+      </p:sp>
+    </p:spTree>
+    <p:extLst>
+      <p:ext uri="{BB962C8B-B14F-4D97-AF65-F5344CB8AC3E}">
+        <p14:creationId xmlns:p14="http://schemas.microsoft.com/office/powerpoint/2010/main" val="4125569103"/>
+      </p:ext>
+    </p:extLst>
+  </p:cSld>
+  <p:clrMapOvr>
+    <a:masterClrMapping/>
+  </p:clrMapOvr>
+  <mc:AlternateContent xmlns:mc="http://schemas.openxmlformats.org/markup-compatibility/2006" xmlns:p14="http://schemas.microsoft.com/office/powerpoint/2010/main">
+    <mc:Choice Requires="p14">
+      <p:transition spd="slow" p14:dur="900">
+        <p:fade/>
+      </p:transition>
+    </mc:Choice>
+    <mc:Fallback xmlns="">
+      <p:transition xmlns:p14="http://schemas.microsoft.com/office/powerpoint/2010/main" spd="slow">
+        <p:fade/>
+      </p:transition>
+    </mc:Fallback>
+  </mc:AlternateContent>
+</p:sldLayout>
+</file>
+
+<file path=ppt/slideLayouts/slideLayout33.xml><?xml version="1.0" encoding="utf-8"?>
+<p:sldLayout xmlns:a="http://schemas.openxmlformats.org/drawingml/2006/main" xmlns:r="http://schemas.openxmlformats.org/officeDocument/2006/relationships" xmlns:p="http://schemas.openxmlformats.org/presentationml/2006/main" type="picTx" preserve="1">
+  <p:cSld name="Picture with Caption">
+    <p:spTree>
+      <p:nvGrpSpPr>
+        <p:cNvPr id="1" name=""/>
+        <p:cNvGrpSpPr/>
+        <p:nvPr/>
+      </p:nvGrpSpPr>
+      <p:grpSpPr>
+        <a:xfrm>
+          <a:off x="0" y="0"/>
+          <a:ext cx="0" cy="0"/>
+          <a:chOff x="0" y="0"/>
+          <a:chExt cx="0" cy="0"/>
+        </a:xfrm>
+      </p:grpSpPr>
+      <p:sp>
+        <p:nvSpPr>
+          <p:cNvPr id="2" name="Title 1"/>
+          <p:cNvSpPr>
+            <a:spLocks noGrp="1"/>
+          </p:cNvSpPr>
+          <p:nvPr>
+            <p:ph type="title"/>
+          </p:nvPr>
+        </p:nvSpPr>
+        <p:spPr>
+          <a:xfrm>
+            <a:off x="1792641" y="3600619"/>
+            <a:ext cx="5486177" cy="425276"/>
+          </a:xfrm>
+        </p:spPr>
+        <p:txBody>
+          <a:bodyPr/>
+          <a:lstStyle>
+            <a:lvl1pPr algn="l">
+              <a:defRPr sz="1050" b="1"/>
+            </a:lvl1pPr>
+          </a:lstStyle>
+          <a:p>
+            <a:r>
+              <a:rPr lang="en-US"/>
+              <a:t>Click to edit Master title style</a:t>
+            </a:r>
+          </a:p>
+        </p:txBody>
+      </p:sp>
+      <p:sp>
+        <p:nvSpPr>
+          <p:cNvPr id="3" name="Picture Placeholder 2"/>
+          <p:cNvSpPr>
+            <a:spLocks noGrp="1"/>
+          </p:cNvSpPr>
+          <p:nvPr>
+            <p:ph type="pic" idx="1"/>
+          </p:nvPr>
+        </p:nvSpPr>
+        <p:spPr>
+          <a:xfrm>
+            <a:off x="1792641" y="459601"/>
+            <a:ext cx="5486177" cy="3085766"/>
+          </a:xfrm>
+        </p:spPr>
+        <p:txBody>
+          <a:bodyPr/>
+          <a:lstStyle>
+            <a:lvl1pPr marL="0" indent="0">
+              <a:buNone/>
+              <a:defRPr sz="1650"/>
+            </a:lvl1pPr>
+            <a:lvl2pPr marL="241037" indent="0">
+              <a:buNone/>
+              <a:defRPr sz="1500"/>
+            </a:lvl2pPr>
+            <a:lvl3pPr marL="482075" indent="0">
+              <a:buNone/>
+              <a:defRPr sz="1275"/>
+            </a:lvl3pPr>
+            <a:lvl4pPr marL="723113" indent="0">
+              <a:buNone/>
+              <a:defRPr sz="1050"/>
+            </a:lvl4pPr>
+            <a:lvl5pPr marL="964150" indent="0">
+              <a:buNone/>
+              <a:defRPr sz="1050"/>
+            </a:lvl5pPr>
+            <a:lvl6pPr marL="1205189" indent="0">
+              <a:buNone/>
+              <a:defRPr sz="1050"/>
+            </a:lvl6pPr>
+            <a:lvl7pPr marL="1446225" indent="0">
+              <a:buNone/>
+              <a:defRPr sz="1050"/>
+            </a:lvl7pPr>
+            <a:lvl8pPr marL="1687264" indent="0">
+              <a:buNone/>
+              <a:defRPr sz="1050"/>
+            </a:lvl8pPr>
+            <a:lvl9pPr marL="1928302" indent="0">
+              <a:buNone/>
+              <a:defRPr sz="1050"/>
+            </a:lvl9pPr>
+          </a:lstStyle>
+          <a:p>
+            <a:pPr lvl="0"/>
+            <a:r>
+              <a:rPr lang="en-US" noProof="0">
+                <a:sym typeface="Gill Sans" charset="0"/>
+              </a:rPr>
+              <a:t>Click icon to add picture</a:t>
+            </a:r>
+          </a:p>
+        </p:txBody>
+      </p:sp>
+      <p:sp>
+        <p:nvSpPr>
+          <p:cNvPr id="4" name="Text Placeholder 3"/>
+          <p:cNvSpPr>
+            <a:spLocks noGrp="1"/>
+          </p:cNvSpPr>
+          <p:nvPr>
+            <p:ph type="body" sz="half" idx="2"/>
+          </p:nvPr>
+        </p:nvSpPr>
+        <p:spPr>
+          <a:xfrm>
+            <a:off x="1792641" y="4025896"/>
+            <a:ext cx="5486177" cy="603591"/>
+          </a:xfrm>
+        </p:spPr>
+        <p:txBody>
+          <a:bodyPr/>
+          <a:lstStyle>
+            <a:lvl1pPr marL="0" indent="0">
+              <a:buNone/>
+              <a:defRPr sz="750"/>
+            </a:lvl1pPr>
+            <a:lvl2pPr marL="241037" indent="0">
+              <a:buNone/>
+              <a:defRPr sz="600"/>
+            </a:lvl2pPr>
+            <a:lvl3pPr marL="482075" indent="0">
+              <a:buNone/>
+              <a:defRPr sz="525"/>
+            </a:lvl3pPr>
+            <a:lvl4pPr marL="723113" indent="0">
+              <a:buNone/>
+              <a:defRPr sz="450"/>
+            </a:lvl4pPr>
+            <a:lvl5pPr marL="964150" indent="0">
+              <a:buNone/>
+              <a:defRPr sz="450"/>
+            </a:lvl5pPr>
+            <a:lvl6pPr marL="1205189" indent="0">
+              <a:buNone/>
+              <a:defRPr sz="450"/>
+            </a:lvl6pPr>
+            <a:lvl7pPr marL="1446225" indent="0">
+              <a:buNone/>
+              <a:defRPr sz="450"/>
+            </a:lvl7pPr>
+            <a:lvl8pPr marL="1687264" indent="0">
+              <a:buNone/>
+              <a:defRPr sz="450"/>
+            </a:lvl8pPr>
+            <a:lvl9pPr marL="1928302" indent="0">
+              <a:buNone/>
+              <a:defRPr sz="450"/>
+            </a:lvl9pPr>
+          </a:lstStyle>
+          <a:p>
+            <a:pPr lvl="0"/>
+            <a:r>
+              <a:rPr lang="en-US"/>
+              <a:t>Click to edit Master text styles</a:t>
+            </a:r>
+          </a:p>
+        </p:txBody>
+      </p:sp>
+    </p:spTree>
+    <p:extLst>
+      <p:ext uri="{BB962C8B-B14F-4D97-AF65-F5344CB8AC3E}">
+        <p14:creationId xmlns:p14="http://schemas.microsoft.com/office/powerpoint/2010/main" val="2379088089"/>
+      </p:ext>
+    </p:extLst>
+  </p:cSld>
+  <p:clrMapOvr>
+    <a:masterClrMapping/>
+  </p:clrMapOvr>
+  <mc:AlternateContent xmlns:mc="http://schemas.openxmlformats.org/markup-compatibility/2006" xmlns:p14="http://schemas.microsoft.com/office/powerpoint/2010/main">
+    <mc:Choice Requires="p14">
+      <p:transition spd="slow" p14:dur="900">
+        <p:fade/>
+      </p:transition>
+    </mc:Choice>
+    <mc:Fallback xmlns="">
+      <p:transition xmlns:p14="http://schemas.microsoft.com/office/powerpoint/2010/main" spd="slow">
+        <p:fade/>
+      </p:transition>
+    </mc:Fallback>
+  </mc:AlternateContent>
+</p:sldLayout>
+</file>
+
+<file path=ppt/slideLayouts/slideLayout34.xml><?xml version="1.0" encoding="utf-8"?>
+<p:sldLayout xmlns:a="http://schemas.openxmlformats.org/drawingml/2006/main" xmlns:r="http://schemas.openxmlformats.org/officeDocument/2006/relationships" xmlns:p="http://schemas.openxmlformats.org/presentationml/2006/main" type="vertTx" preserve="1">
+  <p:cSld name="Title and Vertical Text">
+    <p:spTree>
+      <p:nvGrpSpPr>
+        <p:cNvPr id="1" name=""/>
+        <p:cNvGrpSpPr/>
+        <p:nvPr/>
+      </p:nvGrpSpPr>
+      <p:grpSpPr>
+        <a:xfrm>
+          <a:off x="0" y="0"/>
+          <a:ext cx="0" cy="0"/>
+          <a:chOff x="0" y="0"/>
+          <a:chExt cx="0" cy="0"/>
+        </a:xfrm>
+      </p:grpSpPr>
+      <p:sp>
+        <p:nvSpPr>
+          <p:cNvPr id="2" name="Title 1"/>
+          <p:cNvSpPr>
+            <a:spLocks noGrp="1"/>
+          </p:cNvSpPr>
+          <p:nvPr>
+            <p:ph type="title"/>
+          </p:nvPr>
+        </p:nvSpPr>
+        <p:spPr/>
+        <p:txBody>
+          <a:bodyPr/>
+          <a:lstStyle/>
+          <a:p>
+            <a:r>
+              <a:rPr lang="en-US"/>
+              <a:t>Click to edit Master title style</a:t>
+            </a:r>
+          </a:p>
+        </p:txBody>
+      </p:sp>
+      <p:sp>
+        <p:nvSpPr>
+          <p:cNvPr id="3" name="Vertical Text Placeholder 2"/>
+          <p:cNvSpPr>
+            <a:spLocks noGrp="1"/>
+          </p:cNvSpPr>
+          <p:nvPr>
+            <p:ph type="body" orient="vert" idx="1"/>
+          </p:nvPr>
+        </p:nvSpPr>
+        <p:spPr/>
+        <p:txBody>
+          <a:bodyPr vert="eaVert"/>
+          <a:lstStyle/>
+          <a:p>
+            <a:pPr lvl="0"/>
+            <a:r>
+              <a:rPr lang="en-US"/>
+              <a:t>Click to edit Master text styles</a:t>
+            </a:r>
+          </a:p>
+          <a:p>
+            <a:pPr lvl="1"/>
+            <a:r>
+              <a:rPr lang="en-US"/>
+              <a:t>Second level</a:t>
+            </a:r>
+          </a:p>
+          <a:p>
+            <a:pPr lvl="2"/>
+            <a:r>
+              <a:rPr lang="en-US"/>
+              <a:t>Third level</a:t>
+            </a:r>
+          </a:p>
+          <a:p>
+            <a:pPr lvl="3"/>
+            <a:r>
+              <a:rPr lang="en-US"/>
+              <a:t>Fourth level</a:t>
+            </a:r>
+          </a:p>
+          <a:p>
+            <a:pPr lvl="4"/>
+            <a:r>
+              <a:rPr lang="en-US"/>
+              <a:t>Fifth level</a:t>
+            </a:r>
+          </a:p>
+        </p:txBody>
+      </p:sp>
+    </p:spTree>
+    <p:extLst>
+      <p:ext uri="{BB962C8B-B14F-4D97-AF65-F5344CB8AC3E}">
+        <p14:creationId xmlns:p14="http://schemas.microsoft.com/office/powerpoint/2010/main" val="2414017353"/>
+      </p:ext>
+    </p:extLst>
+  </p:cSld>
+  <p:clrMapOvr>
+    <a:masterClrMapping/>
+  </p:clrMapOvr>
+  <mc:AlternateContent xmlns:mc="http://schemas.openxmlformats.org/markup-compatibility/2006" xmlns:p14="http://schemas.microsoft.com/office/powerpoint/2010/main">
+    <mc:Choice Requires="p14">
+      <p:transition spd="slow" p14:dur="900">
+        <p:fade/>
+      </p:transition>
+    </mc:Choice>
+    <mc:Fallback xmlns="">
+      <p:transition xmlns:p14="http://schemas.microsoft.com/office/powerpoint/2010/main" spd="slow">
+        <p:fade/>
+      </p:transition>
+    </mc:Fallback>
+  </mc:AlternateContent>
+</p:sldLayout>
+</file>
+
+<file path=ppt/slideLayouts/slideLayout35.xml><?xml version="1.0" encoding="utf-8"?>
+<p:sldLayout xmlns:a="http://schemas.openxmlformats.org/drawingml/2006/main" xmlns:r="http://schemas.openxmlformats.org/officeDocument/2006/relationships" xmlns:p="http://schemas.openxmlformats.org/presentationml/2006/main" type="vertTitleAndTx" preserve="1">
+  <p:cSld name="Vertical Title and Text">
+    <p:spTree>
+      <p:nvGrpSpPr>
+        <p:cNvPr id="1" name=""/>
+        <p:cNvGrpSpPr/>
+        <p:nvPr/>
+      </p:nvGrpSpPr>
+      <p:grpSpPr>
+        <a:xfrm>
+          <a:off x="0" y="0"/>
+          <a:ext cx="0" cy="0"/>
+          <a:chOff x="0" y="0"/>
+          <a:chExt cx="0" cy="0"/>
+        </a:xfrm>
+      </p:grpSpPr>
+      <p:sp>
+        <p:nvSpPr>
+          <p:cNvPr id="2" name="Vertical Title 1"/>
+          <p:cNvSpPr>
+            <a:spLocks noGrp="1"/>
+          </p:cNvSpPr>
+          <p:nvPr>
+            <p:ph type="title" orient="vert"/>
+          </p:nvPr>
+        </p:nvSpPr>
+        <p:spPr>
+          <a:xfrm>
+            <a:off x="6411515" y="863949"/>
+            <a:ext cx="1839516" cy="2384227"/>
+          </a:xfrm>
+        </p:spPr>
+        <p:txBody>
+          <a:bodyPr vert="eaVert"/>
+          <a:lstStyle/>
+          <a:p>
+            <a:r>
+              <a:rPr lang="en-US"/>
+              <a:t>Click to edit Master title style</a:t>
+            </a:r>
+          </a:p>
+        </p:txBody>
+      </p:sp>
+      <p:sp>
+        <p:nvSpPr>
+          <p:cNvPr id="3" name="Vertical Text Placeholder 2"/>
+          <p:cNvSpPr>
+            <a:spLocks noGrp="1"/>
+          </p:cNvSpPr>
+          <p:nvPr>
+            <p:ph type="body" orient="vert" idx="1"/>
+          </p:nvPr>
+        </p:nvSpPr>
+        <p:spPr>
+          <a:xfrm>
+            <a:off x="892975" y="863949"/>
+            <a:ext cx="5411391" cy="2384227"/>
+          </a:xfrm>
+        </p:spPr>
+        <p:txBody>
+          <a:bodyPr vert="eaVert"/>
+          <a:lstStyle/>
+          <a:p>
+            <a:pPr lvl="0"/>
+            <a:r>
+              <a:rPr lang="en-US"/>
+              <a:t>Click to edit Master text styles</a:t>
+            </a:r>
+          </a:p>
+          <a:p>
+            <a:pPr lvl="1"/>
+            <a:r>
+              <a:rPr lang="en-US"/>
+              <a:t>Second level</a:t>
+            </a:r>
+          </a:p>
+          <a:p>
+            <a:pPr lvl="2"/>
+            <a:r>
+              <a:rPr lang="en-US"/>
+              <a:t>Third level</a:t>
+            </a:r>
+          </a:p>
+          <a:p>
+            <a:pPr lvl="3"/>
+            <a:r>
+              <a:rPr lang="en-US"/>
+              <a:t>Fourth level</a:t>
+            </a:r>
+          </a:p>
+          <a:p>
+            <a:pPr lvl="4"/>
+            <a:r>
+              <a:rPr lang="en-US"/>
+              <a:t>Fifth level</a:t>
+            </a:r>
+          </a:p>
+        </p:txBody>
+      </p:sp>
+    </p:spTree>
+    <p:extLst>
+      <p:ext uri="{BB962C8B-B14F-4D97-AF65-F5344CB8AC3E}">
+        <p14:creationId xmlns:p14="http://schemas.microsoft.com/office/powerpoint/2010/main" val="2464929830"/>
+      </p:ext>
+    </p:extLst>
+  </p:cSld>
+  <p:clrMapOvr>
+    <a:masterClrMapping/>
+  </p:clrMapOvr>
+  <mc:AlternateContent xmlns:mc="http://schemas.openxmlformats.org/markup-compatibility/2006" xmlns:p14="http://schemas.microsoft.com/office/powerpoint/2010/main">
+    <mc:Choice Requires="p14">
+      <p:transition spd="slow" p14:dur="900">
+        <p:fade/>
+      </p:transition>
+    </mc:Choice>
+    <mc:Fallback xmlns="">
+      <p:transition xmlns:p14="http://schemas.microsoft.com/office/powerpoint/2010/main" spd="slow">
+        <p:fade/>
+      </p:transition>
+    </mc:Fallback>
+  </mc:AlternateContent>
+</p:sldLayout>
+</file>
+
+<file path=ppt/slideLayouts/slideLayout36.xml><?xml version="1.0" encoding="utf-8"?>
 <p:sldLayout xmlns:a="http://schemas.openxmlformats.org/drawingml/2006/main" xmlns:r="http://schemas.openxmlformats.org/officeDocument/2006/relationships" xmlns:p="http://schemas.openxmlformats.org/presentationml/2006/main" type="title" preserve="1">
   <p:cSld name="Title Slide">
     <p:spTree>
@@ -3234,7 +5205,7 @@
 </p:sldLayout>
 </file>
 
-<file path=ppt/slideLayouts/slideLayout25.xml><?xml version="1.0" encoding="utf-8"?>
+<file path=ppt/slideLayouts/slideLayout37.xml><?xml version="1.0" encoding="utf-8"?>
 <p:sldLayout xmlns:a="http://schemas.openxmlformats.org/drawingml/2006/main" xmlns:r="http://schemas.openxmlformats.org/officeDocument/2006/relationships" xmlns:p="http://schemas.openxmlformats.org/presentationml/2006/main" type="obj" preserve="1">
   <p:cSld name="Title and Content">
     <p:spTree>
@@ -3427,7 +5398,7 @@
 </p:sldLayout>
 </file>
 
-<file path=ppt/slideLayouts/slideLayout26.xml><?xml version="1.0" encoding="utf-8"?>
+<file path=ppt/slideLayouts/slideLayout38.xml><?xml version="1.0" encoding="utf-8"?>
 <p:sldLayout xmlns:a="http://schemas.openxmlformats.org/drawingml/2006/main" xmlns:r="http://schemas.openxmlformats.org/officeDocument/2006/relationships" xmlns:p="http://schemas.openxmlformats.org/presentationml/2006/main" type="secHead" preserve="1">
   <p:cSld name="Section Header">
     <p:spTree>
@@ -3643,7 +5614,7 @@
 </p:sldLayout>
 </file>
 
-<file path=ppt/slideLayouts/slideLayout27.xml><?xml version="1.0" encoding="utf-8"?>
+<file path=ppt/slideLayouts/slideLayout39.xml><?xml version="1.0" encoding="utf-8"?>
 <p:sldLayout xmlns:a="http://schemas.openxmlformats.org/drawingml/2006/main" xmlns:r="http://schemas.openxmlformats.org/officeDocument/2006/relationships" xmlns:p="http://schemas.openxmlformats.org/presentationml/2006/main" type="twoObj" preserve="1">
   <p:cSld name="Two Content">
     <p:spTree>
@@ -3932,2019 +5903,6 @@
     <p:extLst>
       <p:ext uri="{BB962C8B-B14F-4D97-AF65-F5344CB8AC3E}">
         <p14:creationId xmlns:p14="http://schemas.microsoft.com/office/powerpoint/2010/main" val="2581925364"/>
-      </p:ext>
-    </p:extLst>
-  </p:cSld>
-  <p:clrMapOvr>
-    <a:masterClrMapping/>
-  </p:clrMapOvr>
-  <mc:AlternateContent xmlns:mc="http://schemas.openxmlformats.org/markup-compatibility/2006" xmlns:p14="http://schemas.microsoft.com/office/powerpoint/2010/main">
-    <mc:Choice Requires="p14">
-      <p:transition spd="med" p14:dur="700">
-        <p:fade/>
-      </p:transition>
-    </mc:Choice>
-    <mc:Fallback xmlns="">
-      <p:transition xmlns:p14="http://schemas.microsoft.com/office/powerpoint/2010/main" spd="med">
-        <p:fade/>
-      </p:transition>
-    </mc:Fallback>
-  </mc:AlternateContent>
-</p:sldLayout>
-</file>
-
-<file path=ppt/slideLayouts/slideLayout28.xml><?xml version="1.0" encoding="utf-8"?>
-<p:sldLayout xmlns:a="http://schemas.openxmlformats.org/drawingml/2006/main" xmlns:r="http://schemas.openxmlformats.org/officeDocument/2006/relationships" xmlns:p="http://schemas.openxmlformats.org/presentationml/2006/main" type="twoTxTwoObj" preserve="1">
-  <p:cSld name="Comparison">
-    <p:spTree>
-      <p:nvGrpSpPr>
-        <p:cNvPr id="1" name=""/>
-        <p:cNvGrpSpPr/>
-        <p:nvPr/>
-      </p:nvGrpSpPr>
-      <p:grpSpPr>
-        <a:xfrm>
-          <a:off x="0" y="0"/>
-          <a:ext cx="0" cy="0"/>
-          <a:chOff x="0" y="0"/>
-          <a:chExt cx="0" cy="0"/>
-        </a:xfrm>
-      </p:grpSpPr>
-      <p:sp>
-        <p:nvSpPr>
-          <p:cNvPr id="2" name="Title 1"/>
-          <p:cNvSpPr>
-            <a:spLocks noGrp="1"/>
-          </p:cNvSpPr>
-          <p:nvPr>
-            <p:ph type="title"/>
-          </p:nvPr>
-        </p:nvSpPr>
-        <p:spPr/>
-        <p:txBody>
-          <a:bodyPr/>
-          <a:lstStyle>
-            <a:lvl1pPr>
-              <a:defRPr/>
-            </a:lvl1pPr>
-          </a:lstStyle>
-          <a:p>
-            <a:r>
-              <a:rPr lang="en-US"/>
-              <a:t>Click to edit Master title style</a:t>
-            </a:r>
-          </a:p>
-        </p:txBody>
-      </p:sp>
-      <p:sp>
-        <p:nvSpPr>
-          <p:cNvPr id="3" name="Text Placeholder 2"/>
-          <p:cNvSpPr>
-            <a:spLocks noGrp="1"/>
-          </p:cNvSpPr>
-          <p:nvPr>
-            <p:ph type="body" idx="1"/>
-          </p:nvPr>
-        </p:nvSpPr>
-        <p:spPr>
-          <a:xfrm>
-            <a:off x="457200" y="1151335"/>
-            <a:ext cx="4040188" cy="479822"/>
-          </a:xfrm>
-        </p:spPr>
-        <p:txBody>
-          <a:bodyPr anchor="b"/>
-          <a:lstStyle>
-            <a:lvl1pPr marL="0" indent="0">
-              <a:buNone/>
-              <a:defRPr sz="2400" b="1"/>
-            </a:lvl1pPr>
-            <a:lvl2pPr marL="457200" indent="0">
-              <a:buNone/>
-              <a:defRPr sz="2000" b="1"/>
-            </a:lvl2pPr>
-            <a:lvl3pPr marL="914400" indent="0">
-              <a:buNone/>
-              <a:defRPr sz="1800" b="1"/>
-            </a:lvl3pPr>
-            <a:lvl4pPr marL="1371600" indent="0">
-              <a:buNone/>
-              <a:defRPr sz="1600" b="1"/>
-            </a:lvl4pPr>
-            <a:lvl5pPr marL="1828800" indent="0">
-              <a:buNone/>
-              <a:defRPr sz="1600" b="1"/>
-            </a:lvl5pPr>
-            <a:lvl6pPr marL="2286000" indent="0">
-              <a:buNone/>
-              <a:defRPr sz="1600" b="1"/>
-            </a:lvl6pPr>
-            <a:lvl7pPr marL="2743200" indent="0">
-              <a:buNone/>
-              <a:defRPr sz="1600" b="1"/>
-            </a:lvl7pPr>
-            <a:lvl8pPr marL="3200400" indent="0">
-              <a:buNone/>
-              <a:defRPr sz="1600" b="1"/>
-            </a:lvl8pPr>
-            <a:lvl9pPr marL="3657600" indent="0">
-              <a:buNone/>
-              <a:defRPr sz="1600" b="1"/>
-            </a:lvl9pPr>
-          </a:lstStyle>
-          <a:p>
-            <a:pPr lvl="0"/>
-            <a:r>
-              <a:rPr lang="en-US"/>
-              <a:t>Click to edit Master text styles</a:t>
-            </a:r>
-          </a:p>
-        </p:txBody>
-      </p:sp>
-      <p:sp>
-        <p:nvSpPr>
-          <p:cNvPr id="4" name="Content Placeholder 3"/>
-          <p:cNvSpPr>
-            <a:spLocks noGrp="1"/>
-          </p:cNvSpPr>
-          <p:nvPr>
-            <p:ph sz="half" idx="2"/>
-          </p:nvPr>
-        </p:nvSpPr>
-        <p:spPr>
-          <a:xfrm>
-            <a:off x="457200" y="1631156"/>
-            <a:ext cx="4040188" cy="2963466"/>
-          </a:xfrm>
-        </p:spPr>
-        <p:txBody>
-          <a:bodyPr/>
-          <a:lstStyle>
-            <a:lvl1pPr>
-              <a:defRPr sz="2400"/>
-            </a:lvl1pPr>
-            <a:lvl2pPr>
-              <a:defRPr sz="2000"/>
-            </a:lvl2pPr>
-            <a:lvl3pPr>
-              <a:defRPr sz="1800"/>
-            </a:lvl3pPr>
-            <a:lvl4pPr>
-              <a:defRPr sz="1600"/>
-            </a:lvl4pPr>
-            <a:lvl5pPr>
-              <a:defRPr sz="1600"/>
-            </a:lvl5pPr>
-            <a:lvl6pPr>
-              <a:defRPr sz="1600"/>
-            </a:lvl6pPr>
-            <a:lvl7pPr>
-              <a:defRPr sz="1600"/>
-            </a:lvl7pPr>
-            <a:lvl8pPr>
-              <a:defRPr sz="1600"/>
-            </a:lvl8pPr>
-            <a:lvl9pPr>
-              <a:defRPr sz="1600"/>
-            </a:lvl9pPr>
-          </a:lstStyle>
-          <a:p>
-            <a:pPr lvl="0"/>
-            <a:r>
-              <a:rPr lang="en-US"/>
-              <a:t>Click to edit Master text styles</a:t>
-            </a:r>
-          </a:p>
-          <a:p>
-            <a:pPr lvl="1"/>
-            <a:r>
-              <a:rPr lang="en-US"/>
-              <a:t>Second level</a:t>
-            </a:r>
-          </a:p>
-          <a:p>
-            <a:pPr lvl="2"/>
-            <a:r>
-              <a:rPr lang="en-US"/>
-              <a:t>Third level</a:t>
-            </a:r>
-          </a:p>
-          <a:p>
-            <a:pPr lvl="3"/>
-            <a:r>
-              <a:rPr lang="en-US"/>
-              <a:t>Fourth level</a:t>
-            </a:r>
-          </a:p>
-          <a:p>
-            <a:pPr lvl="4"/>
-            <a:r>
-              <a:rPr lang="en-US"/>
-              <a:t>Fifth level</a:t>
-            </a:r>
-          </a:p>
-        </p:txBody>
-      </p:sp>
-      <p:sp>
-        <p:nvSpPr>
-          <p:cNvPr id="5" name="Text Placeholder 4"/>
-          <p:cNvSpPr>
-            <a:spLocks noGrp="1"/>
-          </p:cNvSpPr>
-          <p:nvPr>
-            <p:ph type="body" sz="quarter" idx="3"/>
-          </p:nvPr>
-        </p:nvSpPr>
-        <p:spPr>
-          <a:xfrm>
-            <a:off x="4645026" y="1151335"/>
-            <a:ext cx="4041775" cy="479822"/>
-          </a:xfrm>
-        </p:spPr>
-        <p:txBody>
-          <a:bodyPr anchor="b"/>
-          <a:lstStyle>
-            <a:lvl1pPr marL="0" indent="0">
-              <a:buNone/>
-              <a:defRPr sz="2400" b="1"/>
-            </a:lvl1pPr>
-            <a:lvl2pPr marL="457200" indent="0">
-              <a:buNone/>
-              <a:defRPr sz="2000" b="1"/>
-            </a:lvl2pPr>
-            <a:lvl3pPr marL="914400" indent="0">
-              <a:buNone/>
-              <a:defRPr sz="1800" b="1"/>
-            </a:lvl3pPr>
-            <a:lvl4pPr marL="1371600" indent="0">
-              <a:buNone/>
-              <a:defRPr sz="1600" b="1"/>
-            </a:lvl4pPr>
-            <a:lvl5pPr marL="1828800" indent="0">
-              <a:buNone/>
-              <a:defRPr sz="1600" b="1"/>
-            </a:lvl5pPr>
-            <a:lvl6pPr marL="2286000" indent="0">
-              <a:buNone/>
-              <a:defRPr sz="1600" b="1"/>
-            </a:lvl6pPr>
-            <a:lvl7pPr marL="2743200" indent="0">
-              <a:buNone/>
-              <a:defRPr sz="1600" b="1"/>
-            </a:lvl7pPr>
-            <a:lvl8pPr marL="3200400" indent="0">
-              <a:buNone/>
-              <a:defRPr sz="1600" b="1"/>
-            </a:lvl8pPr>
-            <a:lvl9pPr marL="3657600" indent="0">
-              <a:buNone/>
-              <a:defRPr sz="1600" b="1"/>
-            </a:lvl9pPr>
-          </a:lstStyle>
-          <a:p>
-            <a:pPr lvl="0"/>
-            <a:r>
-              <a:rPr lang="en-US"/>
-              <a:t>Click to edit Master text styles</a:t>
-            </a:r>
-          </a:p>
-        </p:txBody>
-      </p:sp>
-      <p:sp>
-        <p:nvSpPr>
-          <p:cNvPr id="6" name="Content Placeholder 5"/>
-          <p:cNvSpPr>
-            <a:spLocks noGrp="1"/>
-          </p:cNvSpPr>
-          <p:nvPr>
-            <p:ph sz="quarter" idx="4"/>
-          </p:nvPr>
-        </p:nvSpPr>
-        <p:spPr>
-          <a:xfrm>
-            <a:off x="4645026" y="1631156"/>
-            <a:ext cx="4041775" cy="2963466"/>
-          </a:xfrm>
-        </p:spPr>
-        <p:txBody>
-          <a:bodyPr/>
-          <a:lstStyle>
-            <a:lvl1pPr>
-              <a:defRPr sz="2400"/>
-            </a:lvl1pPr>
-            <a:lvl2pPr>
-              <a:defRPr sz="2000"/>
-            </a:lvl2pPr>
-            <a:lvl3pPr>
-              <a:defRPr sz="1800"/>
-            </a:lvl3pPr>
-            <a:lvl4pPr>
-              <a:defRPr sz="1600"/>
-            </a:lvl4pPr>
-            <a:lvl5pPr>
-              <a:defRPr sz="1600"/>
-            </a:lvl5pPr>
-            <a:lvl6pPr>
-              <a:defRPr sz="1600"/>
-            </a:lvl6pPr>
-            <a:lvl7pPr>
-              <a:defRPr sz="1600"/>
-            </a:lvl7pPr>
-            <a:lvl8pPr>
-              <a:defRPr sz="1600"/>
-            </a:lvl8pPr>
-            <a:lvl9pPr>
-              <a:defRPr sz="1600"/>
-            </a:lvl9pPr>
-          </a:lstStyle>
-          <a:p>
-            <a:pPr lvl="0"/>
-            <a:r>
-              <a:rPr lang="en-US"/>
-              <a:t>Click to edit Master text styles</a:t>
-            </a:r>
-          </a:p>
-          <a:p>
-            <a:pPr lvl="1"/>
-            <a:r>
-              <a:rPr lang="en-US"/>
-              <a:t>Second level</a:t>
-            </a:r>
-          </a:p>
-          <a:p>
-            <a:pPr lvl="2"/>
-            <a:r>
-              <a:rPr lang="en-US"/>
-              <a:t>Third level</a:t>
-            </a:r>
-          </a:p>
-          <a:p>
-            <a:pPr lvl="3"/>
-            <a:r>
-              <a:rPr lang="en-US"/>
-              <a:t>Fourth level</a:t>
-            </a:r>
-          </a:p>
-          <a:p>
-            <a:pPr lvl="4"/>
-            <a:r>
-              <a:rPr lang="en-US"/>
-              <a:t>Fifth level</a:t>
-            </a:r>
-          </a:p>
-        </p:txBody>
-      </p:sp>
-      <p:sp>
-        <p:nvSpPr>
-          <p:cNvPr id="7" name="Date Placeholder 6"/>
-          <p:cNvSpPr>
-            <a:spLocks noGrp="1"/>
-          </p:cNvSpPr>
-          <p:nvPr>
-            <p:ph type="dt" sz="half" idx="10"/>
-          </p:nvPr>
-        </p:nvSpPr>
-        <p:spPr/>
-        <p:txBody>
-          <a:bodyPr/>
-          <a:lstStyle>
-            <a:lvl1pPr>
-              <a:defRPr/>
-            </a:lvl1pPr>
-          </a:lstStyle>
-          <a:p>
-            <a:endParaRPr lang="en-US"/>
-          </a:p>
-        </p:txBody>
-      </p:sp>
-      <p:sp>
-        <p:nvSpPr>
-          <p:cNvPr id="8" name="Footer Placeholder 7"/>
-          <p:cNvSpPr>
-            <a:spLocks noGrp="1"/>
-          </p:cNvSpPr>
-          <p:nvPr>
-            <p:ph type="ftr" sz="quarter" idx="11"/>
-          </p:nvPr>
-        </p:nvSpPr>
-        <p:spPr/>
-        <p:txBody>
-          <a:bodyPr/>
-          <a:lstStyle>
-            <a:lvl1pPr>
-              <a:defRPr/>
-            </a:lvl1pPr>
-          </a:lstStyle>
-          <a:p>
-            <a:endParaRPr lang="en-US"/>
-          </a:p>
-        </p:txBody>
-      </p:sp>
-      <p:sp>
-        <p:nvSpPr>
-          <p:cNvPr id="9" name="Slide Number Placeholder 8"/>
-          <p:cNvSpPr>
-            <a:spLocks noGrp="1"/>
-          </p:cNvSpPr>
-          <p:nvPr>
-            <p:ph type="sldNum" sz="quarter" idx="12"/>
-          </p:nvPr>
-        </p:nvSpPr>
-        <p:spPr/>
-        <p:txBody>
-          <a:bodyPr/>
-          <a:lstStyle>
-            <a:lvl1pPr>
-              <a:defRPr/>
-            </a:lvl1pPr>
-          </a:lstStyle>
-          <a:p>
-            <a:r>
-              <a:rPr lang="en-US"/>
-              <a:t>Figure </a:t>
-            </a:r>
-            <a:fld id="{6F2FD70D-C7AC-433F-B75E-7DDDFD1B8335}" type="slidenum">
-              <a:rPr lang="en-US"/>
-              <a:pPr/>
-              <a:t>‹#›</a:t>
-            </a:fld>
-            <a:endParaRPr lang="en-US"/>
-          </a:p>
-        </p:txBody>
-      </p:sp>
-    </p:spTree>
-    <p:extLst>
-      <p:ext uri="{BB962C8B-B14F-4D97-AF65-F5344CB8AC3E}">
-        <p14:creationId xmlns:p14="http://schemas.microsoft.com/office/powerpoint/2010/main" val="3755851087"/>
-      </p:ext>
-    </p:extLst>
-  </p:cSld>
-  <p:clrMapOvr>
-    <a:masterClrMapping/>
-  </p:clrMapOvr>
-  <mc:AlternateContent xmlns:mc="http://schemas.openxmlformats.org/markup-compatibility/2006" xmlns:p14="http://schemas.microsoft.com/office/powerpoint/2010/main">
-    <mc:Choice Requires="p14">
-      <p:transition spd="med" p14:dur="700">
-        <p:fade/>
-      </p:transition>
-    </mc:Choice>
-    <mc:Fallback xmlns="">
-      <p:transition xmlns:p14="http://schemas.microsoft.com/office/powerpoint/2010/main" spd="med">
-        <p:fade/>
-      </p:transition>
-    </mc:Fallback>
-  </mc:AlternateContent>
-</p:sldLayout>
-</file>
-
-<file path=ppt/slideLayouts/slideLayout29.xml><?xml version="1.0" encoding="utf-8"?>
-<p:sldLayout xmlns:a="http://schemas.openxmlformats.org/drawingml/2006/main" xmlns:r="http://schemas.openxmlformats.org/officeDocument/2006/relationships" xmlns:p="http://schemas.openxmlformats.org/presentationml/2006/main" type="titleOnly" preserve="1">
-  <p:cSld name="Title Only">
-    <p:spTree>
-      <p:nvGrpSpPr>
-        <p:cNvPr id="1" name=""/>
-        <p:cNvGrpSpPr/>
-        <p:nvPr/>
-      </p:nvGrpSpPr>
-      <p:grpSpPr>
-        <a:xfrm>
-          <a:off x="0" y="0"/>
-          <a:ext cx="0" cy="0"/>
-          <a:chOff x="0" y="0"/>
-          <a:chExt cx="0" cy="0"/>
-        </a:xfrm>
-      </p:grpSpPr>
-      <p:sp>
-        <p:nvSpPr>
-          <p:cNvPr id="2" name="Title 1"/>
-          <p:cNvSpPr>
-            <a:spLocks noGrp="1"/>
-          </p:cNvSpPr>
-          <p:nvPr>
-            <p:ph type="title"/>
-          </p:nvPr>
-        </p:nvSpPr>
-        <p:spPr/>
-        <p:txBody>
-          <a:bodyPr/>
-          <a:lstStyle>
-            <a:lvl1pPr>
-              <a:defRPr>
-                <a:solidFill>
-                  <a:schemeClr val="tx1">
-                    <a:lumMod val="95000"/>
-                  </a:schemeClr>
-                </a:solidFill>
-              </a:defRPr>
-            </a:lvl1pPr>
-          </a:lstStyle>
-          <a:p>
-            <a:r>
-              <a:rPr lang="en-US" dirty="0"/>
-              <a:t>Click to edit Master title style</a:t>
-            </a:r>
-          </a:p>
-        </p:txBody>
-      </p:sp>
-      <p:sp>
-        <p:nvSpPr>
-          <p:cNvPr id="3" name="Date Placeholder 2"/>
-          <p:cNvSpPr>
-            <a:spLocks noGrp="1"/>
-          </p:cNvSpPr>
-          <p:nvPr>
-            <p:ph type="dt" sz="half" idx="10"/>
-          </p:nvPr>
-        </p:nvSpPr>
-        <p:spPr/>
-        <p:txBody>
-          <a:bodyPr/>
-          <a:lstStyle>
-            <a:lvl1pPr>
-              <a:defRPr/>
-            </a:lvl1pPr>
-          </a:lstStyle>
-          <a:p>
-            <a:endParaRPr lang="en-US"/>
-          </a:p>
-        </p:txBody>
-      </p:sp>
-      <p:sp>
-        <p:nvSpPr>
-          <p:cNvPr id="4" name="Footer Placeholder 3"/>
-          <p:cNvSpPr>
-            <a:spLocks noGrp="1"/>
-          </p:cNvSpPr>
-          <p:nvPr>
-            <p:ph type="ftr" sz="quarter" idx="11"/>
-          </p:nvPr>
-        </p:nvSpPr>
-        <p:spPr/>
-        <p:txBody>
-          <a:bodyPr/>
-          <a:lstStyle>
-            <a:lvl1pPr>
-              <a:defRPr/>
-            </a:lvl1pPr>
-          </a:lstStyle>
-          <a:p>
-            <a:endParaRPr lang="en-US"/>
-          </a:p>
-        </p:txBody>
-      </p:sp>
-      <p:sp>
-        <p:nvSpPr>
-          <p:cNvPr id="5" name="Slide Number Placeholder 4"/>
-          <p:cNvSpPr>
-            <a:spLocks noGrp="1"/>
-          </p:cNvSpPr>
-          <p:nvPr>
-            <p:ph type="sldNum" sz="quarter" idx="12"/>
-          </p:nvPr>
-        </p:nvSpPr>
-        <p:spPr/>
-        <p:txBody>
-          <a:bodyPr/>
-          <a:lstStyle>
-            <a:lvl1pPr>
-              <a:defRPr/>
-            </a:lvl1pPr>
-          </a:lstStyle>
-          <a:p>
-            <a:r>
-              <a:rPr lang="en-US"/>
-              <a:t>Figure </a:t>
-            </a:r>
-            <a:fld id="{5484968E-9ABB-46B0-A7A9-7FD9D84F8163}" type="slidenum">
-              <a:rPr lang="en-US"/>
-              <a:pPr/>
-              <a:t>‹#›</a:t>
-            </a:fld>
-            <a:endParaRPr lang="en-US"/>
-          </a:p>
-        </p:txBody>
-      </p:sp>
-    </p:spTree>
-    <p:extLst>
-      <p:ext uri="{BB962C8B-B14F-4D97-AF65-F5344CB8AC3E}">
-        <p14:creationId xmlns:p14="http://schemas.microsoft.com/office/powerpoint/2010/main" val="4250499476"/>
-      </p:ext>
-    </p:extLst>
-  </p:cSld>
-  <p:clrMapOvr>
-    <a:masterClrMapping/>
-  </p:clrMapOvr>
-  <mc:AlternateContent xmlns:mc="http://schemas.openxmlformats.org/markup-compatibility/2006" xmlns:p14="http://schemas.microsoft.com/office/powerpoint/2010/main">
-    <mc:Choice Requires="p14">
-      <p:transition spd="med" p14:dur="700">
-        <p:fade/>
-      </p:transition>
-    </mc:Choice>
-    <mc:Fallback xmlns="">
-      <p:transition xmlns:p14="http://schemas.microsoft.com/office/powerpoint/2010/main" spd="med">
-        <p:fade/>
-      </p:transition>
-    </mc:Fallback>
-  </mc:AlternateContent>
-</p:sldLayout>
-</file>
-
-<file path=ppt/slideLayouts/slideLayout3.xml><?xml version="1.0" encoding="utf-8"?>
-<p:sldLayout xmlns:a="http://schemas.openxmlformats.org/drawingml/2006/main" xmlns:r="http://schemas.openxmlformats.org/officeDocument/2006/relationships" xmlns:p="http://schemas.openxmlformats.org/presentationml/2006/main" type="title" preserve="1">
-  <p:cSld name="Title Slide">
-    <p:spTree>
-      <p:nvGrpSpPr>
-        <p:cNvPr id="1" name=""/>
-        <p:cNvGrpSpPr/>
-        <p:nvPr/>
-      </p:nvGrpSpPr>
-      <p:grpSpPr>
-        <a:xfrm>
-          <a:off x="0" y="0"/>
-          <a:ext cx="0" cy="0"/>
-          <a:chOff x="0" y="0"/>
-          <a:chExt cx="0" cy="0"/>
-        </a:xfrm>
-      </p:grpSpPr>
-      <p:sp>
-        <p:nvSpPr>
-          <p:cNvPr id="2" name="Title 1"/>
-          <p:cNvSpPr>
-            <a:spLocks noGrp="1"/>
-          </p:cNvSpPr>
-          <p:nvPr>
-            <p:ph type="ctrTitle"/>
-          </p:nvPr>
-        </p:nvSpPr>
-        <p:spPr>
-          <a:xfrm>
-            <a:off x="685356" y="1598137"/>
-            <a:ext cx="7773293" cy="1102537"/>
-          </a:xfrm>
-        </p:spPr>
-        <p:txBody>
-          <a:bodyPr/>
-          <a:lstStyle/>
-          <a:p>
-            <a:r>
-              <a:rPr lang="en-US"/>
-              <a:t>Click to edit Master title style</a:t>
-            </a:r>
-          </a:p>
-        </p:txBody>
-      </p:sp>
-      <p:sp>
-        <p:nvSpPr>
-          <p:cNvPr id="3" name="Subtitle 2"/>
-          <p:cNvSpPr>
-            <a:spLocks noGrp="1"/>
-          </p:cNvSpPr>
-          <p:nvPr>
-            <p:ph type="subTitle" idx="1"/>
-          </p:nvPr>
-        </p:nvSpPr>
-        <p:spPr>
-          <a:xfrm>
-            <a:off x="1371825" y="2914990"/>
-            <a:ext cx="6400354" cy="1314338"/>
-          </a:xfrm>
-        </p:spPr>
-        <p:txBody>
-          <a:bodyPr/>
-          <a:lstStyle>
-            <a:lvl1pPr marL="0" indent="0" algn="ctr">
-              <a:buNone/>
-              <a:defRPr/>
-            </a:lvl1pPr>
-            <a:lvl2pPr marL="241037" indent="0" algn="ctr">
-              <a:buNone/>
-              <a:defRPr/>
-            </a:lvl2pPr>
-            <a:lvl3pPr marL="482075" indent="0" algn="ctr">
-              <a:buNone/>
-              <a:defRPr/>
-            </a:lvl3pPr>
-            <a:lvl4pPr marL="723113" indent="0" algn="ctr">
-              <a:buNone/>
-              <a:defRPr/>
-            </a:lvl4pPr>
-            <a:lvl5pPr marL="964150" indent="0" algn="ctr">
-              <a:buNone/>
-              <a:defRPr/>
-            </a:lvl5pPr>
-            <a:lvl6pPr marL="1205189" indent="0" algn="ctr">
-              <a:buNone/>
-              <a:defRPr/>
-            </a:lvl6pPr>
-            <a:lvl7pPr marL="1446225" indent="0" algn="ctr">
-              <a:buNone/>
-              <a:defRPr/>
-            </a:lvl7pPr>
-            <a:lvl8pPr marL="1687264" indent="0" algn="ctr">
-              <a:buNone/>
-              <a:defRPr/>
-            </a:lvl8pPr>
-            <a:lvl9pPr marL="1928302" indent="0" algn="ctr">
-              <a:buNone/>
-              <a:defRPr/>
-            </a:lvl9pPr>
-          </a:lstStyle>
-          <a:p>
-            <a:r>
-              <a:rPr lang="en-US"/>
-              <a:t>Click to edit Master subtitle style</a:t>
-            </a:r>
-          </a:p>
-        </p:txBody>
-      </p:sp>
-    </p:spTree>
-    <p:extLst>
-      <p:ext uri="{BB962C8B-B14F-4D97-AF65-F5344CB8AC3E}">
-        <p14:creationId xmlns:p14="http://schemas.microsoft.com/office/powerpoint/2010/main" val="943471723"/>
-      </p:ext>
-    </p:extLst>
-  </p:cSld>
-  <p:clrMapOvr>
-    <a:masterClrMapping/>
-  </p:clrMapOvr>
-  <mc:AlternateContent xmlns:mc="http://schemas.openxmlformats.org/markup-compatibility/2006" xmlns:p14="http://schemas.microsoft.com/office/powerpoint/2010/main">
-    <mc:Choice Requires="p14">
-      <p:transition spd="slow" p14:dur="900">
-        <p:fade/>
-      </p:transition>
-    </mc:Choice>
-    <mc:Fallback xmlns="">
-      <p:transition xmlns:p14="http://schemas.microsoft.com/office/powerpoint/2010/main" spd="slow">
-        <p:fade/>
-      </p:transition>
-    </mc:Fallback>
-  </mc:AlternateContent>
-</p:sldLayout>
-</file>
-
-<file path=ppt/slideLayouts/slideLayout30.xml><?xml version="1.0" encoding="utf-8"?>
-<p:sldLayout xmlns:a="http://schemas.openxmlformats.org/drawingml/2006/main" xmlns:r="http://schemas.openxmlformats.org/officeDocument/2006/relationships" xmlns:p="http://schemas.openxmlformats.org/presentationml/2006/main" type="blank" preserve="1">
-  <p:cSld name="Blank">
-    <p:spTree>
-      <p:nvGrpSpPr>
-        <p:cNvPr id="1" name=""/>
-        <p:cNvGrpSpPr/>
-        <p:nvPr/>
-      </p:nvGrpSpPr>
-      <p:grpSpPr>
-        <a:xfrm>
-          <a:off x="0" y="0"/>
-          <a:ext cx="0" cy="0"/>
-          <a:chOff x="0" y="0"/>
-          <a:chExt cx="0" cy="0"/>
-        </a:xfrm>
-      </p:grpSpPr>
-      <p:sp>
-        <p:nvSpPr>
-          <p:cNvPr id="2" name="Date Placeholder 1"/>
-          <p:cNvSpPr>
-            <a:spLocks noGrp="1"/>
-          </p:cNvSpPr>
-          <p:nvPr>
-            <p:ph type="dt" sz="half" idx="10"/>
-          </p:nvPr>
-        </p:nvSpPr>
-        <p:spPr/>
-        <p:txBody>
-          <a:bodyPr/>
-          <a:lstStyle>
-            <a:lvl1pPr>
-              <a:defRPr/>
-            </a:lvl1pPr>
-          </a:lstStyle>
-          <a:p>
-            <a:endParaRPr lang="en-US"/>
-          </a:p>
-        </p:txBody>
-      </p:sp>
-      <p:sp>
-        <p:nvSpPr>
-          <p:cNvPr id="3" name="Footer Placeholder 2"/>
-          <p:cNvSpPr>
-            <a:spLocks noGrp="1"/>
-          </p:cNvSpPr>
-          <p:nvPr>
-            <p:ph type="ftr" sz="quarter" idx="11"/>
-          </p:nvPr>
-        </p:nvSpPr>
-        <p:spPr/>
-        <p:txBody>
-          <a:bodyPr/>
-          <a:lstStyle>
-            <a:lvl1pPr>
-              <a:defRPr/>
-            </a:lvl1pPr>
-          </a:lstStyle>
-          <a:p>
-            <a:endParaRPr lang="en-US"/>
-          </a:p>
-        </p:txBody>
-      </p:sp>
-      <p:sp>
-        <p:nvSpPr>
-          <p:cNvPr id="4" name="Slide Number Placeholder 3"/>
-          <p:cNvSpPr>
-            <a:spLocks noGrp="1"/>
-          </p:cNvSpPr>
-          <p:nvPr>
-            <p:ph type="sldNum" sz="quarter" idx="12"/>
-          </p:nvPr>
-        </p:nvSpPr>
-        <p:spPr/>
-        <p:txBody>
-          <a:bodyPr/>
-          <a:lstStyle>
-            <a:lvl1pPr>
-              <a:defRPr/>
-            </a:lvl1pPr>
-          </a:lstStyle>
-          <a:p>
-            <a:r>
-              <a:rPr lang="en-US"/>
-              <a:t>Figure </a:t>
-            </a:r>
-            <a:fld id="{93DADD89-062C-405F-BB8E-ED76926E9863}" type="slidenum">
-              <a:rPr lang="en-US"/>
-              <a:pPr/>
-              <a:t>‹#›</a:t>
-            </a:fld>
-            <a:endParaRPr lang="en-US"/>
-          </a:p>
-        </p:txBody>
-      </p:sp>
-    </p:spTree>
-    <p:extLst>
-      <p:ext uri="{BB962C8B-B14F-4D97-AF65-F5344CB8AC3E}">
-        <p14:creationId xmlns:p14="http://schemas.microsoft.com/office/powerpoint/2010/main" val="3709569223"/>
-      </p:ext>
-    </p:extLst>
-  </p:cSld>
-  <p:clrMapOvr>
-    <a:masterClrMapping/>
-  </p:clrMapOvr>
-  <mc:AlternateContent xmlns:mc="http://schemas.openxmlformats.org/markup-compatibility/2006" xmlns:p14="http://schemas.microsoft.com/office/powerpoint/2010/main">
-    <mc:Choice Requires="p14">
-      <p:transition spd="med" p14:dur="700">
-        <p:fade/>
-      </p:transition>
-    </mc:Choice>
-    <mc:Fallback xmlns="">
-      <p:transition xmlns:p14="http://schemas.microsoft.com/office/powerpoint/2010/main" spd="med">
-        <p:fade/>
-      </p:transition>
-    </mc:Fallback>
-  </mc:AlternateContent>
-</p:sldLayout>
-</file>
-
-<file path=ppt/slideLayouts/slideLayout31.xml><?xml version="1.0" encoding="utf-8"?>
-<p:sldLayout xmlns:a="http://schemas.openxmlformats.org/drawingml/2006/main" xmlns:r="http://schemas.openxmlformats.org/officeDocument/2006/relationships" xmlns:p="http://schemas.openxmlformats.org/presentationml/2006/main" type="objTx" preserve="1">
-  <p:cSld name="Content with Caption">
-    <p:spTree>
-      <p:nvGrpSpPr>
-        <p:cNvPr id="1" name=""/>
-        <p:cNvGrpSpPr/>
-        <p:nvPr/>
-      </p:nvGrpSpPr>
-      <p:grpSpPr>
-        <a:xfrm>
-          <a:off x="0" y="0"/>
-          <a:ext cx="0" cy="0"/>
-          <a:chOff x="0" y="0"/>
-          <a:chExt cx="0" cy="0"/>
-        </a:xfrm>
-      </p:grpSpPr>
-      <p:sp>
-        <p:nvSpPr>
-          <p:cNvPr id="2" name="Title 1"/>
-          <p:cNvSpPr>
-            <a:spLocks noGrp="1"/>
-          </p:cNvSpPr>
-          <p:nvPr>
-            <p:ph type="title"/>
-          </p:nvPr>
-        </p:nvSpPr>
-        <p:spPr>
-          <a:xfrm>
-            <a:off x="457201" y="204787"/>
-            <a:ext cx="3008313" cy="871538"/>
-          </a:xfrm>
-        </p:spPr>
-        <p:txBody>
-          <a:bodyPr anchor="b"/>
-          <a:lstStyle>
-            <a:lvl1pPr algn="l">
-              <a:defRPr sz="2000" b="1"/>
-            </a:lvl1pPr>
-          </a:lstStyle>
-          <a:p>
-            <a:r>
-              <a:rPr lang="en-US"/>
-              <a:t>Click to edit Master title style</a:t>
-            </a:r>
-          </a:p>
-        </p:txBody>
-      </p:sp>
-      <p:sp>
-        <p:nvSpPr>
-          <p:cNvPr id="3" name="Content Placeholder 2"/>
-          <p:cNvSpPr>
-            <a:spLocks noGrp="1"/>
-          </p:cNvSpPr>
-          <p:nvPr>
-            <p:ph idx="1"/>
-          </p:nvPr>
-        </p:nvSpPr>
-        <p:spPr>
-          <a:xfrm>
-            <a:off x="3575050" y="204788"/>
-            <a:ext cx="5111750" cy="4389835"/>
-          </a:xfrm>
-        </p:spPr>
-        <p:txBody>
-          <a:bodyPr/>
-          <a:lstStyle>
-            <a:lvl1pPr>
-              <a:defRPr sz="3200"/>
-            </a:lvl1pPr>
-            <a:lvl2pPr>
-              <a:defRPr sz="2800"/>
-            </a:lvl2pPr>
-            <a:lvl3pPr>
-              <a:defRPr sz="2400"/>
-            </a:lvl3pPr>
-            <a:lvl4pPr>
-              <a:defRPr sz="2000"/>
-            </a:lvl4pPr>
-            <a:lvl5pPr>
-              <a:defRPr sz="2000"/>
-            </a:lvl5pPr>
-            <a:lvl6pPr>
-              <a:defRPr sz="2000"/>
-            </a:lvl6pPr>
-            <a:lvl7pPr>
-              <a:defRPr sz="2000"/>
-            </a:lvl7pPr>
-            <a:lvl8pPr>
-              <a:defRPr sz="2000"/>
-            </a:lvl8pPr>
-            <a:lvl9pPr>
-              <a:defRPr sz="2000"/>
-            </a:lvl9pPr>
-          </a:lstStyle>
-          <a:p>
-            <a:pPr lvl="0"/>
-            <a:r>
-              <a:rPr lang="en-US"/>
-              <a:t>Click to edit Master text styles</a:t>
-            </a:r>
-          </a:p>
-          <a:p>
-            <a:pPr lvl="1"/>
-            <a:r>
-              <a:rPr lang="en-US"/>
-              <a:t>Second level</a:t>
-            </a:r>
-          </a:p>
-          <a:p>
-            <a:pPr lvl="2"/>
-            <a:r>
-              <a:rPr lang="en-US"/>
-              <a:t>Third level</a:t>
-            </a:r>
-          </a:p>
-          <a:p>
-            <a:pPr lvl="3"/>
-            <a:r>
-              <a:rPr lang="en-US"/>
-              <a:t>Fourth level</a:t>
-            </a:r>
-          </a:p>
-          <a:p>
-            <a:pPr lvl="4"/>
-            <a:r>
-              <a:rPr lang="en-US"/>
-              <a:t>Fifth level</a:t>
-            </a:r>
-          </a:p>
-        </p:txBody>
-      </p:sp>
-      <p:sp>
-        <p:nvSpPr>
-          <p:cNvPr id="4" name="Text Placeholder 3"/>
-          <p:cNvSpPr>
-            <a:spLocks noGrp="1"/>
-          </p:cNvSpPr>
-          <p:nvPr>
-            <p:ph type="body" sz="half" idx="2"/>
-          </p:nvPr>
-        </p:nvSpPr>
-        <p:spPr>
-          <a:xfrm>
-            <a:off x="457201" y="1076326"/>
-            <a:ext cx="3008313" cy="3518297"/>
-          </a:xfrm>
-        </p:spPr>
-        <p:txBody>
-          <a:bodyPr/>
-          <a:lstStyle>
-            <a:lvl1pPr marL="0" indent="0">
-              <a:buNone/>
-              <a:defRPr sz="1400"/>
-            </a:lvl1pPr>
-            <a:lvl2pPr marL="457200" indent="0">
-              <a:buNone/>
-              <a:defRPr sz="1200"/>
-            </a:lvl2pPr>
-            <a:lvl3pPr marL="914400" indent="0">
-              <a:buNone/>
-              <a:defRPr sz="1000"/>
-            </a:lvl3pPr>
-            <a:lvl4pPr marL="1371600" indent="0">
-              <a:buNone/>
-              <a:defRPr sz="900"/>
-            </a:lvl4pPr>
-            <a:lvl5pPr marL="1828800" indent="0">
-              <a:buNone/>
-              <a:defRPr sz="900"/>
-            </a:lvl5pPr>
-            <a:lvl6pPr marL="2286000" indent="0">
-              <a:buNone/>
-              <a:defRPr sz="900"/>
-            </a:lvl6pPr>
-            <a:lvl7pPr marL="2743200" indent="0">
-              <a:buNone/>
-              <a:defRPr sz="900"/>
-            </a:lvl7pPr>
-            <a:lvl8pPr marL="3200400" indent="0">
-              <a:buNone/>
-              <a:defRPr sz="900"/>
-            </a:lvl8pPr>
-            <a:lvl9pPr marL="3657600" indent="0">
-              <a:buNone/>
-              <a:defRPr sz="900"/>
-            </a:lvl9pPr>
-          </a:lstStyle>
-          <a:p>
-            <a:pPr lvl="0"/>
-            <a:r>
-              <a:rPr lang="en-US"/>
-              <a:t>Click to edit Master text styles</a:t>
-            </a:r>
-          </a:p>
-        </p:txBody>
-      </p:sp>
-      <p:sp>
-        <p:nvSpPr>
-          <p:cNvPr id="5" name="Date Placeholder 4"/>
-          <p:cNvSpPr>
-            <a:spLocks noGrp="1"/>
-          </p:cNvSpPr>
-          <p:nvPr>
-            <p:ph type="dt" sz="half" idx="10"/>
-          </p:nvPr>
-        </p:nvSpPr>
-        <p:spPr/>
-        <p:txBody>
-          <a:bodyPr/>
-          <a:lstStyle>
-            <a:lvl1pPr>
-              <a:defRPr/>
-            </a:lvl1pPr>
-          </a:lstStyle>
-          <a:p>
-            <a:endParaRPr lang="en-US"/>
-          </a:p>
-        </p:txBody>
-      </p:sp>
-      <p:sp>
-        <p:nvSpPr>
-          <p:cNvPr id="6" name="Footer Placeholder 5"/>
-          <p:cNvSpPr>
-            <a:spLocks noGrp="1"/>
-          </p:cNvSpPr>
-          <p:nvPr>
-            <p:ph type="ftr" sz="quarter" idx="11"/>
-          </p:nvPr>
-        </p:nvSpPr>
-        <p:spPr/>
-        <p:txBody>
-          <a:bodyPr/>
-          <a:lstStyle>
-            <a:lvl1pPr>
-              <a:defRPr/>
-            </a:lvl1pPr>
-          </a:lstStyle>
-          <a:p>
-            <a:endParaRPr lang="en-US"/>
-          </a:p>
-        </p:txBody>
-      </p:sp>
-      <p:sp>
-        <p:nvSpPr>
-          <p:cNvPr id="7" name="Slide Number Placeholder 6"/>
-          <p:cNvSpPr>
-            <a:spLocks noGrp="1"/>
-          </p:cNvSpPr>
-          <p:nvPr>
-            <p:ph type="sldNum" sz="quarter" idx="12"/>
-          </p:nvPr>
-        </p:nvSpPr>
-        <p:spPr/>
-        <p:txBody>
-          <a:bodyPr/>
-          <a:lstStyle>
-            <a:lvl1pPr>
-              <a:defRPr/>
-            </a:lvl1pPr>
-          </a:lstStyle>
-          <a:p>
-            <a:r>
-              <a:rPr lang="en-US"/>
-              <a:t>Figure </a:t>
-            </a:r>
-            <a:fld id="{8BFC8F9F-B4C0-461C-A6C0-DAEAE073DF5B}" type="slidenum">
-              <a:rPr lang="en-US"/>
-              <a:pPr/>
-              <a:t>‹#›</a:t>
-            </a:fld>
-            <a:endParaRPr lang="en-US"/>
-          </a:p>
-        </p:txBody>
-      </p:sp>
-    </p:spTree>
-    <p:extLst>
-      <p:ext uri="{BB962C8B-B14F-4D97-AF65-F5344CB8AC3E}">
-        <p14:creationId xmlns:p14="http://schemas.microsoft.com/office/powerpoint/2010/main" val="4240139694"/>
-      </p:ext>
-    </p:extLst>
-  </p:cSld>
-  <p:clrMapOvr>
-    <a:masterClrMapping/>
-  </p:clrMapOvr>
-  <mc:AlternateContent xmlns:mc="http://schemas.openxmlformats.org/markup-compatibility/2006" xmlns:p14="http://schemas.microsoft.com/office/powerpoint/2010/main">
-    <mc:Choice Requires="p14">
-      <p:transition spd="med" p14:dur="700">
-        <p:fade/>
-      </p:transition>
-    </mc:Choice>
-    <mc:Fallback xmlns="">
-      <p:transition xmlns:p14="http://schemas.microsoft.com/office/powerpoint/2010/main" spd="med">
-        <p:fade/>
-      </p:transition>
-    </mc:Fallback>
-  </mc:AlternateContent>
-</p:sldLayout>
-</file>
-
-<file path=ppt/slideLayouts/slideLayout32.xml><?xml version="1.0" encoding="utf-8"?>
-<p:sldLayout xmlns:a="http://schemas.openxmlformats.org/drawingml/2006/main" xmlns:r="http://schemas.openxmlformats.org/officeDocument/2006/relationships" xmlns:p="http://schemas.openxmlformats.org/presentationml/2006/main" type="picTx" preserve="1">
-  <p:cSld name="Picture with Caption">
-    <p:spTree>
-      <p:nvGrpSpPr>
-        <p:cNvPr id="1" name=""/>
-        <p:cNvGrpSpPr/>
-        <p:nvPr/>
-      </p:nvGrpSpPr>
-      <p:grpSpPr>
-        <a:xfrm>
-          <a:off x="0" y="0"/>
-          <a:ext cx="0" cy="0"/>
-          <a:chOff x="0" y="0"/>
-          <a:chExt cx="0" cy="0"/>
-        </a:xfrm>
-      </p:grpSpPr>
-      <p:sp>
-        <p:nvSpPr>
-          <p:cNvPr id="2" name="Title 1"/>
-          <p:cNvSpPr>
-            <a:spLocks noGrp="1"/>
-          </p:cNvSpPr>
-          <p:nvPr>
-            <p:ph type="title"/>
-          </p:nvPr>
-        </p:nvSpPr>
-        <p:spPr>
-          <a:xfrm>
-            <a:off x="1792288" y="3600450"/>
-            <a:ext cx="5486400" cy="425054"/>
-          </a:xfrm>
-        </p:spPr>
-        <p:txBody>
-          <a:bodyPr anchor="b"/>
-          <a:lstStyle>
-            <a:lvl1pPr algn="l">
-              <a:defRPr sz="2000" b="1"/>
-            </a:lvl1pPr>
-          </a:lstStyle>
-          <a:p>
-            <a:r>
-              <a:rPr lang="en-US"/>
-              <a:t>Click to edit Master title style</a:t>
-            </a:r>
-          </a:p>
-        </p:txBody>
-      </p:sp>
-      <p:sp>
-        <p:nvSpPr>
-          <p:cNvPr id="3" name="Picture Placeholder 2"/>
-          <p:cNvSpPr>
-            <a:spLocks noGrp="1"/>
-          </p:cNvSpPr>
-          <p:nvPr>
-            <p:ph type="pic" idx="1"/>
-          </p:nvPr>
-        </p:nvSpPr>
-        <p:spPr>
-          <a:xfrm>
-            <a:off x="1792288" y="459581"/>
-            <a:ext cx="5486400" cy="3086100"/>
-          </a:xfrm>
-        </p:spPr>
-        <p:txBody>
-          <a:bodyPr/>
-          <a:lstStyle>
-            <a:lvl1pPr marL="0" indent="0">
-              <a:buNone/>
-              <a:defRPr sz="3200"/>
-            </a:lvl1pPr>
-            <a:lvl2pPr marL="457200" indent="0">
-              <a:buNone/>
-              <a:defRPr sz="2800"/>
-            </a:lvl2pPr>
-            <a:lvl3pPr marL="914400" indent="0">
-              <a:buNone/>
-              <a:defRPr sz="2400"/>
-            </a:lvl3pPr>
-            <a:lvl4pPr marL="1371600" indent="0">
-              <a:buNone/>
-              <a:defRPr sz="2000"/>
-            </a:lvl4pPr>
-            <a:lvl5pPr marL="1828800" indent="0">
-              <a:buNone/>
-              <a:defRPr sz="2000"/>
-            </a:lvl5pPr>
-            <a:lvl6pPr marL="2286000" indent="0">
-              <a:buNone/>
-              <a:defRPr sz="2000"/>
-            </a:lvl6pPr>
-            <a:lvl7pPr marL="2743200" indent="0">
-              <a:buNone/>
-              <a:defRPr sz="2000"/>
-            </a:lvl7pPr>
-            <a:lvl8pPr marL="3200400" indent="0">
-              <a:buNone/>
-              <a:defRPr sz="2000"/>
-            </a:lvl8pPr>
-            <a:lvl9pPr marL="3657600" indent="0">
-              <a:buNone/>
-              <a:defRPr sz="2000"/>
-            </a:lvl9pPr>
-          </a:lstStyle>
-          <a:p>
-            <a:endParaRPr lang="en-US"/>
-          </a:p>
-        </p:txBody>
-      </p:sp>
-      <p:sp>
-        <p:nvSpPr>
-          <p:cNvPr id="4" name="Text Placeholder 3"/>
-          <p:cNvSpPr>
-            <a:spLocks noGrp="1"/>
-          </p:cNvSpPr>
-          <p:nvPr>
-            <p:ph type="body" sz="half" idx="2"/>
-          </p:nvPr>
-        </p:nvSpPr>
-        <p:spPr>
-          <a:xfrm>
-            <a:off x="1792288" y="4025503"/>
-            <a:ext cx="5486400" cy="603647"/>
-          </a:xfrm>
-        </p:spPr>
-        <p:txBody>
-          <a:bodyPr/>
-          <a:lstStyle>
-            <a:lvl1pPr marL="0" indent="0">
-              <a:buNone/>
-              <a:defRPr sz="1400"/>
-            </a:lvl1pPr>
-            <a:lvl2pPr marL="457200" indent="0">
-              <a:buNone/>
-              <a:defRPr sz="1200"/>
-            </a:lvl2pPr>
-            <a:lvl3pPr marL="914400" indent="0">
-              <a:buNone/>
-              <a:defRPr sz="1000"/>
-            </a:lvl3pPr>
-            <a:lvl4pPr marL="1371600" indent="0">
-              <a:buNone/>
-              <a:defRPr sz="900"/>
-            </a:lvl4pPr>
-            <a:lvl5pPr marL="1828800" indent="0">
-              <a:buNone/>
-              <a:defRPr sz="900"/>
-            </a:lvl5pPr>
-            <a:lvl6pPr marL="2286000" indent="0">
-              <a:buNone/>
-              <a:defRPr sz="900"/>
-            </a:lvl6pPr>
-            <a:lvl7pPr marL="2743200" indent="0">
-              <a:buNone/>
-              <a:defRPr sz="900"/>
-            </a:lvl7pPr>
-            <a:lvl8pPr marL="3200400" indent="0">
-              <a:buNone/>
-              <a:defRPr sz="900"/>
-            </a:lvl8pPr>
-            <a:lvl9pPr marL="3657600" indent="0">
-              <a:buNone/>
-              <a:defRPr sz="900"/>
-            </a:lvl9pPr>
-          </a:lstStyle>
-          <a:p>
-            <a:pPr lvl="0"/>
-            <a:r>
-              <a:rPr lang="en-US"/>
-              <a:t>Click to edit Master text styles</a:t>
-            </a:r>
-          </a:p>
-        </p:txBody>
-      </p:sp>
-      <p:sp>
-        <p:nvSpPr>
-          <p:cNvPr id="5" name="Date Placeholder 4"/>
-          <p:cNvSpPr>
-            <a:spLocks noGrp="1"/>
-          </p:cNvSpPr>
-          <p:nvPr>
-            <p:ph type="dt" sz="half" idx="10"/>
-          </p:nvPr>
-        </p:nvSpPr>
-        <p:spPr/>
-        <p:txBody>
-          <a:bodyPr/>
-          <a:lstStyle>
-            <a:lvl1pPr>
-              <a:defRPr/>
-            </a:lvl1pPr>
-          </a:lstStyle>
-          <a:p>
-            <a:endParaRPr lang="en-US"/>
-          </a:p>
-        </p:txBody>
-      </p:sp>
-      <p:sp>
-        <p:nvSpPr>
-          <p:cNvPr id="6" name="Footer Placeholder 5"/>
-          <p:cNvSpPr>
-            <a:spLocks noGrp="1"/>
-          </p:cNvSpPr>
-          <p:nvPr>
-            <p:ph type="ftr" sz="quarter" idx="11"/>
-          </p:nvPr>
-        </p:nvSpPr>
-        <p:spPr/>
-        <p:txBody>
-          <a:bodyPr/>
-          <a:lstStyle>
-            <a:lvl1pPr>
-              <a:defRPr/>
-            </a:lvl1pPr>
-          </a:lstStyle>
-          <a:p>
-            <a:endParaRPr lang="en-US"/>
-          </a:p>
-        </p:txBody>
-      </p:sp>
-      <p:sp>
-        <p:nvSpPr>
-          <p:cNvPr id="7" name="Slide Number Placeholder 6"/>
-          <p:cNvSpPr>
-            <a:spLocks noGrp="1"/>
-          </p:cNvSpPr>
-          <p:nvPr>
-            <p:ph type="sldNum" sz="quarter" idx="12"/>
-          </p:nvPr>
-        </p:nvSpPr>
-        <p:spPr/>
-        <p:txBody>
-          <a:bodyPr/>
-          <a:lstStyle>
-            <a:lvl1pPr>
-              <a:defRPr/>
-            </a:lvl1pPr>
-          </a:lstStyle>
-          <a:p>
-            <a:r>
-              <a:rPr lang="en-US"/>
-              <a:t>Figure </a:t>
-            </a:r>
-            <a:fld id="{E3FE819A-2CA6-4334-9AA2-5D3717931CA6}" type="slidenum">
-              <a:rPr lang="en-US"/>
-              <a:pPr/>
-              <a:t>‹#›</a:t>
-            </a:fld>
-            <a:endParaRPr lang="en-US"/>
-          </a:p>
-        </p:txBody>
-      </p:sp>
-    </p:spTree>
-    <p:extLst>
-      <p:ext uri="{BB962C8B-B14F-4D97-AF65-F5344CB8AC3E}">
-        <p14:creationId xmlns:p14="http://schemas.microsoft.com/office/powerpoint/2010/main" val="704848415"/>
-      </p:ext>
-    </p:extLst>
-  </p:cSld>
-  <p:clrMapOvr>
-    <a:masterClrMapping/>
-  </p:clrMapOvr>
-  <mc:AlternateContent xmlns:mc="http://schemas.openxmlformats.org/markup-compatibility/2006" xmlns:p14="http://schemas.microsoft.com/office/powerpoint/2010/main">
-    <mc:Choice Requires="p14">
-      <p:transition spd="med" p14:dur="700">
-        <p:fade/>
-      </p:transition>
-    </mc:Choice>
-    <mc:Fallback xmlns="">
-      <p:transition xmlns:p14="http://schemas.microsoft.com/office/powerpoint/2010/main" spd="med">
-        <p:fade/>
-      </p:transition>
-    </mc:Fallback>
-  </mc:AlternateContent>
-</p:sldLayout>
-</file>
-
-<file path=ppt/slideLayouts/slideLayout33.xml><?xml version="1.0" encoding="utf-8"?>
-<p:sldLayout xmlns:a="http://schemas.openxmlformats.org/drawingml/2006/main" xmlns:r="http://schemas.openxmlformats.org/officeDocument/2006/relationships" xmlns:p="http://schemas.openxmlformats.org/presentationml/2006/main" type="vertTx" preserve="1">
-  <p:cSld name="Title and Vertical Text">
-    <p:spTree>
-      <p:nvGrpSpPr>
-        <p:cNvPr id="1" name=""/>
-        <p:cNvGrpSpPr/>
-        <p:nvPr/>
-      </p:nvGrpSpPr>
-      <p:grpSpPr>
-        <a:xfrm>
-          <a:off x="0" y="0"/>
-          <a:ext cx="0" cy="0"/>
-          <a:chOff x="0" y="0"/>
-          <a:chExt cx="0" cy="0"/>
-        </a:xfrm>
-      </p:grpSpPr>
-      <p:sp>
-        <p:nvSpPr>
-          <p:cNvPr id="2" name="Title 1"/>
-          <p:cNvSpPr>
-            <a:spLocks noGrp="1"/>
-          </p:cNvSpPr>
-          <p:nvPr>
-            <p:ph type="title"/>
-          </p:nvPr>
-        </p:nvSpPr>
-        <p:spPr/>
-        <p:txBody>
-          <a:bodyPr/>
-          <a:lstStyle/>
-          <a:p>
-            <a:r>
-              <a:rPr lang="en-US"/>
-              <a:t>Click to edit Master title style</a:t>
-            </a:r>
-          </a:p>
-        </p:txBody>
-      </p:sp>
-      <p:sp>
-        <p:nvSpPr>
-          <p:cNvPr id="3" name="Vertical Text Placeholder 2"/>
-          <p:cNvSpPr>
-            <a:spLocks noGrp="1"/>
-          </p:cNvSpPr>
-          <p:nvPr>
-            <p:ph type="body" orient="vert" idx="1"/>
-          </p:nvPr>
-        </p:nvSpPr>
-        <p:spPr/>
-        <p:txBody>
-          <a:bodyPr vert="eaVert"/>
-          <a:lstStyle/>
-          <a:p>
-            <a:pPr lvl="0"/>
-            <a:r>
-              <a:rPr lang="en-US"/>
-              <a:t>Click to edit Master text styles</a:t>
-            </a:r>
-          </a:p>
-          <a:p>
-            <a:pPr lvl="1"/>
-            <a:r>
-              <a:rPr lang="en-US"/>
-              <a:t>Second level</a:t>
-            </a:r>
-          </a:p>
-          <a:p>
-            <a:pPr lvl="2"/>
-            <a:r>
-              <a:rPr lang="en-US"/>
-              <a:t>Third level</a:t>
-            </a:r>
-          </a:p>
-          <a:p>
-            <a:pPr lvl="3"/>
-            <a:r>
-              <a:rPr lang="en-US"/>
-              <a:t>Fourth level</a:t>
-            </a:r>
-          </a:p>
-          <a:p>
-            <a:pPr lvl="4"/>
-            <a:r>
-              <a:rPr lang="en-US"/>
-              <a:t>Fifth level</a:t>
-            </a:r>
-          </a:p>
-        </p:txBody>
-      </p:sp>
-      <p:sp>
-        <p:nvSpPr>
-          <p:cNvPr id="4" name="Date Placeholder 3"/>
-          <p:cNvSpPr>
-            <a:spLocks noGrp="1"/>
-          </p:cNvSpPr>
-          <p:nvPr>
-            <p:ph type="dt" sz="half" idx="10"/>
-          </p:nvPr>
-        </p:nvSpPr>
-        <p:spPr/>
-        <p:txBody>
-          <a:bodyPr/>
-          <a:lstStyle>
-            <a:lvl1pPr>
-              <a:defRPr/>
-            </a:lvl1pPr>
-          </a:lstStyle>
-          <a:p>
-            <a:endParaRPr lang="en-US"/>
-          </a:p>
-        </p:txBody>
-      </p:sp>
-      <p:sp>
-        <p:nvSpPr>
-          <p:cNvPr id="5" name="Footer Placeholder 4"/>
-          <p:cNvSpPr>
-            <a:spLocks noGrp="1"/>
-          </p:cNvSpPr>
-          <p:nvPr>
-            <p:ph type="ftr" sz="quarter" idx="11"/>
-          </p:nvPr>
-        </p:nvSpPr>
-        <p:spPr/>
-        <p:txBody>
-          <a:bodyPr/>
-          <a:lstStyle>
-            <a:lvl1pPr>
-              <a:defRPr/>
-            </a:lvl1pPr>
-          </a:lstStyle>
-          <a:p>
-            <a:endParaRPr lang="en-US"/>
-          </a:p>
-        </p:txBody>
-      </p:sp>
-      <p:sp>
-        <p:nvSpPr>
-          <p:cNvPr id="6" name="Slide Number Placeholder 5"/>
-          <p:cNvSpPr>
-            <a:spLocks noGrp="1"/>
-          </p:cNvSpPr>
-          <p:nvPr>
-            <p:ph type="sldNum" sz="quarter" idx="12"/>
-          </p:nvPr>
-        </p:nvSpPr>
-        <p:spPr/>
-        <p:txBody>
-          <a:bodyPr/>
-          <a:lstStyle>
-            <a:lvl1pPr>
-              <a:defRPr/>
-            </a:lvl1pPr>
-          </a:lstStyle>
-          <a:p>
-            <a:r>
-              <a:rPr lang="en-US"/>
-              <a:t>Figure </a:t>
-            </a:r>
-            <a:fld id="{308C673F-7B03-475D-BC03-525D97CF0537}" type="slidenum">
-              <a:rPr lang="en-US"/>
-              <a:pPr/>
-              <a:t>‹#›</a:t>
-            </a:fld>
-            <a:endParaRPr lang="en-US"/>
-          </a:p>
-        </p:txBody>
-      </p:sp>
-    </p:spTree>
-    <p:extLst>
-      <p:ext uri="{BB962C8B-B14F-4D97-AF65-F5344CB8AC3E}">
-        <p14:creationId xmlns:p14="http://schemas.microsoft.com/office/powerpoint/2010/main" val="4024152324"/>
-      </p:ext>
-    </p:extLst>
-  </p:cSld>
-  <p:clrMapOvr>
-    <a:masterClrMapping/>
-  </p:clrMapOvr>
-  <mc:AlternateContent xmlns:mc="http://schemas.openxmlformats.org/markup-compatibility/2006" xmlns:p14="http://schemas.microsoft.com/office/powerpoint/2010/main">
-    <mc:Choice Requires="p14">
-      <p:transition spd="med" p14:dur="700">
-        <p:fade/>
-      </p:transition>
-    </mc:Choice>
-    <mc:Fallback xmlns="">
-      <p:transition xmlns:p14="http://schemas.microsoft.com/office/powerpoint/2010/main" spd="med">
-        <p:fade/>
-      </p:transition>
-    </mc:Fallback>
-  </mc:AlternateContent>
-</p:sldLayout>
-</file>
-
-<file path=ppt/slideLayouts/slideLayout34.xml><?xml version="1.0" encoding="utf-8"?>
-<p:sldLayout xmlns:a="http://schemas.openxmlformats.org/drawingml/2006/main" xmlns:r="http://schemas.openxmlformats.org/officeDocument/2006/relationships" xmlns:p="http://schemas.openxmlformats.org/presentationml/2006/main" type="vertTitleAndTx" preserve="1">
-  <p:cSld name="Vertical Title and Text">
-    <p:spTree>
-      <p:nvGrpSpPr>
-        <p:cNvPr id="1" name=""/>
-        <p:cNvGrpSpPr/>
-        <p:nvPr/>
-      </p:nvGrpSpPr>
-      <p:grpSpPr>
-        <a:xfrm>
-          <a:off x="0" y="0"/>
-          <a:ext cx="0" cy="0"/>
-          <a:chOff x="0" y="0"/>
-          <a:chExt cx="0" cy="0"/>
-        </a:xfrm>
-      </p:grpSpPr>
-      <p:sp>
-        <p:nvSpPr>
-          <p:cNvPr id="2" name="Vertical Title 1"/>
-          <p:cNvSpPr>
-            <a:spLocks noGrp="1"/>
-          </p:cNvSpPr>
-          <p:nvPr>
-            <p:ph type="title" orient="vert"/>
-          </p:nvPr>
-        </p:nvSpPr>
-        <p:spPr>
-          <a:xfrm>
-            <a:off x="6629400" y="205979"/>
-            <a:ext cx="2057400" cy="4388644"/>
-          </a:xfrm>
-        </p:spPr>
-        <p:txBody>
-          <a:bodyPr vert="eaVert"/>
-          <a:lstStyle/>
-          <a:p>
-            <a:r>
-              <a:rPr lang="en-US"/>
-              <a:t>Click to edit Master title style</a:t>
-            </a:r>
-          </a:p>
-        </p:txBody>
-      </p:sp>
-      <p:sp>
-        <p:nvSpPr>
-          <p:cNvPr id="3" name="Vertical Text Placeholder 2"/>
-          <p:cNvSpPr>
-            <a:spLocks noGrp="1"/>
-          </p:cNvSpPr>
-          <p:nvPr>
-            <p:ph type="body" orient="vert" idx="1"/>
-          </p:nvPr>
-        </p:nvSpPr>
-        <p:spPr>
-          <a:xfrm>
-            <a:off x="457200" y="205979"/>
-            <a:ext cx="6019800" cy="4388644"/>
-          </a:xfrm>
-        </p:spPr>
-        <p:txBody>
-          <a:bodyPr vert="eaVert"/>
-          <a:lstStyle/>
-          <a:p>
-            <a:pPr lvl="0"/>
-            <a:r>
-              <a:rPr lang="en-US"/>
-              <a:t>Click to edit Master text styles</a:t>
-            </a:r>
-          </a:p>
-          <a:p>
-            <a:pPr lvl="1"/>
-            <a:r>
-              <a:rPr lang="en-US"/>
-              <a:t>Second level</a:t>
-            </a:r>
-          </a:p>
-          <a:p>
-            <a:pPr lvl="2"/>
-            <a:r>
-              <a:rPr lang="en-US"/>
-              <a:t>Third level</a:t>
-            </a:r>
-          </a:p>
-          <a:p>
-            <a:pPr lvl="3"/>
-            <a:r>
-              <a:rPr lang="en-US"/>
-              <a:t>Fourth level</a:t>
-            </a:r>
-          </a:p>
-          <a:p>
-            <a:pPr lvl="4"/>
-            <a:r>
-              <a:rPr lang="en-US"/>
-              <a:t>Fifth level</a:t>
-            </a:r>
-          </a:p>
-        </p:txBody>
-      </p:sp>
-      <p:sp>
-        <p:nvSpPr>
-          <p:cNvPr id="4" name="Date Placeholder 3"/>
-          <p:cNvSpPr>
-            <a:spLocks noGrp="1"/>
-          </p:cNvSpPr>
-          <p:nvPr>
-            <p:ph type="dt" sz="half" idx="10"/>
-          </p:nvPr>
-        </p:nvSpPr>
-        <p:spPr/>
-        <p:txBody>
-          <a:bodyPr/>
-          <a:lstStyle>
-            <a:lvl1pPr>
-              <a:defRPr/>
-            </a:lvl1pPr>
-          </a:lstStyle>
-          <a:p>
-            <a:endParaRPr lang="en-US"/>
-          </a:p>
-        </p:txBody>
-      </p:sp>
-      <p:sp>
-        <p:nvSpPr>
-          <p:cNvPr id="5" name="Footer Placeholder 4"/>
-          <p:cNvSpPr>
-            <a:spLocks noGrp="1"/>
-          </p:cNvSpPr>
-          <p:nvPr>
-            <p:ph type="ftr" sz="quarter" idx="11"/>
-          </p:nvPr>
-        </p:nvSpPr>
-        <p:spPr/>
-        <p:txBody>
-          <a:bodyPr/>
-          <a:lstStyle>
-            <a:lvl1pPr>
-              <a:defRPr/>
-            </a:lvl1pPr>
-          </a:lstStyle>
-          <a:p>
-            <a:endParaRPr lang="en-US"/>
-          </a:p>
-        </p:txBody>
-      </p:sp>
-      <p:sp>
-        <p:nvSpPr>
-          <p:cNvPr id="6" name="Slide Number Placeholder 5"/>
-          <p:cNvSpPr>
-            <a:spLocks noGrp="1"/>
-          </p:cNvSpPr>
-          <p:nvPr>
-            <p:ph type="sldNum" sz="quarter" idx="12"/>
-          </p:nvPr>
-        </p:nvSpPr>
-        <p:spPr/>
-        <p:txBody>
-          <a:bodyPr/>
-          <a:lstStyle>
-            <a:lvl1pPr>
-              <a:defRPr/>
-            </a:lvl1pPr>
-          </a:lstStyle>
-          <a:p>
-            <a:r>
-              <a:rPr lang="en-US"/>
-              <a:t>Figure </a:t>
-            </a:r>
-            <a:fld id="{20C130F5-DC94-42F0-BEA0-F5A0538A2DEB}" type="slidenum">
-              <a:rPr lang="en-US"/>
-              <a:pPr/>
-              <a:t>‹#›</a:t>
-            </a:fld>
-            <a:endParaRPr lang="en-US"/>
-          </a:p>
-        </p:txBody>
-      </p:sp>
-    </p:spTree>
-    <p:extLst>
-      <p:ext uri="{BB962C8B-B14F-4D97-AF65-F5344CB8AC3E}">
-        <p14:creationId xmlns:p14="http://schemas.microsoft.com/office/powerpoint/2010/main" val="2622864273"/>
-      </p:ext>
-    </p:extLst>
-  </p:cSld>
-  <p:clrMapOvr>
-    <a:masterClrMapping/>
-  </p:clrMapOvr>
-  <mc:AlternateContent xmlns:mc="http://schemas.openxmlformats.org/markup-compatibility/2006" xmlns:p14="http://schemas.microsoft.com/office/powerpoint/2010/main">
-    <mc:Choice Requires="p14">
-      <p:transition spd="med" p14:dur="700">
-        <p:fade/>
-      </p:transition>
-    </mc:Choice>
-    <mc:Fallback xmlns="">
-      <p:transition xmlns:p14="http://schemas.microsoft.com/office/powerpoint/2010/main" spd="med">
-        <p:fade/>
-      </p:transition>
-    </mc:Fallback>
-  </mc:AlternateContent>
-</p:sldLayout>
-</file>
-
-<file path=ppt/slideLayouts/slideLayout35.xml><?xml version="1.0" encoding="utf-8"?>
-<p:sldLayout xmlns:a="http://schemas.openxmlformats.org/drawingml/2006/main" xmlns:r="http://schemas.openxmlformats.org/officeDocument/2006/relationships" xmlns:p="http://schemas.openxmlformats.org/presentationml/2006/main" type="objOnly" preserve="1">
-  <p:cSld name="Content">
-    <p:spTree>
-      <p:nvGrpSpPr>
-        <p:cNvPr id="1" name=""/>
-        <p:cNvGrpSpPr/>
-        <p:nvPr/>
-      </p:nvGrpSpPr>
-      <p:grpSpPr>
-        <a:xfrm>
-          <a:off x="0" y="0"/>
-          <a:ext cx="0" cy="0"/>
-          <a:chOff x="0" y="0"/>
-          <a:chExt cx="0" cy="0"/>
-        </a:xfrm>
-      </p:grpSpPr>
-      <p:sp>
-        <p:nvSpPr>
-          <p:cNvPr id="2" name="Content Placeholder 1"/>
-          <p:cNvSpPr>
-            <a:spLocks noGrp="1"/>
-          </p:cNvSpPr>
-          <p:nvPr>
-            <p:ph/>
-          </p:nvPr>
-        </p:nvSpPr>
-        <p:spPr>
-          <a:xfrm>
-            <a:off x="457200" y="205979"/>
-            <a:ext cx="8229600" cy="4388644"/>
-          </a:xfrm>
-        </p:spPr>
-        <p:txBody>
-          <a:bodyPr/>
-          <a:lstStyle/>
-          <a:p>
-            <a:pPr lvl="0"/>
-            <a:r>
-              <a:rPr lang="en-US"/>
-              <a:t>Click to edit Master text styles</a:t>
-            </a:r>
-          </a:p>
-          <a:p>
-            <a:pPr lvl="1"/>
-            <a:r>
-              <a:rPr lang="en-US"/>
-              <a:t>Second level</a:t>
-            </a:r>
-          </a:p>
-          <a:p>
-            <a:pPr lvl="2"/>
-            <a:r>
-              <a:rPr lang="en-US"/>
-              <a:t>Third level</a:t>
-            </a:r>
-          </a:p>
-          <a:p>
-            <a:pPr lvl="3"/>
-            <a:r>
-              <a:rPr lang="en-US"/>
-              <a:t>Fourth level</a:t>
-            </a:r>
-          </a:p>
-          <a:p>
-            <a:pPr lvl="4"/>
-            <a:r>
-              <a:rPr lang="en-US"/>
-              <a:t>Fifth level</a:t>
-            </a:r>
-          </a:p>
-        </p:txBody>
-      </p:sp>
-      <p:sp>
-        <p:nvSpPr>
-          <p:cNvPr id="3" name="Date Placeholder 2"/>
-          <p:cNvSpPr>
-            <a:spLocks noGrp="1"/>
-          </p:cNvSpPr>
-          <p:nvPr>
-            <p:ph type="dt" sz="half" idx="10"/>
-          </p:nvPr>
-        </p:nvSpPr>
-        <p:spPr>
-          <a:xfrm>
-            <a:off x="457200" y="4683919"/>
-            <a:ext cx="2133600" cy="357188"/>
-          </a:xfrm>
-        </p:spPr>
-        <p:txBody>
-          <a:bodyPr/>
-          <a:lstStyle>
-            <a:lvl1pPr>
-              <a:defRPr/>
-            </a:lvl1pPr>
-          </a:lstStyle>
-          <a:p>
-            <a:endParaRPr lang="en-US"/>
-          </a:p>
-        </p:txBody>
-      </p:sp>
-      <p:sp>
-        <p:nvSpPr>
-          <p:cNvPr id="4" name="Footer Placeholder 3"/>
-          <p:cNvSpPr>
-            <a:spLocks noGrp="1"/>
-          </p:cNvSpPr>
-          <p:nvPr>
-            <p:ph type="ftr" sz="quarter" idx="11"/>
-          </p:nvPr>
-        </p:nvSpPr>
-        <p:spPr>
-          <a:xfrm>
-            <a:off x="3124200" y="4683919"/>
-            <a:ext cx="2895600" cy="357188"/>
-          </a:xfrm>
-        </p:spPr>
-        <p:txBody>
-          <a:bodyPr/>
-          <a:lstStyle>
-            <a:lvl1pPr>
-              <a:defRPr/>
-            </a:lvl1pPr>
-          </a:lstStyle>
-          <a:p>
-            <a:endParaRPr lang="en-US"/>
-          </a:p>
-        </p:txBody>
-      </p:sp>
-      <p:sp>
-        <p:nvSpPr>
-          <p:cNvPr id="5" name="Slide Number Placeholder 4"/>
-          <p:cNvSpPr>
-            <a:spLocks noGrp="1"/>
-          </p:cNvSpPr>
-          <p:nvPr>
-            <p:ph type="sldNum" sz="quarter" idx="12"/>
-          </p:nvPr>
-        </p:nvSpPr>
-        <p:spPr>
-          <a:xfrm>
-            <a:off x="6553200" y="4683919"/>
-            <a:ext cx="2133600" cy="357188"/>
-          </a:xfrm>
-        </p:spPr>
-        <p:txBody>
-          <a:bodyPr/>
-          <a:lstStyle>
-            <a:lvl1pPr>
-              <a:defRPr/>
-            </a:lvl1pPr>
-          </a:lstStyle>
-          <a:p>
-            <a:r>
-              <a:rPr lang="en-US"/>
-              <a:t>Figure </a:t>
-            </a:r>
-            <a:fld id="{5DA54AF0-1F82-4607-A558-1AA4BB181AF6}" type="slidenum">
-              <a:rPr lang="en-US"/>
-              <a:pPr/>
-              <a:t>‹#›</a:t>
-            </a:fld>
-            <a:endParaRPr lang="en-US"/>
-          </a:p>
-        </p:txBody>
-      </p:sp>
-    </p:spTree>
-    <p:extLst>
-      <p:ext uri="{BB962C8B-B14F-4D97-AF65-F5344CB8AC3E}">
-        <p14:creationId xmlns:p14="http://schemas.microsoft.com/office/powerpoint/2010/main" val="1568093538"/>
       </p:ext>
     </p:extLst>
   </p:cSld>
@@ -6074,6 +6032,1886 @@
     </mc:Choice>
     <mc:Fallback xmlns="">
       <p:transition xmlns:p14="http://schemas.microsoft.com/office/powerpoint/2010/main" spd="slow">
+        <p:fade/>
+      </p:transition>
+    </mc:Fallback>
+  </mc:AlternateContent>
+</p:sldLayout>
+</file>
+
+<file path=ppt/slideLayouts/slideLayout40.xml><?xml version="1.0" encoding="utf-8"?>
+<p:sldLayout xmlns:a="http://schemas.openxmlformats.org/drawingml/2006/main" xmlns:r="http://schemas.openxmlformats.org/officeDocument/2006/relationships" xmlns:p="http://schemas.openxmlformats.org/presentationml/2006/main" type="twoTxTwoObj" preserve="1">
+  <p:cSld name="Comparison">
+    <p:spTree>
+      <p:nvGrpSpPr>
+        <p:cNvPr id="1" name=""/>
+        <p:cNvGrpSpPr/>
+        <p:nvPr/>
+      </p:nvGrpSpPr>
+      <p:grpSpPr>
+        <a:xfrm>
+          <a:off x="0" y="0"/>
+          <a:ext cx="0" cy="0"/>
+          <a:chOff x="0" y="0"/>
+          <a:chExt cx="0" cy="0"/>
+        </a:xfrm>
+      </p:grpSpPr>
+      <p:sp>
+        <p:nvSpPr>
+          <p:cNvPr id="2" name="Title 1"/>
+          <p:cNvSpPr>
+            <a:spLocks noGrp="1"/>
+          </p:cNvSpPr>
+          <p:nvPr>
+            <p:ph type="title"/>
+          </p:nvPr>
+        </p:nvSpPr>
+        <p:spPr/>
+        <p:txBody>
+          <a:bodyPr/>
+          <a:lstStyle>
+            <a:lvl1pPr>
+              <a:defRPr/>
+            </a:lvl1pPr>
+          </a:lstStyle>
+          <a:p>
+            <a:r>
+              <a:rPr lang="en-US"/>
+              <a:t>Click to edit Master title style</a:t>
+            </a:r>
+          </a:p>
+        </p:txBody>
+      </p:sp>
+      <p:sp>
+        <p:nvSpPr>
+          <p:cNvPr id="3" name="Text Placeholder 2"/>
+          <p:cNvSpPr>
+            <a:spLocks noGrp="1"/>
+          </p:cNvSpPr>
+          <p:nvPr>
+            <p:ph type="body" idx="1"/>
+          </p:nvPr>
+        </p:nvSpPr>
+        <p:spPr>
+          <a:xfrm>
+            <a:off x="457200" y="1151335"/>
+            <a:ext cx="4040188" cy="479822"/>
+          </a:xfrm>
+        </p:spPr>
+        <p:txBody>
+          <a:bodyPr anchor="b"/>
+          <a:lstStyle>
+            <a:lvl1pPr marL="0" indent="0">
+              <a:buNone/>
+              <a:defRPr sz="2400" b="1"/>
+            </a:lvl1pPr>
+            <a:lvl2pPr marL="457200" indent="0">
+              <a:buNone/>
+              <a:defRPr sz="2000" b="1"/>
+            </a:lvl2pPr>
+            <a:lvl3pPr marL="914400" indent="0">
+              <a:buNone/>
+              <a:defRPr sz="1800" b="1"/>
+            </a:lvl3pPr>
+            <a:lvl4pPr marL="1371600" indent="0">
+              <a:buNone/>
+              <a:defRPr sz="1600" b="1"/>
+            </a:lvl4pPr>
+            <a:lvl5pPr marL="1828800" indent="0">
+              <a:buNone/>
+              <a:defRPr sz="1600" b="1"/>
+            </a:lvl5pPr>
+            <a:lvl6pPr marL="2286000" indent="0">
+              <a:buNone/>
+              <a:defRPr sz="1600" b="1"/>
+            </a:lvl6pPr>
+            <a:lvl7pPr marL="2743200" indent="0">
+              <a:buNone/>
+              <a:defRPr sz="1600" b="1"/>
+            </a:lvl7pPr>
+            <a:lvl8pPr marL="3200400" indent="0">
+              <a:buNone/>
+              <a:defRPr sz="1600" b="1"/>
+            </a:lvl8pPr>
+            <a:lvl9pPr marL="3657600" indent="0">
+              <a:buNone/>
+              <a:defRPr sz="1600" b="1"/>
+            </a:lvl9pPr>
+          </a:lstStyle>
+          <a:p>
+            <a:pPr lvl="0"/>
+            <a:r>
+              <a:rPr lang="en-US"/>
+              <a:t>Click to edit Master text styles</a:t>
+            </a:r>
+          </a:p>
+        </p:txBody>
+      </p:sp>
+      <p:sp>
+        <p:nvSpPr>
+          <p:cNvPr id="4" name="Content Placeholder 3"/>
+          <p:cNvSpPr>
+            <a:spLocks noGrp="1"/>
+          </p:cNvSpPr>
+          <p:nvPr>
+            <p:ph sz="half" idx="2"/>
+          </p:nvPr>
+        </p:nvSpPr>
+        <p:spPr>
+          <a:xfrm>
+            <a:off x="457200" y="1631156"/>
+            <a:ext cx="4040188" cy="2963466"/>
+          </a:xfrm>
+        </p:spPr>
+        <p:txBody>
+          <a:bodyPr/>
+          <a:lstStyle>
+            <a:lvl1pPr>
+              <a:defRPr sz="2400"/>
+            </a:lvl1pPr>
+            <a:lvl2pPr>
+              <a:defRPr sz="2000"/>
+            </a:lvl2pPr>
+            <a:lvl3pPr>
+              <a:defRPr sz="1800"/>
+            </a:lvl3pPr>
+            <a:lvl4pPr>
+              <a:defRPr sz="1600"/>
+            </a:lvl4pPr>
+            <a:lvl5pPr>
+              <a:defRPr sz="1600"/>
+            </a:lvl5pPr>
+            <a:lvl6pPr>
+              <a:defRPr sz="1600"/>
+            </a:lvl6pPr>
+            <a:lvl7pPr>
+              <a:defRPr sz="1600"/>
+            </a:lvl7pPr>
+            <a:lvl8pPr>
+              <a:defRPr sz="1600"/>
+            </a:lvl8pPr>
+            <a:lvl9pPr>
+              <a:defRPr sz="1600"/>
+            </a:lvl9pPr>
+          </a:lstStyle>
+          <a:p>
+            <a:pPr lvl="0"/>
+            <a:r>
+              <a:rPr lang="en-US"/>
+              <a:t>Click to edit Master text styles</a:t>
+            </a:r>
+          </a:p>
+          <a:p>
+            <a:pPr lvl="1"/>
+            <a:r>
+              <a:rPr lang="en-US"/>
+              <a:t>Second level</a:t>
+            </a:r>
+          </a:p>
+          <a:p>
+            <a:pPr lvl="2"/>
+            <a:r>
+              <a:rPr lang="en-US"/>
+              <a:t>Third level</a:t>
+            </a:r>
+          </a:p>
+          <a:p>
+            <a:pPr lvl="3"/>
+            <a:r>
+              <a:rPr lang="en-US"/>
+              <a:t>Fourth level</a:t>
+            </a:r>
+          </a:p>
+          <a:p>
+            <a:pPr lvl="4"/>
+            <a:r>
+              <a:rPr lang="en-US"/>
+              <a:t>Fifth level</a:t>
+            </a:r>
+          </a:p>
+        </p:txBody>
+      </p:sp>
+      <p:sp>
+        <p:nvSpPr>
+          <p:cNvPr id="5" name="Text Placeholder 4"/>
+          <p:cNvSpPr>
+            <a:spLocks noGrp="1"/>
+          </p:cNvSpPr>
+          <p:nvPr>
+            <p:ph type="body" sz="quarter" idx="3"/>
+          </p:nvPr>
+        </p:nvSpPr>
+        <p:spPr>
+          <a:xfrm>
+            <a:off x="4645026" y="1151335"/>
+            <a:ext cx="4041775" cy="479822"/>
+          </a:xfrm>
+        </p:spPr>
+        <p:txBody>
+          <a:bodyPr anchor="b"/>
+          <a:lstStyle>
+            <a:lvl1pPr marL="0" indent="0">
+              <a:buNone/>
+              <a:defRPr sz="2400" b="1"/>
+            </a:lvl1pPr>
+            <a:lvl2pPr marL="457200" indent="0">
+              <a:buNone/>
+              <a:defRPr sz="2000" b="1"/>
+            </a:lvl2pPr>
+            <a:lvl3pPr marL="914400" indent="0">
+              <a:buNone/>
+              <a:defRPr sz="1800" b="1"/>
+            </a:lvl3pPr>
+            <a:lvl4pPr marL="1371600" indent="0">
+              <a:buNone/>
+              <a:defRPr sz="1600" b="1"/>
+            </a:lvl4pPr>
+            <a:lvl5pPr marL="1828800" indent="0">
+              <a:buNone/>
+              <a:defRPr sz="1600" b="1"/>
+            </a:lvl5pPr>
+            <a:lvl6pPr marL="2286000" indent="0">
+              <a:buNone/>
+              <a:defRPr sz="1600" b="1"/>
+            </a:lvl6pPr>
+            <a:lvl7pPr marL="2743200" indent="0">
+              <a:buNone/>
+              <a:defRPr sz="1600" b="1"/>
+            </a:lvl7pPr>
+            <a:lvl8pPr marL="3200400" indent="0">
+              <a:buNone/>
+              <a:defRPr sz="1600" b="1"/>
+            </a:lvl8pPr>
+            <a:lvl9pPr marL="3657600" indent="0">
+              <a:buNone/>
+              <a:defRPr sz="1600" b="1"/>
+            </a:lvl9pPr>
+          </a:lstStyle>
+          <a:p>
+            <a:pPr lvl="0"/>
+            <a:r>
+              <a:rPr lang="en-US"/>
+              <a:t>Click to edit Master text styles</a:t>
+            </a:r>
+          </a:p>
+        </p:txBody>
+      </p:sp>
+      <p:sp>
+        <p:nvSpPr>
+          <p:cNvPr id="6" name="Content Placeholder 5"/>
+          <p:cNvSpPr>
+            <a:spLocks noGrp="1"/>
+          </p:cNvSpPr>
+          <p:nvPr>
+            <p:ph sz="quarter" idx="4"/>
+          </p:nvPr>
+        </p:nvSpPr>
+        <p:spPr>
+          <a:xfrm>
+            <a:off x="4645026" y="1631156"/>
+            <a:ext cx="4041775" cy="2963466"/>
+          </a:xfrm>
+        </p:spPr>
+        <p:txBody>
+          <a:bodyPr/>
+          <a:lstStyle>
+            <a:lvl1pPr>
+              <a:defRPr sz="2400"/>
+            </a:lvl1pPr>
+            <a:lvl2pPr>
+              <a:defRPr sz="2000"/>
+            </a:lvl2pPr>
+            <a:lvl3pPr>
+              <a:defRPr sz="1800"/>
+            </a:lvl3pPr>
+            <a:lvl4pPr>
+              <a:defRPr sz="1600"/>
+            </a:lvl4pPr>
+            <a:lvl5pPr>
+              <a:defRPr sz="1600"/>
+            </a:lvl5pPr>
+            <a:lvl6pPr>
+              <a:defRPr sz="1600"/>
+            </a:lvl6pPr>
+            <a:lvl7pPr>
+              <a:defRPr sz="1600"/>
+            </a:lvl7pPr>
+            <a:lvl8pPr>
+              <a:defRPr sz="1600"/>
+            </a:lvl8pPr>
+            <a:lvl9pPr>
+              <a:defRPr sz="1600"/>
+            </a:lvl9pPr>
+          </a:lstStyle>
+          <a:p>
+            <a:pPr lvl="0"/>
+            <a:r>
+              <a:rPr lang="en-US"/>
+              <a:t>Click to edit Master text styles</a:t>
+            </a:r>
+          </a:p>
+          <a:p>
+            <a:pPr lvl="1"/>
+            <a:r>
+              <a:rPr lang="en-US"/>
+              <a:t>Second level</a:t>
+            </a:r>
+          </a:p>
+          <a:p>
+            <a:pPr lvl="2"/>
+            <a:r>
+              <a:rPr lang="en-US"/>
+              <a:t>Third level</a:t>
+            </a:r>
+          </a:p>
+          <a:p>
+            <a:pPr lvl="3"/>
+            <a:r>
+              <a:rPr lang="en-US"/>
+              <a:t>Fourth level</a:t>
+            </a:r>
+          </a:p>
+          <a:p>
+            <a:pPr lvl="4"/>
+            <a:r>
+              <a:rPr lang="en-US"/>
+              <a:t>Fifth level</a:t>
+            </a:r>
+          </a:p>
+        </p:txBody>
+      </p:sp>
+      <p:sp>
+        <p:nvSpPr>
+          <p:cNvPr id="7" name="Date Placeholder 6"/>
+          <p:cNvSpPr>
+            <a:spLocks noGrp="1"/>
+          </p:cNvSpPr>
+          <p:nvPr>
+            <p:ph type="dt" sz="half" idx="10"/>
+          </p:nvPr>
+        </p:nvSpPr>
+        <p:spPr/>
+        <p:txBody>
+          <a:bodyPr/>
+          <a:lstStyle>
+            <a:lvl1pPr>
+              <a:defRPr/>
+            </a:lvl1pPr>
+          </a:lstStyle>
+          <a:p>
+            <a:endParaRPr lang="en-US"/>
+          </a:p>
+        </p:txBody>
+      </p:sp>
+      <p:sp>
+        <p:nvSpPr>
+          <p:cNvPr id="8" name="Footer Placeholder 7"/>
+          <p:cNvSpPr>
+            <a:spLocks noGrp="1"/>
+          </p:cNvSpPr>
+          <p:nvPr>
+            <p:ph type="ftr" sz="quarter" idx="11"/>
+          </p:nvPr>
+        </p:nvSpPr>
+        <p:spPr/>
+        <p:txBody>
+          <a:bodyPr/>
+          <a:lstStyle>
+            <a:lvl1pPr>
+              <a:defRPr/>
+            </a:lvl1pPr>
+          </a:lstStyle>
+          <a:p>
+            <a:endParaRPr lang="en-US"/>
+          </a:p>
+        </p:txBody>
+      </p:sp>
+      <p:sp>
+        <p:nvSpPr>
+          <p:cNvPr id="9" name="Slide Number Placeholder 8"/>
+          <p:cNvSpPr>
+            <a:spLocks noGrp="1"/>
+          </p:cNvSpPr>
+          <p:nvPr>
+            <p:ph type="sldNum" sz="quarter" idx="12"/>
+          </p:nvPr>
+        </p:nvSpPr>
+        <p:spPr/>
+        <p:txBody>
+          <a:bodyPr/>
+          <a:lstStyle>
+            <a:lvl1pPr>
+              <a:defRPr/>
+            </a:lvl1pPr>
+          </a:lstStyle>
+          <a:p>
+            <a:r>
+              <a:rPr lang="en-US"/>
+              <a:t>Figure </a:t>
+            </a:r>
+            <a:fld id="{6F2FD70D-C7AC-433F-B75E-7DDDFD1B8335}" type="slidenum">
+              <a:rPr lang="en-US"/>
+              <a:pPr/>
+              <a:t>‹#›</a:t>
+            </a:fld>
+            <a:endParaRPr lang="en-US"/>
+          </a:p>
+        </p:txBody>
+      </p:sp>
+    </p:spTree>
+    <p:extLst>
+      <p:ext uri="{BB962C8B-B14F-4D97-AF65-F5344CB8AC3E}">
+        <p14:creationId xmlns:p14="http://schemas.microsoft.com/office/powerpoint/2010/main" val="3755851087"/>
+      </p:ext>
+    </p:extLst>
+  </p:cSld>
+  <p:clrMapOvr>
+    <a:masterClrMapping/>
+  </p:clrMapOvr>
+  <mc:AlternateContent xmlns:mc="http://schemas.openxmlformats.org/markup-compatibility/2006" xmlns:p14="http://schemas.microsoft.com/office/powerpoint/2010/main">
+    <mc:Choice Requires="p14">
+      <p:transition spd="med" p14:dur="700">
+        <p:fade/>
+      </p:transition>
+    </mc:Choice>
+    <mc:Fallback xmlns="">
+      <p:transition xmlns:p14="http://schemas.microsoft.com/office/powerpoint/2010/main" spd="med">
+        <p:fade/>
+      </p:transition>
+    </mc:Fallback>
+  </mc:AlternateContent>
+</p:sldLayout>
+</file>
+
+<file path=ppt/slideLayouts/slideLayout41.xml><?xml version="1.0" encoding="utf-8"?>
+<p:sldLayout xmlns:a="http://schemas.openxmlformats.org/drawingml/2006/main" xmlns:r="http://schemas.openxmlformats.org/officeDocument/2006/relationships" xmlns:p="http://schemas.openxmlformats.org/presentationml/2006/main" type="titleOnly" preserve="1">
+  <p:cSld name="Title Only">
+    <p:spTree>
+      <p:nvGrpSpPr>
+        <p:cNvPr id="1" name=""/>
+        <p:cNvGrpSpPr/>
+        <p:nvPr/>
+      </p:nvGrpSpPr>
+      <p:grpSpPr>
+        <a:xfrm>
+          <a:off x="0" y="0"/>
+          <a:ext cx="0" cy="0"/>
+          <a:chOff x="0" y="0"/>
+          <a:chExt cx="0" cy="0"/>
+        </a:xfrm>
+      </p:grpSpPr>
+      <p:sp>
+        <p:nvSpPr>
+          <p:cNvPr id="2" name="Title 1"/>
+          <p:cNvSpPr>
+            <a:spLocks noGrp="1"/>
+          </p:cNvSpPr>
+          <p:nvPr>
+            <p:ph type="title"/>
+          </p:nvPr>
+        </p:nvSpPr>
+        <p:spPr/>
+        <p:txBody>
+          <a:bodyPr/>
+          <a:lstStyle>
+            <a:lvl1pPr>
+              <a:defRPr>
+                <a:solidFill>
+                  <a:schemeClr val="tx1">
+                    <a:lumMod val="95000"/>
+                  </a:schemeClr>
+                </a:solidFill>
+              </a:defRPr>
+            </a:lvl1pPr>
+          </a:lstStyle>
+          <a:p>
+            <a:r>
+              <a:rPr lang="en-US" dirty="0"/>
+              <a:t>Click to edit Master title style</a:t>
+            </a:r>
+          </a:p>
+        </p:txBody>
+      </p:sp>
+      <p:sp>
+        <p:nvSpPr>
+          <p:cNvPr id="3" name="Date Placeholder 2"/>
+          <p:cNvSpPr>
+            <a:spLocks noGrp="1"/>
+          </p:cNvSpPr>
+          <p:nvPr>
+            <p:ph type="dt" sz="half" idx="10"/>
+          </p:nvPr>
+        </p:nvSpPr>
+        <p:spPr/>
+        <p:txBody>
+          <a:bodyPr/>
+          <a:lstStyle>
+            <a:lvl1pPr>
+              <a:defRPr/>
+            </a:lvl1pPr>
+          </a:lstStyle>
+          <a:p>
+            <a:endParaRPr lang="en-US"/>
+          </a:p>
+        </p:txBody>
+      </p:sp>
+      <p:sp>
+        <p:nvSpPr>
+          <p:cNvPr id="4" name="Footer Placeholder 3"/>
+          <p:cNvSpPr>
+            <a:spLocks noGrp="1"/>
+          </p:cNvSpPr>
+          <p:nvPr>
+            <p:ph type="ftr" sz="quarter" idx="11"/>
+          </p:nvPr>
+        </p:nvSpPr>
+        <p:spPr/>
+        <p:txBody>
+          <a:bodyPr/>
+          <a:lstStyle>
+            <a:lvl1pPr>
+              <a:defRPr/>
+            </a:lvl1pPr>
+          </a:lstStyle>
+          <a:p>
+            <a:endParaRPr lang="en-US"/>
+          </a:p>
+        </p:txBody>
+      </p:sp>
+      <p:sp>
+        <p:nvSpPr>
+          <p:cNvPr id="5" name="Slide Number Placeholder 4"/>
+          <p:cNvSpPr>
+            <a:spLocks noGrp="1"/>
+          </p:cNvSpPr>
+          <p:nvPr>
+            <p:ph type="sldNum" sz="quarter" idx="12"/>
+          </p:nvPr>
+        </p:nvSpPr>
+        <p:spPr/>
+        <p:txBody>
+          <a:bodyPr/>
+          <a:lstStyle>
+            <a:lvl1pPr>
+              <a:defRPr/>
+            </a:lvl1pPr>
+          </a:lstStyle>
+          <a:p>
+            <a:r>
+              <a:rPr lang="en-US"/>
+              <a:t>Figure </a:t>
+            </a:r>
+            <a:fld id="{5484968E-9ABB-46B0-A7A9-7FD9D84F8163}" type="slidenum">
+              <a:rPr lang="en-US"/>
+              <a:pPr/>
+              <a:t>‹#›</a:t>
+            </a:fld>
+            <a:endParaRPr lang="en-US"/>
+          </a:p>
+        </p:txBody>
+      </p:sp>
+    </p:spTree>
+    <p:extLst>
+      <p:ext uri="{BB962C8B-B14F-4D97-AF65-F5344CB8AC3E}">
+        <p14:creationId xmlns:p14="http://schemas.microsoft.com/office/powerpoint/2010/main" val="4250499476"/>
+      </p:ext>
+    </p:extLst>
+  </p:cSld>
+  <p:clrMapOvr>
+    <a:masterClrMapping/>
+  </p:clrMapOvr>
+  <mc:AlternateContent xmlns:mc="http://schemas.openxmlformats.org/markup-compatibility/2006" xmlns:p14="http://schemas.microsoft.com/office/powerpoint/2010/main">
+    <mc:Choice Requires="p14">
+      <p:transition spd="med" p14:dur="700">
+        <p:fade/>
+      </p:transition>
+    </mc:Choice>
+    <mc:Fallback xmlns="">
+      <p:transition xmlns:p14="http://schemas.microsoft.com/office/powerpoint/2010/main" spd="med">
+        <p:fade/>
+      </p:transition>
+    </mc:Fallback>
+  </mc:AlternateContent>
+</p:sldLayout>
+</file>
+
+<file path=ppt/slideLayouts/slideLayout42.xml><?xml version="1.0" encoding="utf-8"?>
+<p:sldLayout xmlns:a="http://schemas.openxmlformats.org/drawingml/2006/main" xmlns:r="http://schemas.openxmlformats.org/officeDocument/2006/relationships" xmlns:p="http://schemas.openxmlformats.org/presentationml/2006/main" type="blank" preserve="1">
+  <p:cSld name="Blank">
+    <p:spTree>
+      <p:nvGrpSpPr>
+        <p:cNvPr id="1" name=""/>
+        <p:cNvGrpSpPr/>
+        <p:nvPr/>
+      </p:nvGrpSpPr>
+      <p:grpSpPr>
+        <a:xfrm>
+          <a:off x="0" y="0"/>
+          <a:ext cx="0" cy="0"/>
+          <a:chOff x="0" y="0"/>
+          <a:chExt cx="0" cy="0"/>
+        </a:xfrm>
+      </p:grpSpPr>
+      <p:sp>
+        <p:nvSpPr>
+          <p:cNvPr id="2" name="Date Placeholder 1"/>
+          <p:cNvSpPr>
+            <a:spLocks noGrp="1"/>
+          </p:cNvSpPr>
+          <p:nvPr>
+            <p:ph type="dt" sz="half" idx="10"/>
+          </p:nvPr>
+        </p:nvSpPr>
+        <p:spPr/>
+        <p:txBody>
+          <a:bodyPr/>
+          <a:lstStyle>
+            <a:lvl1pPr>
+              <a:defRPr/>
+            </a:lvl1pPr>
+          </a:lstStyle>
+          <a:p>
+            <a:endParaRPr lang="en-US"/>
+          </a:p>
+        </p:txBody>
+      </p:sp>
+      <p:sp>
+        <p:nvSpPr>
+          <p:cNvPr id="3" name="Footer Placeholder 2"/>
+          <p:cNvSpPr>
+            <a:spLocks noGrp="1"/>
+          </p:cNvSpPr>
+          <p:nvPr>
+            <p:ph type="ftr" sz="quarter" idx="11"/>
+          </p:nvPr>
+        </p:nvSpPr>
+        <p:spPr/>
+        <p:txBody>
+          <a:bodyPr/>
+          <a:lstStyle>
+            <a:lvl1pPr>
+              <a:defRPr/>
+            </a:lvl1pPr>
+          </a:lstStyle>
+          <a:p>
+            <a:endParaRPr lang="en-US"/>
+          </a:p>
+        </p:txBody>
+      </p:sp>
+      <p:sp>
+        <p:nvSpPr>
+          <p:cNvPr id="4" name="Slide Number Placeholder 3"/>
+          <p:cNvSpPr>
+            <a:spLocks noGrp="1"/>
+          </p:cNvSpPr>
+          <p:nvPr>
+            <p:ph type="sldNum" sz="quarter" idx="12"/>
+          </p:nvPr>
+        </p:nvSpPr>
+        <p:spPr/>
+        <p:txBody>
+          <a:bodyPr/>
+          <a:lstStyle>
+            <a:lvl1pPr>
+              <a:defRPr/>
+            </a:lvl1pPr>
+          </a:lstStyle>
+          <a:p>
+            <a:r>
+              <a:rPr lang="en-US"/>
+              <a:t>Figure </a:t>
+            </a:r>
+            <a:fld id="{93DADD89-062C-405F-BB8E-ED76926E9863}" type="slidenum">
+              <a:rPr lang="en-US"/>
+              <a:pPr/>
+              <a:t>‹#›</a:t>
+            </a:fld>
+            <a:endParaRPr lang="en-US"/>
+          </a:p>
+        </p:txBody>
+      </p:sp>
+    </p:spTree>
+    <p:extLst>
+      <p:ext uri="{BB962C8B-B14F-4D97-AF65-F5344CB8AC3E}">
+        <p14:creationId xmlns:p14="http://schemas.microsoft.com/office/powerpoint/2010/main" val="3709569223"/>
+      </p:ext>
+    </p:extLst>
+  </p:cSld>
+  <p:clrMapOvr>
+    <a:masterClrMapping/>
+  </p:clrMapOvr>
+  <mc:AlternateContent xmlns:mc="http://schemas.openxmlformats.org/markup-compatibility/2006" xmlns:p14="http://schemas.microsoft.com/office/powerpoint/2010/main">
+    <mc:Choice Requires="p14">
+      <p:transition spd="med" p14:dur="700">
+        <p:fade/>
+      </p:transition>
+    </mc:Choice>
+    <mc:Fallback xmlns="">
+      <p:transition xmlns:p14="http://schemas.microsoft.com/office/powerpoint/2010/main" spd="med">
+        <p:fade/>
+      </p:transition>
+    </mc:Fallback>
+  </mc:AlternateContent>
+</p:sldLayout>
+</file>
+
+<file path=ppt/slideLayouts/slideLayout43.xml><?xml version="1.0" encoding="utf-8"?>
+<p:sldLayout xmlns:a="http://schemas.openxmlformats.org/drawingml/2006/main" xmlns:r="http://schemas.openxmlformats.org/officeDocument/2006/relationships" xmlns:p="http://schemas.openxmlformats.org/presentationml/2006/main" type="objTx" preserve="1">
+  <p:cSld name="Content with Caption">
+    <p:spTree>
+      <p:nvGrpSpPr>
+        <p:cNvPr id="1" name=""/>
+        <p:cNvGrpSpPr/>
+        <p:nvPr/>
+      </p:nvGrpSpPr>
+      <p:grpSpPr>
+        <a:xfrm>
+          <a:off x="0" y="0"/>
+          <a:ext cx="0" cy="0"/>
+          <a:chOff x="0" y="0"/>
+          <a:chExt cx="0" cy="0"/>
+        </a:xfrm>
+      </p:grpSpPr>
+      <p:sp>
+        <p:nvSpPr>
+          <p:cNvPr id="2" name="Title 1"/>
+          <p:cNvSpPr>
+            <a:spLocks noGrp="1"/>
+          </p:cNvSpPr>
+          <p:nvPr>
+            <p:ph type="title"/>
+          </p:nvPr>
+        </p:nvSpPr>
+        <p:spPr>
+          <a:xfrm>
+            <a:off x="457201" y="204787"/>
+            <a:ext cx="3008313" cy="871538"/>
+          </a:xfrm>
+        </p:spPr>
+        <p:txBody>
+          <a:bodyPr anchor="b"/>
+          <a:lstStyle>
+            <a:lvl1pPr algn="l">
+              <a:defRPr sz="2000" b="1"/>
+            </a:lvl1pPr>
+          </a:lstStyle>
+          <a:p>
+            <a:r>
+              <a:rPr lang="en-US"/>
+              <a:t>Click to edit Master title style</a:t>
+            </a:r>
+          </a:p>
+        </p:txBody>
+      </p:sp>
+      <p:sp>
+        <p:nvSpPr>
+          <p:cNvPr id="3" name="Content Placeholder 2"/>
+          <p:cNvSpPr>
+            <a:spLocks noGrp="1"/>
+          </p:cNvSpPr>
+          <p:nvPr>
+            <p:ph idx="1"/>
+          </p:nvPr>
+        </p:nvSpPr>
+        <p:spPr>
+          <a:xfrm>
+            <a:off x="3575050" y="204788"/>
+            <a:ext cx="5111750" cy="4389835"/>
+          </a:xfrm>
+        </p:spPr>
+        <p:txBody>
+          <a:bodyPr/>
+          <a:lstStyle>
+            <a:lvl1pPr>
+              <a:defRPr sz="3200"/>
+            </a:lvl1pPr>
+            <a:lvl2pPr>
+              <a:defRPr sz="2800"/>
+            </a:lvl2pPr>
+            <a:lvl3pPr>
+              <a:defRPr sz="2400"/>
+            </a:lvl3pPr>
+            <a:lvl4pPr>
+              <a:defRPr sz="2000"/>
+            </a:lvl4pPr>
+            <a:lvl5pPr>
+              <a:defRPr sz="2000"/>
+            </a:lvl5pPr>
+            <a:lvl6pPr>
+              <a:defRPr sz="2000"/>
+            </a:lvl6pPr>
+            <a:lvl7pPr>
+              <a:defRPr sz="2000"/>
+            </a:lvl7pPr>
+            <a:lvl8pPr>
+              <a:defRPr sz="2000"/>
+            </a:lvl8pPr>
+            <a:lvl9pPr>
+              <a:defRPr sz="2000"/>
+            </a:lvl9pPr>
+          </a:lstStyle>
+          <a:p>
+            <a:pPr lvl="0"/>
+            <a:r>
+              <a:rPr lang="en-US"/>
+              <a:t>Click to edit Master text styles</a:t>
+            </a:r>
+          </a:p>
+          <a:p>
+            <a:pPr lvl="1"/>
+            <a:r>
+              <a:rPr lang="en-US"/>
+              <a:t>Second level</a:t>
+            </a:r>
+          </a:p>
+          <a:p>
+            <a:pPr lvl="2"/>
+            <a:r>
+              <a:rPr lang="en-US"/>
+              <a:t>Third level</a:t>
+            </a:r>
+          </a:p>
+          <a:p>
+            <a:pPr lvl="3"/>
+            <a:r>
+              <a:rPr lang="en-US"/>
+              <a:t>Fourth level</a:t>
+            </a:r>
+          </a:p>
+          <a:p>
+            <a:pPr lvl="4"/>
+            <a:r>
+              <a:rPr lang="en-US"/>
+              <a:t>Fifth level</a:t>
+            </a:r>
+          </a:p>
+        </p:txBody>
+      </p:sp>
+      <p:sp>
+        <p:nvSpPr>
+          <p:cNvPr id="4" name="Text Placeholder 3"/>
+          <p:cNvSpPr>
+            <a:spLocks noGrp="1"/>
+          </p:cNvSpPr>
+          <p:nvPr>
+            <p:ph type="body" sz="half" idx="2"/>
+          </p:nvPr>
+        </p:nvSpPr>
+        <p:spPr>
+          <a:xfrm>
+            <a:off x="457201" y="1076326"/>
+            <a:ext cx="3008313" cy="3518297"/>
+          </a:xfrm>
+        </p:spPr>
+        <p:txBody>
+          <a:bodyPr/>
+          <a:lstStyle>
+            <a:lvl1pPr marL="0" indent="0">
+              <a:buNone/>
+              <a:defRPr sz="1400"/>
+            </a:lvl1pPr>
+            <a:lvl2pPr marL="457200" indent="0">
+              <a:buNone/>
+              <a:defRPr sz="1200"/>
+            </a:lvl2pPr>
+            <a:lvl3pPr marL="914400" indent="0">
+              <a:buNone/>
+              <a:defRPr sz="1000"/>
+            </a:lvl3pPr>
+            <a:lvl4pPr marL="1371600" indent="0">
+              <a:buNone/>
+              <a:defRPr sz="900"/>
+            </a:lvl4pPr>
+            <a:lvl5pPr marL="1828800" indent="0">
+              <a:buNone/>
+              <a:defRPr sz="900"/>
+            </a:lvl5pPr>
+            <a:lvl6pPr marL="2286000" indent="0">
+              <a:buNone/>
+              <a:defRPr sz="900"/>
+            </a:lvl6pPr>
+            <a:lvl7pPr marL="2743200" indent="0">
+              <a:buNone/>
+              <a:defRPr sz="900"/>
+            </a:lvl7pPr>
+            <a:lvl8pPr marL="3200400" indent="0">
+              <a:buNone/>
+              <a:defRPr sz="900"/>
+            </a:lvl8pPr>
+            <a:lvl9pPr marL="3657600" indent="0">
+              <a:buNone/>
+              <a:defRPr sz="900"/>
+            </a:lvl9pPr>
+          </a:lstStyle>
+          <a:p>
+            <a:pPr lvl="0"/>
+            <a:r>
+              <a:rPr lang="en-US"/>
+              <a:t>Click to edit Master text styles</a:t>
+            </a:r>
+          </a:p>
+        </p:txBody>
+      </p:sp>
+      <p:sp>
+        <p:nvSpPr>
+          <p:cNvPr id="5" name="Date Placeholder 4"/>
+          <p:cNvSpPr>
+            <a:spLocks noGrp="1"/>
+          </p:cNvSpPr>
+          <p:nvPr>
+            <p:ph type="dt" sz="half" idx="10"/>
+          </p:nvPr>
+        </p:nvSpPr>
+        <p:spPr/>
+        <p:txBody>
+          <a:bodyPr/>
+          <a:lstStyle>
+            <a:lvl1pPr>
+              <a:defRPr/>
+            </a:lvl1pPr>
+          </a:lstStyle>
+          <a:p>
+            <a:endParaRPr lang="en-US"/>
+          </a:p>
+        </p:txBody>
+      </p:sp>
+      <p:sp>
+        <p:nvSpPr>
+          <p:cNvPr id="6" name="Footer Placeholder 5"/>
+          <p:cNvSpPr>
+            <a:spLocks noGrp="1"/>
+          </p:cNvSpPr>
+          <p:nvPr>
+            <p:ph type="ftr" sz="quarter" idx="11"/>
+          </p:nvPr>
+        </p:nvSpPr>
+        <p:spPr/>
+        <p:txBody>
+          <a:bodyPr/>
+          <a:lstStyle>
+            <a:lvl1pPr>
+              <a:defRPr/>
+            </a:lvl1pPr>
+          </a:lstStyle>
+          <a:p>
+            <a:endParaRPr lang="en-US"/>
+          </a:p>
+        </p:txBody>
+      </p:sp>
+      <p:sp>
+        <p:nvSpPr>
+          <p:cNvPr id="7" name="Slide Number Placeholder 6"/>
+          <p:cNvSpPr>
+            <a:spLocks noGrp="1"/>
+          </p:cNvSpPr>
+          <p:nvPr>
+            <p:ph type="sldNum" sz="quarter" idx="12"/>
+          </p:nvPr>
+        </p:nvSpPr>
+        <p:spPr/>
+        <p:txBody>
+          <a:bodyPr/>
+          <a:lstStyle>
+            <a:lvl1pPr>
+              <a:defRPr/>
+            </a:lvl1pPr>
+          </a:lstStyle>
+          <a:p>
+            <a:r>
+              <a:rPr lang="en-US"/>
+              <a:t>Figure </a:t>
+            </a:r>
+            <a:fld id="{8BFC8F9F-B4C0-461C-A6C0-DAEAE073DF5B}" type="slidenum">
+              <a:rPr lang="en-US"/>
+              <a:pPr/>
+              <a:t>‹#›</a:t>
+            </a:fld>
+            <a:endParaRPr lang="en-US"/>
+          </a:p>
+        </p:txBody>
+      </p:sp>
+    </p:spTree>
+    <p:extLst>
+      <p:ext uri="{BB962C8B-B14F-4D97-AF65-F5344CB8AC3E}">
+        <p14:creationId xmlns:p14="http://schemas.microsoft.com/office/powerpoint/2010/main" val="4240139694"/>
+      </p:ext>
+    </p:extLst>
+  </p:cSld>
+  <p:clrMapOvr>
+    <a:masterClrMapping/>
+  </p:clrMapOvr>
+  <mc:AlternateContent xmlns:mc="http://schemas.openxmlformats.org/markup-compatibility/2006" xmlns:p14="http://schemas.microsoft.com/office/powerpoint/2010/main">
+    <mc:Choice Requires="p14">
+      <p:transition spd="med" p14:dur="700">
+        <p:fade/>
+      </p:transition>
+    </mc:Choice>
+    <mc:Fallback xmlns="">
+      <p:transition xmlns:p14="http://schemas.microsoft.com/office/powerpoint/2010/main" spd="med">
+        <p:fade/>
+      </p:transition>
+    </mc:Fallback>
+  </mc:AlternateContent>
+</p:sldLayout>
+</file>
+
+<file path=ppt/slideLayouts/slideLayout44.xml><?xml version="1.0" encoding="utf-8"?>
+<p:sldLayout xmlns:a="http://schemas.openxmlformats.org/drawingml/2006/main" xmlns:r="http://schemas.openxmlformats.org/officeDocument/2006/relationships" xmlns:p="http://schemas.openxmlformats.org/presentationml/2006/main" type="picTx" preserve="1">
+  <p:cSld name="Picture with Caption">
+    <p:spTree>
+      <p:nvGrpSpPr>
+        <p:cNvPr id="1" name=""/>
+        <p:cNvGrpSpPr/>
+        <p:nvPr/>
+      </p:nvGrpSpPr>
+      <p:grpSpPr>
+        <a:xfrm>
+          <a:off x="0" y="0"/>
+          <a:ext cx="0" cy="0"/>
+          <a:chOff x="0" y="0"/>
+          <a:chExt cx="0" cy="0"/>
+        </a:xfrm>
+      </p:grpSpPr>
+      <p:sp>
+        <p:nvSpPr>
+          <p:cNvPr id="2" name="Title 1"/>
+          <p:cNvSpPr>
+            <a:spLocks noGrp="1"/>
+          </p:cNvSpPr>
+          <p:nvPr>
+            <p:ph type="title"/>
+          </p:nvPr>
+        </p:nvSpPr>
+        <p:spPr>
+          <a:xfrm>
+            <a:off x="1792288" y="3600450"/>
+            <a:ext cx="5486400" cy="425054"/>
+          </a:xfrm>
+        </p:spPr>
+        <p:txBody>
+          <a:bodyPr anchor="b"/>
+          <a:lstStyle>
+            <a:lvl1pPr algn="l">
+              <a:defRPr sz="2000" b="1"/>
+            </a:lvl1pPr>
+          </a:lstStyle>
+          <a:p>
+            <a:r>
+              <a:rPr lang="en-US"/>
+              <a:t>Click to edit Master title style</a:t>
+            </a:r>
+          </a:p>
+        </p:txBody>
+      </p:sp>
+      <p:sp>
+        <p:nvSpPr>
+          <p:cNvPr id="3" name="Picture Placeholder 2"/>
+          <p:cNvSpPr>
+            <a:spLocks noGrp="1"/>
+          </p:cNvSpPr>
+          <p:nvPr>
+            <p:ph type="pic" idx="1"/>
+          </p:nvPr>
+        </p:nvSpPr>
+        <p:spPr>
+          <a:xfrm>
+            <a:off x="1792288" y="459581"/>
+            <a:ext cx="5486400" cy="3086100"/>
+          </a:xfrm>
+        </p:spPr>
+        <p:txBody>
+          <a:bodyPr/>
+          <a:lstStyle>
+            <a:lvl1pPr marL="0" indent="0">
+              <a:buNone/>
+              <a:defRPr sz="3200"/>
+            </a:lvl1pPr>
+            <a:lvl2pPr marL="457200" indent="0">
+              <a:buNone/>
+              <a:defRPr sz="2800"/>
+            </a:lvl2pPr>
+            <a:lvl3pPr marL="914400" indent="0">
+              <a:buNone/>
+              <a:defRPr sz="2400"/>
+            </a:lvl3pPr>
+            <a:lvl4pPr marL="1371600" indent="0">
+              <a:buNone/>
+              <a:defRPr sz="2000"/>
+            </a:lvl4pPr>
+            <a:lvl5pPr marL="1828800" indent="0">
+              <a:buNone/>
+              <a:defRPr sz="2000"/>
+            </a:lvl5pPr>
+            <a:lvl6pPr marL="2286000" indent="0">
+              <a:buNone/>
+              <a:defRPr sz="2000"/>
+            </a:lvl6pPr>
+            <a:lvl7pPr marL="2743200" indent="0">
+              <a:buNone/>
+              <a:defRPr sz="2000"/>
+            </a:lvl7pPr>
+            <a:lvl8pPr marL="3200400" indent="0">
+              <a:buNone/>
+              <a:defRPr sz="2000"/>
+            </a:lvl8pPr>
+            <a:lvl9pPr marL="3657600" indent="0">
+              <a:buNone/>
+              <a:defRPr sz="2000"/>
+            </a:lvl9pPr>
+          </a:lstStyle>
+          <a:p>
+            <a:endParaRPr lang="en-US"/>
+          </a:p>
+        </p:txBody>
+      </p:sp>
+      <p:sp>
+        <p:nvSpPr>
+          <p:cNvPr id="4" name="Text Placeholder 3"/>
+          <p:cNvSpPr>
+            <a:spLocks noGrp="1"/>
+          </p:cNvSpPr>
+          <p:nvPr>
+            <p:ph type="body" sz="half" idx="2"/>
+          </p:nvPr>
+        </p:nvSpPr>
+        <p:spPr>
+          <a:xfrm>
+            <a:off x="1792288" y="4025503"/>
+            <a:ext cx="5486400" cy="603647"/>
+          </a:xfrm>
+        </p:spPr>
+        <p:txBody>
+          <a:bodyPr/>
+          <a:lstStyle>
+            <a:lvl1pPr marL="0" indent="0">
+              <a:buNone/>
+              <a:defRPr sz="1400"/>
+            </a:lvl1pPr>
+            <a:lvl2pPr marL="457200" indent="0">
+              <a:buNone/>
+              <a:defRPr sz="1200"/>
+            </a:lvl2pPr>
+            <a:lvl3pPr marL="914400" indent="0">
+              <a:buNone/>
+              <a:defRPr sz="1000"/>
+            </a:lvl3pPr>
+            <a:lvl4pPr marL="1371600" indent="0">
+              <a:buNone/>
+              <a:defRPr sz="900"/>
+            </a:lvl4pPr>
+            <a:lvl5pPr marL="1828800" indent="0">
+              <a:buNone/>
+              <a:defRPr sz="900"/>
+            </a:lvl5pPr>
+            <a:lvl6pPr marL="2286000" indent="0">
+              <a:buNone/>
+              <a:defRPr sz="900"/>
+            </a:lvl6pPr>
+            <a:lvl7pPr marL="2743200" indent="0">
+              <a:buNone/>
+              <a:defRPr sz="900"/>
+            </a:lvl7pPr>
+            <a:lvl8pPr marL="3200400" indent="0">
+              <a:buNone/>
+              <a:defRPr sz="900"/>
+            </a:lvl8pPr>
+            <a:lvl9pPr marL="3657600" indent="0">
+              <a:buNone/>
+              <a:defRPr sz="900"/>
+            </a:lvl9pPr>
+          </a:lstStyle>
+          <a:p>
+            <a:pPr lvl="0"/>
+            <a:r>
+              <a:rPr lang="en-US"/>
+              <a:t>Click to edit Master text styles</a:t>
+            </a:r>
+          </a:p>
+        </p:txBody>
+      </p:sp>
+      <p:sp>
+        <p:nvSpPr>
+          <p:cNvPr id="5" name="Date Placeholder 4"/>
+          <p:cNvSpPr>
+            <a:spLocks noGrp="1"/>
+          </p:cNvSpPr>
+          <p:nvPr>
+            <p:ph type="dt" sz="half" idx="10"/>
+          </p:nvPr>
+        </p:nvSpPr>
+        <p:spPr/>
+        <p:txBody>
+          <a:bodyPr/>
+          <a:lstStyle>
+            <a:lvl1pPr>
+              <a:defRPr/>
+            </a:lvl1pPr>
+          </a:lstStyle>
+          <a:p>
+            <a:endParaRPr lang="en-US"/>
+          </a:p>
+        </p:txBody>
+      </p:sp>
+      <p:sp>
+        <p:nvSpPr>
+          <p:cNvPr id="6" name="Footer Placeholder 5"/>
+          <p:cNvSpPr>
+            <a:spLocks noGrp="1"/>
+          </p:cNvSpPr>
+          <p:nvPr>
+            <p:ph type="ftr" sz="quarter" idx="11"/>
+          </p:nvPr>
+        </p:nvSpPr>
+        <p:spPr/>
+        <p:txBody>
+          <a:bodyPr/>
+          <a:lstStyle>
+            <a:lvl1pPr>
+              <a:defRPr/>
+            </a:lvl1pPr>
+          </a:lstStyle>
+          <a:p>
+            <a:endParaRPr lang="en-US"/>
+          </a:p>
+        </p:txBody>
+      </p:sp>
+      <p:sp>
+        <p:nvSpPr>
+          <p:cNvPr id="7" name="Slide Number Placeholder 6"/>
+          <p:cNvSpPr>
+            <a:spLocks noGrp="1"/>
+          </p:cNvSpPr>
+          <p:nvPr>
+            <p:ph type="sldNum" sz="quarter" idx="12"/>
+          </p:nvPr>
+        </p:nvSpPr>
+        <p:spPr/>
+        <p:txBody>
+          <a:bodyPr/>
+          <a:lstStyle>
+            <a:lvl1pPr>
+              <a:defRPr/>
+            </a:lvl1pPr>
+          </a:lstStyle>
+          <a:p>
+            <a:r>
+              <a:rPr lang="en-US"/>
+              <a:t>Figure </a:t>
+            </a:r>
+            <a:fld id="{E3FE819A-2CA6-4334-9AA2-5D3717931CA6}" type="slidenum">
+              <a:rPr lang="en-US"/>
+              <a:pPr/>
+              <a:t>‹#›</a:t>
+            </a:fld>
+            <a:endParaRPr lang="en-US"/>
+          </a:p>
+        </p:txBody>
+      </p:sp>
+    </p:spTree>
+    <p:extLst>
+      <p:ext uri="{BB962C8B-B14F-4D97-AF65-F5344CB8AC3E}">
+        <p14:creationId xmlns:p14="http://schemas.microsoft.com/office/powerpoint/2010/main" val="704848415"/>
+      </p:ext>
+    </p:extLst>
+  </p:cSld>
+  <p:clrMapOvr>
+    <a:masterClrMapping/>
+  </p:clrMapOvr>
+  <mc:AlternateContent xmlns:mc="http://schemas.openxmlformats.org/markup-compatibility/2006" xmlns:p14="http://schemas.microsoft.com/office/powerpoint/2010/main">
+    <mc:Choice Requires="p14">
+      <p:transition spd="med" p14:dur="700">
+        <p:fade/>
+      </p:transition>
+    </mc:Choice>
+    <mc:Fallback xmlns="">
+      <p:transition xmlns:p14="http://schemas.microsoft.com/office/powerpoint/2010/main" spd="med">
+        <p:fade/>
+      </p:transition>
+    </mc:Fallback>
+  </mc:AlternateContent>
+</p:sldLayout>
+</file>
+
+<file path=ppt/slideLayouts/slideLayout45.xml><?xml version="1.0" encoding="utf-8"?>
+<p:sldLayout xmlns:a="http://schemas.openxmlformats.org/drawingml/2006/main" xmlns:r="http://schemas.openxmlformats.org/officeDocument/2006/relationships" xmlns:p="http://schemas.openxmlformats.org/presentationml/2006/main" type="vertTx" preserve="1">
+  <p:cSld name="Title and Vertical Text">
+    <p:spTree>
+      <p:nvGrpSpPr>
+        <p:cNvPr id="1" name=""/>
+        <p:cNvGrpSpPr/>
+        <p:nvPr/>
+      </p:nvGrpSpPr>
+      <p:grpSpPr>
+        <a:xfrm>
+          <a:off x="0" y="0"/>
+          <a:ext cx="0" cy="0"/>
+          <a:chOff x="0" y="0"/>
+          <a:chExt cx="0" cy="0"/>
+        </a:xfrm>
+      </p:grpSpPr>
+      <p:sp>
+        <p:nvSpPr>
+          <p:cNvPr id="2" name="Title 1"/>
+          <p:cNvSpPr>
+            <a:spLocks noGrp="1"/>
+          </p:cNvSpPr>
+          <p:nvPr>
+            <p:ph type="title"/>
+          </p:nvPr>
+        </p:nvSpPr>
+        <p:spPr/>
+        <p:txBody>
+          <a:bodyPr/>
+          <a:lstStyle/>
+          <a:p>
+            <a:r>
+              <a:rPr lang="en-US"/>
+              <a:t>Click to edit Master title style</a:t>
+            </a:r>
+          </a:p>
+        </p:txBody>
+      </p:sp>
+      <p:sp>
+        <p:nvSpPr>
+          <p:cNvPr id="3" name="Vertical Text Placeholder 2"/>
+          <p:cNvSpPr>
+            <a:spLocks noGrp="1"/>
+          </p:cNvSpPr>
+          <p:nvPr>
+            <p:ph type="body" orient="vert" idx="1"/>
+          </p:nvPr>
+        </p:nvSpPr>
+        <p:spPr/>
+        <p:txBody>
+          <a:bodyPr vert="eaVert"/>
+          <a:lstStyle/>
+          <a:p>
+            <a:pPr lvl="0"/>
+            <a:r>
+              <a:rPr lang="en-US"/>
+              <a:t>Click to edit Master text styles</a:t>
+            </a:r>
+          </a:p>
+          <a:p>
+            <a:pPr lvl="1"/>
+            <a:r>
+              <a:rPr lang="en-US"/>
+              <a:t>Second level</a:t>
+            </a:r>
+          </a:p>
+          <a:p>
+            <a:pPr lvl="2"/>
+            <a:r>
+              <a:rPr lang="en-US"/>
+              <a:t>Third level</a:t>
+            </a:r>
+          </a:p>
+          <a:p>
+            <a:pPr lvl="3"/>
+            <a:r>
+              <a:rPr lang="en-US"/>
+              <a:t>Fourth level</a:t>
+            </a:r>
+          </a:p>
+          <a:p>
+            <a:pPr lvl="4"/>
+            <a:r>
+              <a:rPr lang="en-US"/>
+              <a:t>Fifth level</a:t>
+            </a:r>
+          </a:p>
+        </p:txBody>
+      </p:sp>
+      <p:sp>
+        <p:nvSpPr>
+          <p:cNvPr id="4" name="Date Placeholder 3"/>
+          <p:cNvSpPr>
+            <a:spLocks noGrp="1"/>
+          </p:cNvSpPr>
+          <p:nvPr>
+            <p:ph type="dt" sz="half" idx="10"/>
+          </p:nvPr>
+        </p:nvSpPr>
+        <p:spPr/>
+        <p:txBody>
+          <a:bodyPr/>
+          <a:lstStyle>
+            <a:lvl1pPr>
+              <a:defRPr/>
+            </a:lvl1pPr>
+          </a:lstStyle>
+          <a:p>
+            <a:endParaRPr lang="en-US"/>
+          </a:p>
+        </p:txBody>
+      </p:sp>
+      <p:sp>
+        <p:nvSpPr>
+          <p:cNvPr id="5" name="Footer Placeholder 4"/>
+          <p:cNvSpPr>
+            <a:spLocks noGrp="1"/>
+          </p:cNvSpPr>
+          <p:nvPr>
+            <p:ph type="ftr" sz="quarter" idx="11"/>
+          </p:nvPr>
+        </p:nvSpPr>
+        <p:spPr/>
+        <p:txBody>
+          <a:bodyPr/>
+          <a:lstStyle>
+            <a:lvl1pPr>
+              <a:defRPr/>
+            </a:lvl1pPr>
+          </a:lstStyle>
+          <a:p>
+            <a:endParaRPr lang="en-US"/>
+          </a:p>
+        </p:txBody>
+      </p:sp>
+      <p:sp>
+        <p:nvSpPr>
+          <p:cNvPr id="6" name="Slide Number Placeholder 5"/>
+          <p:cNvSpPr>
+            <a:spLocks noGrp="1"/>
+          </p:cNvSpPr>
+          <p:nvPr>
+            <p:ph type="sldNum" sz="quarter" idx="12"/>
+          </p:nvPr>
+        </p:nvSpPr>
+        <p:spPr/>
+        <p:txBody>
+          <a:bodyPr/>
+          <a:lstStyle>
+            <a:lvl1pPr>
+              <a:defRPr/>
+            </a:lvl1pPr>
+          </a:lstStyle>
+          <a:p>
+            <a:r>
+              <a:rPr lang="en-US"/>
+              <a:t>Figure </a:t>
+            </a:r>
+            <a:fld id="{308C673F-7B03-475D-BC03-525D97CF0537}" type="slidenum">
+              <a:rPr lang="en-US"/>
+              <a:pPr/>
+              <a:t>‹#›</a:t>
+            </a:fld>
+            <a:endParaRPr lang="en-US"/>
+          </a:p>
+        </p:txBody>
+      </p:sp>
+    </p:spTree>
+    <p:extLst>
+      <p:ext uri="{BB962C8B-B14F-4D97-AF65-F5344CB8AC3E}">
+        <p14:creationId xmlns:p14="http://schemas.microsoft.com/office/powerpoint/2010/main" val="4024152324"/>
+      </p:ext>
+    </p:extLst>
+  </p:cSld>
+  <p:clrMapOvr>
+    <a:masterClrMapping/>
+  </p:clrMapOvr>
+  <mc:AlternateContent xmlns:mc="http://schemas.openxmlformats.org/markup-compatibility/2006" xmlns:p14="http://schemas.microsoft.com/office/powerpoint/2010/main">
+    <mc:Choice Requires="p14">
+      <p:transition spd="med" p14:dur="700">
+        <p:fade/>
+      </p:transition>
+    </mc:Choice>
+    <mc:Fallback xmlns="">
+      <p:transition xmlns:p14="http://schemas.microsoft.com/office/powerpoint/2010/main" spd="med">
+        <p:fade/>
+      </p:transition>
+    </mc:Fallback>
+  </mc:AlternateContent>
+</p:sldLayout>
+</file>
+
+<file path=ppt/slideLayouts/slideLayout46.xml><?xml version="1.0" encoding="utf-8"?>
+<p:sldLayout xmlns:a="http://schemas.openxmlformats.org/drawingml/2006/main" xmlns:r="http://schemas.openxmlformats.org/officeDocument/2006/relationships" xmlns:p="http://schemas.openxmlformats.org/presentationml/2006/main" type="vertTitleAndTx" preserve="1">
+  <p:cSld name="Vertical Title and Text">
+    <p:spTree>
+      <p:nvGrpSpPr>
+        <p:cNvPr id="1" name=""/>
+        <p:cNvGrpSpPr/>
+        <p:nvPr/>
+      </p:nvGrpSpPr>
+      <p:grpSpPr>
+        <a:xfrm>
+          <a:off x="0" y="0"/>
+          <a:ext cx="0" cy="0"/>
+          <a:chOff x="0" y="0"/>
+          <a:chExt cx="0" cy="0"/>
+        </a:xfrm>
+      </p:grpSpPr>
+      <p:sp>
+        <p:nvSpPr>
+          <p:cNvPr id="2" name="Vertical Title 1"/>
+          <p:cNvSpPr>
+            <a:spLocks noGrp="1"/>
+          </p:cNvSpPr>
+          <p:nvPr>
+            <p:ph type="title" orient="vert"/>
+          </p:nvPr>
+        </p:nvSpPr>
+        <p:spPr>
+          <a:xfrm>
+            <a:off x="6629400" y="205979"/>
+            <a:ext cx="2057400" cy="4388644"/>
+          </a:xfrm>
+        </p:spPr>
+        <p:txBody>
+          <a:bodyPr vert="eaVert"/>
+          <a:lstStyle/>
+          <a:p>
+            <a:r>
+              <a:rPr lang="en-US"/>
+              <a:t>Click to edit Master title style</a:t>
+            </a:r>
+          </a:p>
+        </p:txBody>
+      </p:sp>
+      <p:sp>
+        <p:nvSpPr>
+          <p:cNvPr id="3" name="Vertical Text Placeholder 2"/>
+          <p:cNvSpPr>
+            <a:spLocks noGrp="1"/>
+          </p:cNvSpPr>
+          <p:nvPr>
+            <p:ph type="body" orient="vert" idx="1"/>
+          </p:nvPr>
+        </p:nvSpPr>
+        <p:spPr>
+          <a:xfrm>
+            <a:off x="457200" y="205979"/>
+            <a:ext cx="6019800" cy="4388644"/>
+          </a:xfrm>
+        </p:spPr>
+        <p:txBody>
+          <a:bodyPr vert="eaVert"/>
+          <a:lstStyle/>
+          <a:p>
+            <a:pPr lvl="0"/>
+            <a:r>
+              <a:rPr lang="en-US"/>
+              <a:t>Click to edit Master text styles</a:t>
+            </a:r>
+          </a:p>
+          <a:p>
+            <a:pPr lvl="1"/>
+            <a:r>
+              <a:rPr lang="en-US"/>
+              <a:t>Second level</a:t>
+            </a:r>
+          </a:p>
+          <a:p>
+            <a:pPr lvl="2"/>
+            <a:r>
+              <a:rPr lang="en-US"/>
+              <a:t>Third level</a:t>
+            </a:r>
+          </a:p>
+          <a:p>
+            <a:pPr lvl="3"/>
+            <a:r>
+              <a:rPr lang="en-US"/>
+              <a:t>Fourth level</a:t>
+            </a:r>
+          </a:p>
+          <a:p>
+            <a:pPr lvl="4"/>
+            <a:r>
+              <a:rPr lang="en-US"/>
+              <a:t>Fifth level</a:t>
+            </a:r>
+          </a:p>
+        </p:txBody>
+      </p:sp>
+      <p:sp>
+        <p:nvSpPr>
+          <p:cNvPr id="4" name="Date Placeholder 3"/>
+          <p:cNvSpPr>
+            <a:spLocks noGrp="1"/>
+          </p:cNvSpPr>
+          <p:nvPr>
+            <p:ph type="dt" sz="half" idx="10"/>
+          </p:nvPr>
+        </p:nvSpPr>
+        <p:spPr/>
+        <p:txBody>
+          <a:bodyPr/>
+          <a:lstStyle>
+            <a:lvl1pPr>
+              <a:defRPr/>
+            </a:lvl1pPr>
+          </a:lstStyle>
+          <a:p>
+            <a:endParaRPr lang="en-US"/>
+          </a:p>
+        </p:txBody>
+      </p:sp>
+      <p:sp>
+        <p:nvSpPr>
+          <p:cNvPr id="5" name="Footer Placeholder 4"/>
+          <p:cNvSpPr>
+            <a:spLocks noGrp="1"/>
+          </p:cNvSpPr>
+          <p:nvPr>
+            <p:ph type="ftr" sz="quarter" idx="11"/>
+          </p:nvPr>
+        </p:nvSpPr>
+        <p:spPr/>
+        <p:txBody>
+          <a:bodyPr/>
+          <a:lstStyle>
+            <a:lvl1pPr>
+              <a:defRPr/>
+            </a:lvl1pPr>
+          </a:lstStyle>
+          <a:p>
+            <a:endParaRPr lang="en-US"/>
+          </a:p>
+        </p:txBody>
+      </p:sp>
+      <p:sp>
+        <p:nvSpPr>
+          <p:cNvPr id="6" name="Slide Number Placeholder 5"/>
+          <p:cNvSpPr>
+            <a:spLocks noGrp="1"/>
+          </p:cNvSpPr>
+          <p:nvPr>
+            <p:ph type="sldNum" sz="quarter" idx="12"/>
+          </p:nvPr>
+        </p:nvSpPr>
+        <p:spPr/>
+        <p:txBody>
+          <a:bodyPr/>
+          <a:lstStyle>
+            <a:lvl1pPr>
+              <a:defRPr/>
+            </a:lvl1pPr>
+          </a:lstStyle>
+          <a:p>
+            <a:r>
+              <a:rPr lang="en-US"/>
+              <a:t>Figure </a:t>
+            </a:r>
+            <a:fld id="{20C130F5-DC94-42F0-BEA0-F5A0538A2DEB}" type="slidenum">
+              <a:rPr lang="en-US"/>
+              <a:pPr/>
+              <a:t>‹#›</a:t>
+            </a:fld>
+            <a:endParaRPr lang="en-US"/>
+          </a:p>
+        </p:txBody>
+      </p:sp>
+    </p:spTree>
+    <p:extLst>
+      <p:ext uri="{BB962C8B-B14F-4D97-AF65-F5344CB8AC3E}">
+        <p14:creationId xmlns:p14="http://schemas.microsoft.com/office/powerpoint/2010/main" val="2622864273"/>
+      </p:ext>
+    </p:extLst>
+  </p:cSld>
+  <p:clrMapOvr>
+    <a:masterClrMapping/>
+  </p:clrMapOvr>
+  <mc:AlternateContent xmlns:mc="http://schemas.openxmlformats.org/markup-compatibility/2006" xmlns:p14="http://schemas.microsoft.com/office/powerpoint/2010/main">
+    <mc:Choice Requires="p14">
+      <p:transition spd="med" p14:dur="700">
+        <p:fade/>
+      </p:transition>
+    </mc:Choice>
+    <mc:Fallback xmlns="">
+      <p:transition xmlns:p14="http://schemas.microsoft.com/office/powerpoint/2010/main" spd="med">
+        <p:fade/>
+      </p:transition>
+    </mc:Fallback>
+  </mc:AlternateContent>
+</p:sldLayout>
+</file>
+
+<file path=ppt/slideLayouts/slideLayout47.xml><?xml version="1.0" encoding="utf-8"?>
+<p:sldLayout xmlns:a="http://schemas.openxmlformats.org/drawingml/2006/main" xmlns:r="http://schemas.openxmlformats.org/officeDocument/2006/relationships" xmlns:p="http://schemas.openxmlformats.org/presentationml/2006/main" type="objOnly" preserve="1">
+  <p:cSld name="Content">
+    <p:spTree>
+      <p:nvGrpSpPr>
+        <p:cNvPr id="1" name=""/>
+        <p:cNvGrpSpPr/>
+        <p:nvPr/>
+      </p:nvGrpSpPr>
+      <p:grpSpPr>
+        <a:xfrm>
+          <a:off x="0" y="0"/>
+          <a:ext cx="0" cy="0"/>
+          <a:chOff x="0" y="0"/>
+          <a:chExt cx="0" cy="0"/>
+        </a:xfrm>
+      </p:grpSpPr>
+      <p:sp>
+        <p:nvSpPr>
+          <p:cNvPr id="2" name="Content Placeholder 1"/>
+          <p:cNvSpPr>
+            <a:spLocks noGrp="1"/>
+          </p:cNvSpPr>
+          <p:nvPr>
+            <p:ph/>
+          </p:nvPr>
+        </p:nvSpPr>
+        <p:spPr>
+          <a:xfrm>
+            <a:off x="457200" y="205979"/>
+            <a:ext cx="8229600" cy="4388644"/>
+          </a:xfrm>
+        </p:spPr>
+        <p:txBody>
+          <a:bodyPr/>
+          <a:lstStyle/>
+          <a:p>
+            <a:pPr lvl="0"/>
+            <a:r>
+              <a:rPr lang="en-US"/>
+              <a:t>Click to edit Master text styles</a:t>
+            </a:r>
+          </a:p>
+          <a:p>
+            <a:pPr lvl="1"/>
+            <a:r>
+              <a:rPr lang="en-US"/>
+              <a:t>Second level</a:t>
+            </a:r>
+          </a:p>
+          <a:p>
+            <a:pPr lvl="2"/>
+            <a:r>
+              <a:rPr lang="en-US"/>
+              <a:t>Third level</a:t>
+            </a:r>
+          </a:p>
+          <a:p>
+            <a:pPr lvl="3"/>
+            <a:r>
+              <a:rPr lang="en-US"/>
+              <a:t>Fourth level</a:t>
+            </a:r>
+          </a:p>
+          <a:p>
+            <a:pPr lvl="4"/>
+            <a:r>
+              <a:rPr lang="en-US"/>
+              <a:t>Fifth level</a:t>
+            </a:r>
+          </a:p>
+        </p:txBody>
+      </p:sp>
+      <p:sp>
+        <p:nvSpPr>
+          <p:cNvPr id="3" name="Date Placeholder 2"/>
+          <p:cNvSpPr>
+            <a:spLocks noGrp="1"/>
+          </p:cNvSpPr>
+          <p:nvPr>
+            <p:ph type="dt" sz="half" idx="10"/>
+          </p:nvPr>
+        </p:nvSpPr>
+        <p:spPr>
+          <a:xfrm>
+            <a:off x="457200" y="4683919"/>
+            <a:ext cx="2133600" cy="357188"/>
+          </a:xfrm>
+        </p:spPr>
+        <p:txBody>
+          <a:bodyPr/>
+          <a:lstStyle>
+            <a:lvl1pPr>
+              <a:defRPr/>
+            </a:lvl1pPr>
+          </a:lstStyle>
+          <a:p>
+            <a:endParaRPr lang="en-US"/>
+          </a:p>
+        </p:txBody>
+      </p:sp>
+      <p:sp>
+        <p:nvSpPr>
+          <p:cNvPr id="4" name="Footer Placeholder 3"/>
+          <p:cNvSpPr>
+            <a:spLocks noGrp="1"/>
+          </p:cNvSpPr>
+          <p:nvPr>
+            <p:ph type="ftr" sz="quarter" idx="11"/>
+          </p:nvPr>
+        </p:nvSpPr>
+        <p:spPr>
+          <a:xfrm>
+            <a:off x="3124200" y="4683919"/>
+            <a:ext cx="2895600" cy="357188"/>
+          </a:xfrm>
+        </p:spPr>
+        <p:txBody>
+          <a:bodyPr/>
+          <a:lstStyle>
+            <a:lvl1pPr>
+              <a:defRPr/>
+            </a:lvl1pPr>
+          </a:lstStyle>
+          <a:p>
+            <a:endParaRPr lang="en-US"/>
+          </a:p>
+        </p:txBody>
+      </p:sp>
+      <p:sp>
+        <p:nvSpPr>
+          <p:cNvPr id="5" name="Slide Number Placeholder 4"/>
+          <p:cNvSpPr>
+            <a:spLocks noGrp="1"/>
+          </p:cNvSpPr>
+          <p:nvPr>
+            <p:ph type="sldNum" sz="quarter" idx="12"/>
+          </p:nvPr>
+        </p:nvSpPr>
+        <p:spPr>
+          <a:xfrm>
+            <a:off x="6553200" y="4683919"/>
+            <a:ext cx="2133600" cy="357188"/>
+          </a:xfrm>
+        </p:spPr>
+        <p:txBody>
+          <a:bodyPr/>
+          <a:lstStyle>
+            <a:lvl1pPr>
+              <a:defRPr/>
+            </a:lvl1pPr>
+          </a:lstStyle>
+          <a:p>
+            <a:r>
+              <a:rPr lang="en-US"/>
+              <a:t>Figure </a:t>
+            </a:r>
+            <a:fld id="{5DA54AF0-1F82-4607-A558-1AA4BB181AF6}" type="slidenum">
+              <a:rPr lang="en-US"/>
+              <a:pPr/>
+              <a:t>‹#›</a:t>
+            </a:fld>
+            <a:endParaRPr lang="en-US"/>
+          </a:p>
+        </p:txBody>
+      </p:sp>
+    </p:spTree>
+    <p:extLst>
+      <p:ext uri="{BB962C8B-B14F-4D97-AF65-F5344CB8AC3E}">
+        <p14:creationId xmlns:p14="http://schemas.microsoft.com/office/powerpoint/2010/main" val="1568093538"/>
+      </p:ext>
+    </p:extLst>
+  </p:cSld>
+  <p:clrMapOvr>
+    <a:masterClrMapping/>
+  </p:clrMapOvr>
+  <mc:AlternateContent xmlns:mc="http://schemas.openxmlformats.org/markup-compatibility/2006" xmlns:p14="http://schemas.microsoft.com/office/powerpoint/2010/main">
+    <mc:Choice Requires="p14">
+      <p:transition spd="med" p14:dur="700">
+        <p:fade/>
+      </p:transition>
+    </mc:Choice>
+    <mc:Fallback xmlns="">
+      <p:transition xmlns:p14="http://schemas.microsoft.com/office/powerpoint/2010/main" spd="med">
         <p:fade/>
       </p:transition>
     </mc:Fallback>
@@ -8491,6 +10329,655 @@
 </file>
 
 <file path=ppt/slideMasters/slideMaster3.xml><?xml version="1.0" encoding="utf-8"?>
+<p:sldMaster xmlns:a="http://schemas.openxmlformats.org/drawingml/2006/main" xmlns:r="http://schemas.openxmlformats.org/officeDocument/2006/relationships" xmlns:p="http://schemas.openxmlformats.org/presentationml/2006/main" preserve="1">
+  <p:cSld>
+    <p:bg>
+      <p:bgPr>
+        <a:solidFill>
+          <a:schemeClr val="bg1"/>
+        </a:solidFill>
+        <a:effectLst/>
+      </p:bgPr>
+    </p:bg>
+    <p:spTree>
+      <p:nvGrpSpPr>
+        <p:cNvPr id="1" name=""/>
+        <p:cNvGrpSpPr/>
+        <p:nvPr/>
+      </p:nvGrpSpPr>
+      <p:grpSpPr>
+        <a:xfrm>
+          <a:off x="0" y="0"/>
+          <a:ext cx="0" cy="0"/>
+          <a:chOff x="0" y="0"/>
+          <a:chExt cx="0" cy="0"/>
+        </a:xfrm>
+      </p:grpSpPr>
+      <p:sp>
+        <p:nvSpPr>
+          <p:cNvPr id="1026" name="Rectangle 1"/>
+          <p:cNvSpPr>
+            <a:spLocks noGrp="1" noChangeArrowheads="1"/>
+          </p:cNvSpPr>
+          <p:nvPr>
+            <p:ph type="body" idx="1"/>
+          </p:nvPr>
+        </p:nvSpPr>
+        <p:spPr bwMode="auto">
+          <a:xfrm>
+            <a:off x="660799" y="1245693"/>
+            <a:ext cx="7447359" cy="2772668"/>
+          </a:xfrm>
+          <a:prstGeom prst="rect">
+            <a:avLst/>
+          </a:prstGeom>
+          <a:noFill/>
+          <a:ln>
+            <a:noFill/>
+          </a:ln>
+          <a:extLst>
+            <a:ext uri="{FAA26D3D-D897-4be2-8F04-BA451C77F1D7}">
+              <ma14:placeholderFlag xmlns:ma14="http://schemas.microsoft.com/office/mac/drawingml/2011/main" xmlns="" val="1"/>
+            </a:ext>
+            <a:ext uri="{909E8E84-426E-40dd-AFC4-6F175D3DCCD1}">
+              <a14:hiddenFill xmlns="" xmlns:a14="http://schemas.microsoft.com/office/drawing/2010/main">
+                <a:solidFill>
+                  <a:srgbClr val="FFFFFF"/>
+                </a:solidFill>
+              </a14:hiddenFill>
+            </a:ext>
+            <a:ext uri="{91240B29-F687-4f45-9708-019B960494DF}">
+              <a14:hiddenLine xmlns="" xmlns:a14="http://schemas.microsoft.com/office/drawing/2010/main" w="9525">
+                <a:solidFill>
+                  <a:srgbClr val="000000"/>
+                </a:solidFill>
+                <a:miter lim="800000"/>
+                <a:headEnd/>
+                <a:tailEnd/>
+              </a14:hiddenLine>
+            </a:ext>
+          </a:extLst>
+        </p:spPr>
+        <p:txBody>
+          <a:bodyPr vert="horz" wrap="square" lIns="35711" tIns="35711" rIns="35711" bIns="35711" numCol="1" anchor="t" anchorCtr="0" compatLnSpc="1">
+            <a:prstTxWarp prst="textNoShape">
+              <a:avLst/>
+            </a:prstTxWarp>
+          </a:bodyPr>
+          <a:lstStyle/>
+          <a:p>
+            <a:pPr lvl="0"/>
+            <a:r>
+              <a:rPr lang="en-US">
+                <a:sym typeface="Gill Sans" charset="0"/>
+              </a:rPr>
+              <a:t>Click to edit Master text styles</a:t>
+            </a:r>
+          </a:p>
+          <a:p>
+            <a:pPr lvl="1"/>
+            <a:r>
+              <a:rPr lang="en-US">
+                <a:sym typeface="Gill Sans" charset="0"/>
+              </a:rPr>
+              <a:t>Second level</a:t>
+            </a:r>
+          </a:p>
+          <a:p>
+            <a:pPr lvl="2"/>
+            <a:r>
+              <a:rPr lang="en-US">
+                <a:sym typeface="Gill Sans" charset="0"/>
+              </a:rPr>
+              <a:t>Third level</a:t>
+            </a:r>
+          </a:p>
+          <a:p>
+            <a:pPr lvl="3"/>
+            <a:r>
+              <a:rPr lang="en-US">
+                <a:sym typeface="Gill Sans" charset="0"/>
+              </a:rPr>
+              <a:t>Fourth level</a:t>
+            </a:r>
+          </a:p>
+          <a:p>
+            <a:pPr lvl="4"/>
+            <a:r>
+              <a:rPr lang="en-US">
+                <a:sym typeface="Gill Sans" charset="0"/>
+              </a:rPr>
+              <a:t>Fifth level</a:t>
+            </a:r>
+            <a:endParaRPr lang="en-US" dirty="0">
+              <a:sym typeface="Gill Sans" charset="0"/>
+            </a:endParaRPr>
+          </a:p>
+        </p:txBody>
+      </p:sp>
+      <p:sp>
+        <p:nvSpPr>
+          <p:cNvPr id="1027" name="Rectangle 2"/>
+          <p:cNvSpPr>
+            <a:spLocks noGrp="1" noChangeArrowheads="1"/>
+          </p:cNvSpPr>
+          <p:nvPr>
+            <p:ph type="title"/>
+          </p:nvPr>
+        </p:nvSpPr>
+        <p:spPr bwMode="auto">
+          <a:xfrm>
+            <a:off x="107506" y="62332"/>
+            <a:ext cx="8928992" cy="421928"/>
+          </a:xfrm>
+          <a:prstGeom prst="rect">
+            <a:avLst/>
+          </a:prstGeom>
+          <a:noFill/>
+          <a:ln>
+            <a:noFill/>
+          </a:ln>
+          <a:extLst>
+            <a:ext uri="{FAA26D3D-D897-4be2-8F04-BA451C77F1D7}">
+              <ma14:placeholderFlag xmlns:ma14="http://schemas.microsoft.com/office/mac/drawingml/2011/main" xmlns="" val="1"/>
+            </a:ext>
+            <a:ext uri="{909E8E84-426E-40dd-AFC4-6F175D3DCCD1}">
+              <a14:hiddenFill xmlns="" xmlns:a14="http://schemas.microsoft.com/office/drawing/2010/main">
+                <a:solidFill>
+                  <a:srgbClr val="FFFFFF"/>
+                </a:solidFill>
+              </a14:hiddenFill>
+            </a:ext>
+            <a:ext uri="{91240B29-F687-4f45-9708-019B960494DF}">
+              <a14:hiddenLine xmlns="" xmlns:a14="http://schemas.microsoft.com/office/drawing/2010/main" w="9525">
+                <a:solidFill>
+                  <a:srgbClr val="000000"/>
+                </a:solidFill>
+                <a:miter lim="800000"/>
+                <a:headEnd/>
+                <a:tailEnd/>
+              </a14:hiddenLine>
+            </a:ext>
+          </a:extLst>
+        </p:spPr>
+        <p:txBody>
+          <a:bodyPr vert="horz" wrap="square" lIns="35711" tIns="35711" rIns="35711" bIns="35711" numCol="1" anchor="b" anchorCtr="0" compatLnSpc="1">
+            <a:prstTxWarp prst="textNoShape">
+              <a:avLst/>
+            </a:prstTxWarp>
+          </a:bodyPr>
+          <a:lstStyle/>
+          <a:p>
+            <a:pPr lvl="0"/>
+            <a:r>
+              <a:rPr lang="en-US">
+                <a:sym typeface="Gill Sans" charset="0"/>
+              </a:rPr>
+              <a:t>Click to edit Master title style</a:t>
+            </a:r>
+            <a:endParaRPr lang="en-US" dirty="0">
+              <a:sym typeface="Gill Sans" charset="0"/>
+            </a:endParaRPr>
+          </a:p>
+        </p:txBody>
+      </p:sp>
+    </p:spTree>
+    <p:extLst>
+      <p:ext uri="{BB962C8B-B14F-4D97-AF65-F5344CB8AC3E}">
+        <p14:creationId xmlns:p14="http://schemas.microsoft.com/office/powerpoint/2010/main" val="2627045483"/>
+      </p:ext>
+    </p:extLst>
+  </p:cSld>
+  <p:clrMap bg1="lt1" tx1="dk1" bg2="lt2" tx2="dk2" accent1="accent1" accent2="accent2" accent3="accent3" accent4="accent4" accent5="accent5" accent6="accent6" hlink="hlink" folHlink="folHlink"/>
+  <p:sldLayoutIdLst>
+    <p:sldLayoutId id="2147483711" r:id="rId1"/>
+    <p:sldLayoutId id="2147483712" r:id="rId2"/>
+    <p:sldLayoutId id="2147483713" r:id="rId3"/>
+    <p:sldLayoutId id="2147483714" r:id="rId4"/>
+    <p:sldLayoutId id="2147483715" r:id="rId5"/>
+    <p:sldLayoutId id="2147483716" r:id="rId6"/>
+    <p:sldLayoutId id="2147483717" r:id="rId7"/>
+    <p:sldLayoutId id="2147483718" r:id="rId8"/>
+    <p:sldLayoutId id="2147483719" r:id="rId9"/>
+    <p:sldLayoutId id="2147483720" r:id="rId10"/>
+    <p:sldLayoutId id="2147483721" r:id="rId11"/>
+    <p:sldLayoutId id="2147483722" r:id="rId12"/>
+  </p:sldLayoutIdLst>
+  <mc:AlternateContent xmlns:mc="http://schemas.openxmlformats.org/markup-compatibility/2006" xmlns:p14="http://schemas.microsoft.com/office/powerpoint/2010/main">
+    <mc:Choice Requires="p14">
+      <p:transition spd="slow" p14:dur="900">
+        <p:fade/>
+      </p:transition>
+    </mc:Choice>
+    <mc:Fallback xmlns="">
+      <p:transition xmlns:p14="http://schemas.microsoft.com/office/powerpoint/2010/main" spd="slow">
+        <p:fade/>
+      </p:transition>
+    </mc:Fallback>
+  </mc:AlternateContent>
+  <p:txStyles>
+    <p:titleStyle>
+      <a:lvl1pPr algn="ctr" rtl="0" eaLnBrk="1" fontAlgn="base" hangingPunct="1">
+        <a:spcBef>
+          <a:spcPct val="0"/>
+        </a:spcBef>
+        <a:spcAft>
+          <a:spcPct val="0"/>
+        </a:spcAft>
+        <a:defRPr sz="2100" b="0">
+          <a:solidFill>
+            <a:srgbClr val="FFFFFF"/>
+          </a:solidFill>
+          <a:latin typeface="Georgia"/>
+          <a:ea typeface="+mj-ea"/>
+          <a:cs typeface="Georgia"/>
+          <a:sym typeface="Gill Sans" charset="0"/>
+        </a:defRPr>
+      </a:lvl1pPr>
+      <a:lvl2pPr algn="ctr" rtl="0" eaLnBrk="1" fontAlgn="base" hangingPunct="1">
+        <a:spcBef>
+          <a:spcPct val="0"/>
+        </a:spcBef>
+        <a:spcAft>
+          <a:spcPct val="0"/>
+        </a:spcAft>
+        <a:defRPr sz="4425">
+          <a:solidFill>
+            <a:schemeClr val="tx1"/>
+          </a:solidFill>
+          <a:latin typeface="Gill Sans" charset="0"/>
+          <a:ea typeface="ヒラギノ角ゴ ProN W3" charset="0"/>
+          <a:cs typeface="ヒラギノ角ゴ ProN W3" charset="0"/>
+          <a:sym typeface="Gill Sans" charset="0"/>
+        </a:defRPr>
+      </a:lvl2pPr>
+      <a:lvl3pPr algn="ctr" rtl="0" eaLnBrk="1" fontAlgn="base" hangingPunct="1">
+        <a:spcBef>
+          <a:spcPct val="0"/>
+        </a:spcBef>
+        <a:spcAft>
+          <a:spcPct val="0"/>
+        </a:spcAft>
+        <a:defRPr sz="4425">
+          <a:solidFill>
+            <a:schemeClr val="tx1"/>
+          </a:solidFill>
+          <a:latin typeface="Gill Sans" charset="0"/>
+          <a:ea typeface="ヒラギノ角ゴ ProN W3" charset="0"/>
+          <a:cs typeface="ヒラギノ角ゴ ProN W3" charset="0"/>
+          <a:sym typeface="Gill Sans" charset="0"/>
+        </a:defRPr>
+      </a:lvl3pPr>
+      <a:lvl4pPr algn="ctr" rtl="0" eaLnBrk="1" fontAlgn="base" hangingPunct="1">
+        <a:spcBef>
+          <a:spcPct val="0"/>
+        </a:spcBef>
+        <a:spcAft>
+          <a:spcPct val="0"/>
+        </a:spcAft>
+        <a:defRPr sz="4425">
+          <a:solidFill>
+            <a:schemeClr val="tx1"/>
+          </a:solidFill>
+          <a:latin typeface="Gill Sans" charset="0"/>
+          <a:ea typeface="ヒラギノ角ゴ ProN W3" charset="0"/>
+          <a:cs typeface="ヒラギノ角ゴ ProN W3" charset="0"/>
+          <a:sym typeface="Gill Sans" charset="0"/>
+        </a:defRPr>
+      </a:lvl4pPr>
+      <a:lvl5pPr algn="ctr" rtl="0" eaLnBrk="1" fontAlgn="base" hangingPunct="1">
+        <a:spcBef>
+          <a:spcPct val="0"/>
+        </a:spcBef>
+        <a:spcAft>
+          <a:spcPct val="0"/>
+        </a:spcAft>
+        <a:defRPr sz="4425">
+          <a:solidFill>
+            <a:schemeClr val="tx1"/>
+          </a:solidFill>
+          <a:latin typeface="Gill Sans" charset="0"/>
+          <a:ea typeface="ヒラギノ角ゴ ProN W3" charset="0"/>
+          <a:cs typeface="ヒラギノ角ゴ ProN W3" charset="0"/>
+          <a:sym typeface="Gill Sans" charset="0"/>
+        </a:defRPr>
+      </a:lvl5pPr>
+      <a:lvl6pPr marL="241049" algn="ctr" rtl="0" eaLnBrk="1" fontAlgn="base" hangingPunct="1">
+        <a:spcBef>
+          <a:spcPct val="0"/>
+        </a:spcBef>
+        <a:spcAft>
+          <a:spcPct val="0"/>
+        </a:spcAft>
+        <a:defRPr sz="4425">
+          <a:solidFill>
+            <a:schemeClr val="tx1"/>
+          </a:solidFill>
+          <a:latin typeface="Gill Sans" charset="0"/>
+          <a:ea typeface="ヒラギノ角ゴ ProN W3" charset="0"/>
+          <a:cs typeface="ヒラギノ角ゴ ProN W3" charset="0"/>
+          <a:sym typeface="Gill Sans" charset="0"/>
+        </a:defRPr>
+      </a:lvl6pPr>
+      <a:lvl7pPr marL="482100" algn="ctr" rtl="0" eaLnBrk="1" fontAlgn="base" hangingPunct="1">
+        <a:spcBef>
+          <a:spcPct val="0"/>
+        </a:spcBef>
+        <a:spcAft>
+          <a:spcPct val="0"/>
+        </a:spcAft>
+        <a:defRPr sz="4425">
+          <a:solidFill>
+            <a:schemeClr val="tx1"/>
+          </a:solidFill>
+          <a:latin typeface="Gill Sans" charset="0"/>
+          <a:ea typeface="ヒラギノ角ゴ ProN W3" charset="0"/>
+          <a:cs typeface="ヒラギノ角ゴ ProN W3" charset="0"/>
+          <a:sym typeface="Gill Sans" charset="0"/>
+        </a:defRPr>
+      </a:lvl7pPr>
+      <a:lvl8pPr marL="723150" algn="ctr" rtl="0" eaLnBrk="1" fontAlgn="base" hangingPunct="1">
+        <a:spcBef>
+          <a:spcPct val="0"/>
+        </a:spcBef>
+        <a:spcAft>
+          <a:spcPct val="0"/>
+        </a:spcAft>
+        <a:defRPr sz="4425">
+          <a:solidFill>
+            <a:schemeClr val="tx1"/>
+          </a:solidFill>
+          <a:latin typeface="Gill Sans" charset="0"/>
+          <a:ea typeface="ヒラギノ角ゴ ProN W3" charset="0"/>
+          <a:cs typeface="ヒラギノ角ゴ ProN W3" charset="0"/>
+          <a:sym typeface="Gill Sans" charset="0"/>
+        </a:defRPr>
+      </a:lvl8pPr>
+      <a:lvl9pPr marL="964199" algn="ctr" rtl="0" eaLnBrk="1" fontAlgn="base" hangingPunct="1">
+        <a:spcBef>
+          <a:spcPct val="0"/>
+        </a:spcBef>
+        <a:spcAft>
+          <a:spcPct val="0"/>
+        </a:spcAft>
+        <a:defRPr sz="4425">
+          <a:solidFill>
+            <a:schemeClr val="tx1"/>
+          </a:solidFill>
+          <a:latin typeface="Gill Sans" charset="0"/>
+          <a:ea typeface="ヒラギノ角ゴ ProN W3" charset="0"/>
+          <a:cs typeface="ヒラギノ角ゴ ProN W3" charset="0"/>
+          <a:sym typeface="Gill Sans" charset="0"/>
+        </a:defRPr>
+      </a:lvl9pPr>
+    </p:titleStyle>
+    <p:bodyStyle>
+      <a:lvl1pPr marL="301360" indent="-301360" algn="l" rtl="0" eaLnBrk="1" fontAlgn="base" hangingPunct="1">
+        <a:spcBef>
+          <a:spcPct val="0"/>
+        </a:spcBef>
+        <a:spcAft>
+          <a:spcPct val="0"/>
+        </a:spcAft>
+        <a:buFont typeface="Arial"/>
+        <a:buChar char="•"/>
+        <a:defRPr sz="1875">
+          <a:solidFill>
+            <a:schemeClr val="tx1"/>
+          </a:solidFill>
+          <a:latin typeface="Georgia"/>
+          <a:ea typeface="+mn-ea"/>
+          <a:cs typeface="Georgia"/>
+          <a:sym typeface="Gill Sans" charset="0"/>
+        </a:defRPr>
+      </a:lvl1pPr>
+      <a:lvl2pPr marL="542446" indent="-301360" algn="l" rtl="0" eaLnBrk="1" fontAlgn="base" hangingPunct="1">
+        <a:spcBef>
+          <a:spcPct val="0"/>
+        </a:spcBef>
+        <a:spcAft>
+          <a:spcPct val="0"/>
+        </a:spcAft>
+        <a:buSzPct val="75000"/>
+        <a:buFont typeface="Wingdings" charset="2"/>
+        <a:buChar char=""/>
+        <a:defRPr sz="1650">
+          <a:solidFill>
+            <a:schemeClr val="tx1"/>
+          </a:solidFill>
+          <a:latin typeface="Georgia"/>
+          <a:ea typeface="+mn-ea"/>
+          <a:cs typeface="Georgia"/>
+          <a:sym typeface="Gill Sans" charset="0"/>
+        </a:defRPr>
+      </a:lvl2pPr>
+      <a:lvl3pPr marL="783533" indent="-301360" algn="l" rtl="0" eaLnBrk="1" fontAlgn="base" hangingPunct="1">
+        <a:spcBef>
+          <a:spcPct val="0"/>
+        </a:spcBef>
+        <a:spcAft>
+          <a:spcPct val="0"/>
+        </a:spcAft>
+        <a:buSzPct val="80000"/>
+        <a:buFont typeface="Wingdings" charset="2"/>
+        <a:buChar char="Ø"/>
+        <a:defRPr sz="1650">
+          <a:solidFill>
+            <a:schemeClr val="tx1"/>
+          </a:solidFill>
+          <a:latin typeface="Georgia"/>
+          <a:ea typeface="+mn-ea"/>
+          <a:cs typeface="Georgia"/>
+          <a:sym typeface="Gill Sans" charset="0"/>
+        </a:defRPr>
+      </a:lvl3pPr>
+      <a:lvl4pPr marL="1024621" indent="-301360" algn="l" rtl="0" eaLnBrk="1" fontAlgn="base" hangingPunct="1">
+        <a:spcBef>
+          <a:spcPct val="0"/>
+        </a:spcBef>
+        <a:spcAft>
+          <a:spcPct val="0"/>
+        </a:spcAft>
+        <a:buFont typeface="Arial"/>
+        <a:buChar char="•"/>
+        <a:defRPr sz="1650">
+          <a:solidFill>
+            <a:schemeClr val="tx1"/>
+          </a:solidFill>
+          <a:latin typeface="Georgia"/>
+          <a:ea typeface="+mn-ea"/>
+          <a:cs typeface="Georgia"/>
+          <a:sym typeface="Gill Sans" charset="0"/>
+        </a:defRPr>
+      </a:lvl4pPr>
+      <a:lvl5pPr marL="1265706" indent="-301360" algn="l" rtl="0" eaLnBrk="1" fontAlgn="base" hangingPunct="1">
+        <a:spcBef>
+          <a:spcPct val="0"/>
+        </a:spcBef>
+        <a:spcAft>
+          <a:spcPct val="0"/>
+        </a:spcAft>
+        <a:buFont typeface="Arial"/>
+        <a:buChar char="•"/>
+        <a:defRPr sz="1650">
+          <a:solidFill>
+            <a:schemeClr val="tx1"/>
+          </a:solidFill>
+          <a:latin typeface="Georgia"/>
+          <a:ea typeface="+mn-ea"/>
+          <a:cs typeface="Georgia"/>
+          <a:sym typeface="Gill Sans" charset="0"/>
+        </a:defRPr>
+      </a:lvl5pPr>
+      <a:lvl6pPr marL="241049" algn="ctr" rtl="0" eaLnBrk="1" fontAlgn="base" hangingPunct="1">
+        <a:spcBef>
+          <a:spcPct val="0"/>
+        </a:spcBef>
+        <a:spcAft>
+          <a:spcPct val="0"/>
+        </a:spcAft>
+        <a:defRPr sz="1875">
+          <a:solidFill>
+            <a:schemeClr val="tx1"/>
+          </a:solidFill>
+          <a:latin typeface="+mn-lt"/>
+          <a:ea typeface="+mn-ea"/>
+          <a:cs typeface="+mn-cs"/>
+          <a:sym typeface="Gill Sans" charset="0"/>
+        </a:defRPr>
+      </a:lvl6pPr>
+      <a:lvl7pPr marL="482100" algn="ctr" rtl="0" eaLnBrk="1" fontAlgn="base" hangingPunct="1">
+        <a:spcBef>
+          <a:spcPct val="0"/>
+        </a:spcBef>
+        <a:spcAft>
+          <a:spcPct val="0"/>
+        </a:spcAft>
+        <a:defRPr sz="1875">
+          <a:solidFill>
+            <a:schemeClr val="tx1"/>
+          </a:solidFill>
+          <a:latin typeface="+mn-lt"/>
+          <a:ea typeface="+mn-ea"/>
+          <a:cs typeface="+mn-cs"/>
+          <a:sym typeface="Gill Sans" charset="0"/>
+        </a:defRPr>
+      </a:lvl7pPr>
+      <a:lvl8pPr marL="723150" algn="ctr" rtl="0" eaLnBrk="1" fontAlgn="base" hangingPunct="1">
+        <a:spcBef>
+          <a:spcPct val="0"/>
+        </a:spcBef>
+        <a:spcAft>
+          <a:spcPct val="0"/>
+        </a:spcAft>
+        <a:defRPr sz="1875">
+          <a:solidFill>
+            <a:schemeClr val="tx1"/>
+          </a:solidFill>
+          <a:latin typeface="+mn-lt"/>
+          <a:ea typeface="+mn-ea"/>
+          <a:cs typeface="+mn-cs"/>
+          <a:sym typeface="Gill Sans" charset="0"/>
+        </a:defRPr>
+      </a:lvl8pPr>
+      <a:lvl9pPr marL="964199" algn="ctr" rtl="0" eaLnBrk="1" fontAlgn="base" hangingPunct="1">
+        <a:spcBef>
+          <a:spcPct val="0"/>
+        </a:spcBef>
+        <a:spcAft>
+          <a:spcPct val="0"/>
+        </a:spcAft>
+        <a:defRPr sz="1875">
+          <a:solidFill>
+            <a:schemeClr val="tx1"/>
+          </a:solidFill>
+          <a:latin typeface="+mn-lt"/>
+          <a:ea typeface="+mn-ea"/>
+          <a:cs typeface="+mn-cs"/>
+          <a:sym typeface="Gill Sans" charset="0"/>
+        </a:defRPr>
+      </a:lvl9pPr>
+    </p:bodyStyle>
+    <p:otherStyle>
+      <a:defPPr>
+        <a:defRPr lang="en-US"/>
+      </a:defPPr>
+      <a:lvl1pPr marL="0" algn="l" defTabSz="241049" rtl="0" eaLnBrk="1" latinLnBrk="0" hangingPunct="1">
+        <a:defRPr sz="975" kern="1200">
+          <a:solidFill>
+            <a:schemeClr val="tx1"/>
+          </a:solidFill>
+          <a:latin typeface="+mn-lt"/>
+          <a:ea typeface="+mn-ea"/>
+          <a:cs typeface="+mn-cs"/>
+        </a:defRPr>
+      </a:lvl1pPr>
+      <a:lvl2pPr marL="241049" algn="l" defTabSz="241049" rtl="0" eaLnBrk="1" latinLnBrk="0" hangingPunct="1">
+        <a:defRPr sz="975" kern="1200">
+          <a:solidFill>
+            <a:schemeClr val="tx1"/>
+          </a:solidFill>
+          <a:latin typeface="+mn-lt"/>
+          <a:ea typeface="+mn-ea"/>
+          <a:cs typeface="+mn-cs"/>
+        </a:defRPr>
+      </a:lvl2pPr>
+      <a:lvl3pPr marL="482100" algn="l" defTabSz="241049" rtl="0" eaLnBrk="1" latinLnBrk="0" hangingPunct="1">
+        <a:defRPr sz="975" kern="1200">
+          <a:solidFill>
+            <a:schemeClr val="tx1"/>
+          </a:solidFill>
+          <a:latin typeface="+mn-lt"/>
+          <a:ea typeface="+mn-ea"/>
+          <a:cs typeface="+mn-cs"/>
+        </a:defRPr>
+      </a:lvl3pPr>
+      <a:lvl4pPr marL="723150" algn="l" defTabSz="241049" rtl="0" eaLnBrk="1" latinLnBrk="0" hangingPunct="1">
+        <a:defRPr sz="975" kern="1200">
+          <a:solidFill>
+            <a:schemeClr val="tx1"/>
+          </a:solidFill>
+          <a:latin typeface="+mn-lt"/>
+          <a:ea typeface="+mn-ea"/>
+          <a:cs typeface="+mn-cs"/>
+        </a:defRPr>
+      </a:lvl4pPr>
+      <a:lvl5pPr marL="964199" algn="l" defTabSz="241049" rtl="0" eaLnBrk="1" latinLnBrk="0" hangingPunct="1">
+        <a:defRPr sz="975" kern="1200">
+          <a:solidFill>
+            <a:schemeClr val="tx1"/>
+          </a:solidFill>
+          <a:latin typeface="+mn-lt"/>
+          <a:ea typeface="+mn-ea"/>
+          <a:cs typeface="+mn-cs"/>
+        </a:defRPr>
+      </a:lvl5pPr>
+      <a:lvl6pPr marL="1205251" algn="l" defTabSz="241049" rtl="0" eaLnBrk="1" latinLnBrk="0" hangingPunct="1">
+        <a:defRPr sz="975" kern="1200">
+          <a:solidFill>
+            <a:schemeClr val="tx1"/>
+          </a:solidFill>
+          <a:latin typeface="+mn-lt"/>
+          <a:ea typeface="+mn-ea"/>
+          <a:cs typeface="+mn-cs"/>
+        </a:defRPr>
+      </a:lvl6pPr>
+      <a:lvl7pPr marL="1446299" algn="l" defTabSz="241049" rtl="0" eaLnBrk="1" latinLnBrk="0" hangingPunct="1">
+        <a:defRPr sz="975" kern="1200">
+          <a:solidFill>
+            <a:schemeClr val="tx1"/>
+          </a:solidFill>
+          <a:latin typeface="+mn-lt"/>
+          <a:ea typeface="+mn-ea"/>
+          <a:cs typeface="+mn-cs"/>
+        </a:defRPr>
+      </a:lvl7pPr>
+      <a:lvl8pPr marL="1687350" algn="l" defTabSz="241049" rtl="0" eaLnBrk="1" latinLnBrk="0" hangingPunct="1">
+        <a:defRPr sz="975" kern="1200">
+          <a:solidFill>
+            <a:schemeClr val="tx1"/>
+          </a:solidFill>
+          <a:latin typeface="+mn-lt"/>
+          <a:ea typeface="+mn-ea"/>
+          <a:cs typeface="+mn-cs"/>
+        </a:defRPr>
+      </a:lvl8pPr>
+      <a:lvl9pPr marL="1928400" algn="l" defTabSz="241049" rtl="0" eaLnBrk="1" latinLnBrk="0" hangingPunct="1">
+        <a:defRPr sz="975" kern="1200">
+          <a:solidFill>
+            <a:schemeClr val="tx1"/>
+          </a:solidFill>
+          <a:latin typeface="+mn-lt"/>
+          <a:ea typeface="+mn-ea"/>
+          <a:cs typeface="+mn-cs"/>
+        </a:defRPr>
+      </a:lvl9pPr>
+    </p:otherStyle>
+  </p:txStyles>
+</p:sldMaster>
+</file>
+
+<file path=ppt/slideMasters/slideMaster4.xml><?xml version="1.0" encoding="utf-8"?>
 <p:sldMaster xmlns:a="http://schemas.openxmlformats.org/drawingml/2006/main" xmlns:r="http://schemas.openxmlformats.org/officeDocument/2006/relationships" xmlns:p="http://schemas.openxmlformats.org/presentationml/2006/main" preserve="1">
   <p:cSld>
     <p:bg>
@@ -11217,7 +13704,13 @@
   <p:cSld>
     <p:spTree>
       <p:nvGrpSpPr>
-        <p:cNvPr id="1" name=""/>
+        <p:cNvPr id="1" name="">
+          <a:extLst>
+            <a:ext uri="{FF2B5EF4-FFF2-40B4-BE49-F238E27FC236}">
+              <a16:creationId xmlns:a16="http://schemas.microsoft.com/office/drawing/2014/main" id="{73A16AB2-6A93-A61F-FD93-A3DD04E5AC34}"/>
+            </a:ext>
+          </a:extLst>
+        </p:cNvPr>
         <p:cNvGrpSpPr/>
         <p:nvPr/>
       </p:nvGrpSpPr>
@@ -11229,37 +13722,12 @@
           <a:chExt cx="0" cy="0"/>
         </a:xfrm>
       </p:grpSpPr>
-      <p:sp>
-        <p:nvSpPr>
-          <p:cNvPr id="2" name="Title 1">
+      <p:pic>
+        <p:nvPicPr>
+          <p:cNvPr id="5" name="Picture 4">
             <a:extLst>
               <a:ext uri="{FF2B5EF4-FFF2-40B4-BE49-F238E27FC236}">
-                <a16:creationId xmlns:a16="http://schemas.microsoft.com/office/drawing/2014/main" id="{0842D8EF-048C-3A70-977B-9959B42FF645}"/>
-              </a:ext>
-            </a:extLst>
-          </p:cNvPr>
-          <p:cNvSpPr>
-            <a:spLocks noGrp="1"/>
-          </p:cNvSpPr>
-          <p:nvPr>
-            <p:ph type="title"/>
-          </p:nvPr>
-        </p:nvSpPr>
-        <p:spPr/>
-        <p:txBody>
-          <a:bodyPr/>
-          <a:lstStyle/>
-          <a:p>
-            <a:endParaRPr lang="en-US"/>
-          </a:p>
-        </p:txBody>
-      </p:sp>
-      <p:pic>
-        <p:nvPicPr>
-          <p:cNvPr id="3" name="Picture 2">
-            <a:extLst>
-              <a:ext uri="{FF2B5EF4-FFF2-40B4-BE49-F238E27FC236}">
-                <a16:creationId xmlns:a16="http://schemas.microsoft.com/office/drawing/2014/main" id="{255DE1D3-0257-A12C-F6C0-EA0B2F84A56D}"/>
+                <a16:creationId xmlns:a16="http://schemas.microsoft.com/office/drawing/2014/main" id="{8A7161E2-98C0-D57F-29FE-B754DB2DD6B3}"/>
               </a:ext>
             </a:extLst>
           </p:cNvPr>
@@ -11276,32 +13744,42 @@
         </p:blipFill>
         <p:spPr>
           <a:xfrm>
-            <a:off x="938333" y="0"/>
-            <a:ext cx="7267333" cy="5143500"/>
+            <a:off x="852854" y="167606"/>
+            <a:ext cx="7438292" cy="4808288"/>
           </a:xfrm>
           <a:prstGeom prst="rect">
             <a:avLst/>
           </a:prstGeom>
+          <a:ln>
+            <a:noFill/>
+          </a:ln>
+          <a:effectLst>
+            <a:outerShdw blurRad="292100" dist="139700" dir="2700000" algn="tl" rotWithShape="0">
+              <a:srgbClr val="333333">
+                <a:alpha val="65000"/>
+              </a:srgbClr>
+            </a:outerShdw>
+          </a:effectLst>
         </p:spPr>
       </p:pic>
     </p:spTree>
     <p:extLst>
       <p:ext uri="{BB962C8B-B14F-4D97-AF65-F5344CB8AC3E}">
-        <p14:creationId xmlns:p14="http://schemas.microsoft.com/office/powerpoint/2010/main" val="249354995"/>
+        <p14:creationId xmlns:p14="http://schemas.microsoft.com/office/powerpoint/2010/main" val="844588835"/>
       </p:ext>
     </p:extLst>
   </p:cSld>
   <p:clrMapOvr>
     <a:masterClrMapping/>
   </p:clrMapOvr>
-  <mc:AlternateContent xmlns:mc="http://schemas.openxmlformats.org/markup-compatibility/2006" xmlns:p14="http://schemas.microsoft.com/office/powerpoint/2010/main">
-    <mc:Choice Requires="p14">
+  <mc:AlternateContent xmlns:mc="http://schemas.openxmlformats.org/markup-compatibility/2006">
+    <mc:Choice xmlns:p14="http://schemas.microsoft.com/office/powerpoint/2010/main" Requires="p14">
       <p:transition spd="slow" p14:dur="900">
         <p:fade/>
       </p:transition>
     </mc:Choice>
-    <mc:Fallback xmlns="">
-      <p:transition xmlns:p14="http://schemas.microsoft.com/office/powerpoint/2010/main" spd="slow">
+    <mc:Fallback>
+      <p:transition spd="slow">
         <p:fade/>
       </p:transition>
     </mc:Fallback>
@@ -11326,37 +13804,12 @@
           <a:chExt cx="0" cy="0"/>
         </a:xfrm>
       </p:grpSpPr>
-      <p:sp>
-        <p:nvSpPr>
-          <p:cNvPr id="2" name="Title 1">
+      <p:pic>
+        <p:nvPicPr>
+          <p:cNvPr id="8" name="Picture 7">
             <a:extLst>
               <a:ext uri="{FF2B5EF4-FFF2-40B4-BE49-F238E27FC236}">
-                <a16:creationId xmlns:a16="http://schemas.microsoft.com/office/drawing/2014/main" id="{965207CB-7ACC-FC7B-22EB-C48F7B5C3F34}"/>
-              </a:ext>
-            </a:extLst>
-          </p:cNvPr>
-          <p:cNvSpPr>
-            <a:spLocks noGrp="1"/>
-          </p:cNvSpPr>
-          <p:nvPr>
-            <p:ph type="title"/>
-          </p:nvPr>
-        </p:nvSpPr>
-        <p:spPr/>
-        <p:txBody>
-          <a:bodyPr/>
-          <a:lstStyle/>
-          <a:p>
-            <a:endParaRPr lang="en-US"/>
-          </a:p>
-        </p:txBody>
-      </p:sp>
-      <p:pic>
-        <p:nvPicPr>
-          <p:cNvPr id="3" name="Picture 2">
-            <a:extLst>
-              <a:ext uri="{FF2B5EF4-FFF2-40B4-BE49-F238E27FC236}">
-                <a16:creationId xmlns:a16="http://schemas.microsoft.com/office/drawing/2014/main" id="{5BCE17A5-2501-A9A1-1773-D07A82E62814}"/>
+                <a16:creationId xmlns:a16="http://schemas.microsoft.com/office/drawing/2014/main" id="{FA7A6F2E-DDEB-FE5B-200E-592ADD7D7A22}"/>
               </a:ext>
             </a:extLst>
           </p:cNvPr>
@@ -11373,12 +13826,22 @@
         </p:blipFill>
         <p:spPr>
           <a:xfrm>
-            <a:off x="1052529" y="0"/>
-            <a:ext cx="7038942" cy="5143500"/>
+            <a:off x="766006" y="0"/>
+            <a:ext cx="7611987" cy="5143500"/>
           </a:xfrm>
           <a:prstGeom prst="rect">
             <a:avLst/>
           </a:prstGeom>
+          <a:ln>
+            <a:noFill/>
+          </a:ln>
+          <a:effectLst>
+            <a:outerShdw blurRad="292100" dist="139700" dir="2700000" algn="tl" rotWithShape="0">
+              <a:srgbClr val="333333">
+                <a:alpha val="65000"/>
+              </a:srgbClr>
+            </a:outerShdw>
+          </a:effectLst>
         </p:spPr>
       </p:pic>
     </p:spTree>
@@ -11423,37 +13886,12 @@
           <a:chExt cx="0" cy="0"/>
         </a:xfrm>
       </p:grpSpPr>
-      <p:sp>
-        <p:nvSpPr>
-          <p:cNvPr id="2" name="Title 1">
+      <p:pic>
+        <p:nvPicPr>
+          <p:cNvPr id="5" name="Picture 4">
             <a:extLst>
               <a:ext uri="{FF2B5EF4-FFF2-40B4-BE49-F238E27FC236}">
-                <a16:creationId xmlns:a16="http://schemas.microsoft.com/office/drawing/2014/main" id="{867878EC-263A-9A3E-1FAE-FCDF7050BF01}"/>
-              </a:ext>
-            </a:extLst>
-          </p:cNvPr>
-          <p:cNvSpPr>
-            <a:spLocks noGrp="1"/>
-          </p:cNvSpPr>
-          <p:nvPr>
-            <p:ph type="title"/>
-          </p:nvPr>
-        </p:nvSpPr>
-        <p:spPr/>
-        <p:txBody>
-          <a:bodyPr/>
-          <a:lstStyle/>
-          <a:p>
-            <a:endParaRPr lang="en-US"/>
-          </a:p>
-        </p:txBody>
-      </p:sp>
-      <p:pic>
-        <p:nvPicPr>
-          <p:cNvPr id="4" name="Picture 3">
-            <a:extLst>
-              <a:ext uri="{FF2B5EF4-FFF2-40B4-BE49-F238E27FC236}">
-                <a16:creationId xmlns:a16="http://schemas.microsoft.com/office/drawing/2014/main" id="{E92DD540-DB83-C326-A3AD-13487605F904}"/>
+                <a16:creationId xmlns:a16="http://schemas.microsoft.com/office/drawing/2014/main" id="{318CC36C-F75A-486B-14AF-66DDEE4DCF3E}"/>
               </a:ext>
             </a:extLst>
           </p:cNvPr>
@@ -11464,18 +13902,27 @@
         </p:nvPicPr>
         <p:blipFill>
           <a:blip r:embed="rId2"/>
-          <a:stretch>
-            <a:fillRect/>
-          </a:stretch>
+          <a:srcRect t="2735"/>
+          <a:stretch/>
         </p:blipFill>
         <p:spPr>
           <a:xfrm>
-            <a:off x="973818" y="-50329"/>
-            <a:ext cx="7196363" cy="5244158"/>
+            <a:off x="1021449" y="70338"/>
+            <a:ext cx="7101101" cy="5002823"/>
           </a:xfrm>
           <a:prstGeom prst="rect">
             <a:avLst/>
           </a:prstGeom>
+          <a:ln>
+            <a:noFill/>
+          </a:ln>
+          <a:effectLst>
+            <a:outerShdw blurRad="292100" dist="139700" dir="2700000" algn="tl" rotWithShape="0">
+              <a:srgbClr val="333333">
+                <a:alpha val="65000"/>
+              </a:srgbClr>
+            </a:outerShdw>
+          </a:effectLst>
         </p:spPr>
       </p:pic>
     </p:spTree>
@@ -12462,6 +14909,485 @@
 </file>
 
 <file path=ppt/theme/theme3.xml><?xml version="1.0" encoding="utf-8"?>
+<a:theme xmlns:a="http://schemas.openxmlformats.org/drawingml/2006/main" name="3_Title &amp; Subtitle">
+  <a:themeElements>
+    <a:clrScheme name="Blue">
+      <a:dk1>
+        <a:sysClr val="windowText" lastClr="000000"/>
+      </a:dk1>
+      <a:lt1>
+        <a:sysClr val="window" lastClr="FFFFFF"/>
+      </a:lt1>
+      <a:dk2>
+        <a:srgbClr val="17406D"/>
+      </a:dk2>
+      <a:lt2>
+        <a:srgbClr val="DBEFF9"/>
+      </a:lt2>
+      <a:accent1>
+        <a:srgbClr val="0F6FC6"/>
+      </a:accent1>
+      <a:accent2>
+        <a:srgbClr val="009DD9"/>
+      </a:accent2>
+      <a:accent3>
+        <a:srgbClr val="0BD0D9"/>
+      </a:accent3>
+      <a:accent4>
+        <a:srgbClr val="10CF9B"/>
+      </a:accent4>
+      <a:accent5>
+        <a:srgbClr val="7CCA62"/>
+      </a:accent5>
+      <a:accent6>
+        <a:srgbClr val="A5C249"/>
+      </a:accent6>
+      <a:hlink>
+        <a:srgbClr val="F49100"/>
+      </a:hlink>
+      <a:folHlink>
+        <a:srgbClr val="85DFD0"/>
+      </a:folHlink>
+    </a:clrScheme>
+    <a:fontScheme name="Office Classic 2">
+      <a:majorFont>
+        <a:latin typeface="Arial"/>
+        <a:ea typeface=""/>
+        <a:cs typeface=""/>
+        <a:font script="Jpan" typeface="ＭＳ Ｐゴシック"/>
+        <a:font script="Hang" typeface="돋움"/>
+        <a:font script="Hans" typeface="华文新魏"/>
+        <a:font script="Hant" typeface="微軟正黑體"/>
+        <a:font script="Arab" typeface="Arial"/>
+        <a:font script="Hebr" typeface="Arial"/>
+        <a:font script="Thai" typeface="Cordia New"/>
+        <a:font script="Ethi" typeface="Nyala"/>
+        <a:font script="Beng" typeface="Vrinda"/>
+        <a:font script="Gujr" typeface="Shruti"/>
+        <a:font script="Khmr" typeface="DaunPenh"/>
+        <a:font script="Knda" typeface="Tunga"/>
+        <a:font script="Guru" typeface="Raavi"/>
+        <a:font script="Cans" typeface="Euphemia"/>
+        <a:font script="Cher" typeface="Plantagenet Cherokee"/>
+        <a:font script="Yiii" typeface="Microsoft Yi Baiti"/>
+        <a:font script="Tibt" typeface="Microsoft Himalaya"/>
+        <a:font script="Thaa" typeface="MV Boli"/>
+        <a:font script="Deva" typeface="Mangal"/>
+        <a:font script="Telu" typeface="Gautami"/>
+        <a:font script="Taml" typeface="Latha"/>
+        <a:font script="Syrc" typeface="Estrangelo Edessa"/>
+        <a:font script="Orya" typeface="Kalinga"/>
+        <a:font script="Mlym" typeface="Kartika"/>
+        <a:font script="Laoo" typeface="DokChampa"/>
+        <a:font script="Sinh" typeface="Iskoola Pota"/>
+        <a:font script="Mong" typeface="Mongolian Baiti"/>
+        <a:font script="Viet" typeface="Arial"/>
+        <a:font script="Uigh" typeface="Microsoft Uighur"/>
+        <a:font script="Geor" typeface="Sylfaen"/>
+      </a:majorFont>
+      <a:minorFont>
+        <a:latin typeface="Arial"/>
+        <a:ea typeface=""/>
+        <a:cs typeface=""/>
+        <a:font script="Jpan" typeface="ＭＳ Ｐゴシック"/>
+        <a:font script="Hang" typeface="돋움"/>
+        <a:font script="Hans" typeface="华文新魏"/>
+        <a:font script="Hant" typeface="微軟正黑體"/>
+        <a:font script="Arab" typeface="Arial"/>
+        <a:font script="Hebr" typeface="Arial"/>
+        <a:font script="Thai" typeface="Cordia New"/>
+        <a:font script="Ethi" typeface="Nyala"/>
+        <a:font script="Beng" typeface="Vrinda"/>
+        <a:font script="Gujr" typeface="Shruti"/>
+        <a:font script="Khmr" typeface="DaunPenh"/>
+        <a:font script="Knda" typeface="Tunga"/>
+        <a:font script="Guru" typeface="Raavi"/>
+        <a:font script="Cans" typeface="Euphemia"/>
+        <a:font script="Cher" typeface="Plantagenet Cherokee"/>
+        <a:font script="Yiii" typeface="Microsoft Yi Baiti"/>
+        <a:font script="Tibt" typeface="Microsoft Himalaya"/>
+        <a:font script="Thaa" typeface="MV Boli"/>
+        <a:font script="Deva" typeface="Mangal"/>
+        <a:font script="Telu" typeface="Gautami"/>
+        <a:font script="Taml" typeface="Latha"/>
+        <a:font script="Syrc" typeface="Estrangelo Edessa"/>
+        <a:font script="Orya" typeface="Kalinga"/>
+        <a:font script="Mlym" typeface="Kartika"/>
+        <a:font script="Laoo" typeface="DokChampa"/>
+        <a:font script="Sinh" typeface="Iskoola Pota"/>
+        <a:font script="Mong" typeface="Mongolian Baiti"/>
+        <a:font script="Viet" typeface="Arial"/>
+        <a:font script="Uigh" typeface="Microsoft Uighur"/>
+        <a:font script="Geor" typeface="Sylfaen"/>
+      </a:minorFont>
+    </a:fontScheme>
+    <a:fmtScheme name="Office">
+      <a:fillStyleLst>
+        <a:solidFill>
+          <a:schemeClr val="phClr"/>
+        </a:solidFill>
+        <a:gradFill rotWithShape="1">
+          <a:gsLst>
+            <a:gs pos="0">
+              <a:schemeClr val="phClr">
+                <a:tint val="50000"/>
+                <a:satMod val="300000"/>
+              </a:schemeClr>
+            </a:gs>
+            <a:gs pos="35000">
+              <a:schemeClr val="phClr">
+                <a:tint val="37000"/>
+                <a:satMod val="300000"/>
+              </a:schemeClr>
+            </a:gs>
+            <a:gs pos="100000">
+              <a:schemeClr val="phClr">
+                <a:tint val="15000"/>
+                <a:satMod val="350000"/>
+              </a:schemeClr>
+            </a:gs>
+          </a:gsLst>
+          <a:lin ang="16200000" scaled="1"/>
+        </a:gradFill>
+        <a:gradFill rotWithShape="1">
+          <a:gsLst>
+            <a:gs pos="0">
+              <a:schemeClr val="phClr">
+                <a:tint val="100000"/>
+                <a:shade val="100000"/>
+                <a:satMod val="130000"/>
+              </a:schemeClr>
+            </a:gs>
+            <a:gs pos="100000">
+              <a:schemeClr val="phClr">
+                <a:tint val="50000"/>
+                <a:shade val="100000"/>
+                <a:satMod val="350000"/>
+              </a:schemeClr>
+            </a:gs>
+          </a:gsLst>
+          <a:lin ang="16200000" scaled="0"/>
+        </a:gradFill>
+      </a:fillStyleLst>
+      <a:lnStyleLst>
+        <a:ln w="9525" cap="flat" cmpd="sng" algn="ctr">
+          <a:solidFill>
+            <a:schemeClr val="phClr">
+              <a:shade val="95000"/>
+              <a:satMod val="105000"/>
+            </a:schemeClr>
+          </a:solidFill>
+          <a:prstDash val="solid"/>
+        </a:ln>
+        <a:ln w="25400" cap="flat" cmpd="sng" algn="ctr">
+          <a:solidFill>
+            <a:schemeClr val="phClr"/>
+          </a:solidFill>
+          <a:prstDash val="solid"/>
+        </a:ln>
+        <a:ln w="38100" cap="flat" cmpd="sng" algn="ctr">
+          <a:solidFill>
+            <a:schemeClr val="phClr"/>
+          </a:solidFill>
+          <a:prstDash val="solid"/>
+        </a:ln>
+      </a:lnStyleLst>
+      <a:effectStyleLst>
+        <a:effectStyle>
+          <a:effectLst>
+            <a:outerShdw blurRad="40000" dist="20000" dir="5400000" rotWithShape="0">
+              <a:srgbClr val="000000">
+                <a:alpha val="38000"/>
+              </a:srgbClr>
+            </a:outerShdw>
+          </a:effectLst>
+        </a:effectStyle>
+        <a:effectStyle>
+          <a:effectLst>
+            <a:outerShdw blurRad="40000" dist="23000" dir="5400000" rotWithShape="0">
+              <a:srgbClr val="000000">
+                <a:alpha val="35000"/>
+              </a:srgbClr>
+            </a:outerShdw>
+          </a:effectLst>
+        </a:effectStyle>
+        <a:effectStyle>
+          <a:effectLst>
+            <a:outerShdw blurRad="40000" dist="23000" dir="5400000" rotWithShape="0">
+              <a:srgbClr val="000000">
+                <a:alpha val="35000"/>
+              </a:srgbClr>
+            </a:outerShdw>
+          </a:effectLst>
+          <a:scene3d>
+            <a:camera prst="orthographicFront">
+              <a:rot lat="0" lon="0" rev="0"/>
+            </a:camera>
+            <a:lightRig rig="threePt" dir="t">
+              <a:rot lat="0" lon="0" rev="1200000"/>
+            </a:lightRig>
+          </a:scene3d>
+          <a:sp3d>
+            <a:bevelT w="63500" h="25400"/>
+          </a:sp3d>
+        </a:effectStyle>
+      </a:effectStyleLst>
+      <a:bgFillStyleLst>
+        <a:solidFill>
+          <a:schemeClr val="phClr"/>
+        </a:solidFill>
+        <a:gradFill rotWithShape="1">
+          <a:gsLst>
+            <a:gs pos="0">
+              <a:schemeClr val="phClr">
+                <a:tint val="40000"/>
+                <a:satMod val="350000"/>
+              </a:schemeClr>
+            </a:gs>
+            <a:gs pos="40000">
+              <a:schemeClr val="phClr">
+                <a:tint val="45000"/>
+                <a:shade val="99000"/>
+                <a:satMod val="350000"/>
+              </a:schemeClr>
+            </a:gs>
+            <a:gs pos="100000">
+              <a:schemeClr val="phClr">
+                <a:shade val="20000"/>
+                <a:satMod val="255000"/>
+              </a:schemeClr>
+            </a:gs>
+          </a:gsLst>
+          <a:path path="circle">
+            <a:fillToRect l="50000" t="-80000" r="50000" b="180000"/>
+          </a:path>
+        </a:gradFill>
+        <a:gradFill rotWithShape="1">
+          <a:gsLst>
+            <a:gs pos="0">
+              <a:schemeClr val="phClr">
+                <a:tint val="80000"/>
+                <a:satMod val="300000"/>
+              </a:schemeClr>
+            </a:gs>
+            <a:gs pos="100000">
+              <a:schemeClr val="phClr">
+                <a:shade val="30000"/>
+                <a:satMod val="200000"/>
+              </a:schemeClr>
+            </a:gs>
+          </a:gsLst>
+          <a:path path="circle">
+            <a:fillToRect l="50000" t="50000" r="50000" b="50000"/>
+          </a:path>
+        </a:gradFill>
+      </a:bgFillStyleLst>
+    </a:fmtScheme>
+  </a:themeElements>
+  <a:objectDefaults>
+    <a:spDef>
+      <a:spPr bwMode="auto">
+        <a:solidFill>
+          <a:schemeClr val="bg2">
+            <a:lumMod val="20000"/>
+            <a:lumOff val="80000"/>
+          </a:schemeClr>
+        </a:solidFill>
+        <a:ln w="25400" cap="flat" cmpd="sng" algn="ctr">
+          <a:noFill/>
+          <a:prstDash val="solid"/>
+          <a:round/>
+          <a:headEnd type="none" w="med" len="med"/>
+          <a:tailEnd type="none" w="med" len="med"/>
+        </a:ln>
+        <a:effectLst/>
+      </a:spPr>
+      <a:bodyPr vert="horz" wrap="square" lIns="91440" tIns="45720" rIns="91440" bIns="45720" numCol="1" rtlCol="0" anchor="t" anchorCtr="0" compatLnSpc="1">
+        <a:prstTxWarp prst="textNoShape">
+          <a:avLst/>
+        </a:prstTxWarp>
+      </a:bodyPr>
+      <a:lstStyle>
+        <a:defPPr marL="0" marR="0" indent="0" algn="ctr" defTabSz="914400" rtl="0" eaLnBrk="1" fontAlgn="base" latinLnBrk="0" hangingPunct="1">
+          <a:lnSpc>
+            <a:spcPct val="100000"/>
+          </a:lnSpc>
+          <a:spcBef>
+            <a:spcPct val="0"/>
+          </a:spcBef>
+          <a:spcAft>
+            <a:spcPct val="0"/>
+          </a:spcAft>
+          <a:buClrTx/>
+          <a:buSzTx/>
+          <a:buFontTx/>
+          <a:buNone/>
+          <a:tabLst/>
+          <a:defRPr kumimoji="0" sz="4200" b="0" i="0" u="none" strike="noStrike" cap="none" normalizeH="0" baseline="0">
+            <a:ln>
+              <a:noFill/>
+            </a:ln>
+            <a:solidFill>
+              <a:srgbClr val="000000"/>
+            </a:solidFill>
+            <a:effectLst/>
+            <a:latin typeface="Gill Sans" charset="0"/>
+            <a:ea typeface="ヒラギノ角ゴ ProN W3" charset="0"/>
+            <a:cs typeface="ヒラギノ角ゴ ProN W3" charset="0"/>
+            <a:sym typeface="Gill Sans" charset="0"/>
+          </a:defRPr>
+        </a:defPPr>
+      </a:lstStyle>
+    </a:spDef>
+    <a:lnDef>
+      <a:spPr bwMode="auto">
+        <a:xfrm>
+          <a:off x="0" y="0"/>
+          <a:ext cx="1" cy="1"/>
+        </a:xfrm>
+        <a:custGeom>
+          <a:avLst/>
+          <a:gdLst/>
+          <a:ahLst/>
+          <a:cxnLst/>
+          <a:rect l="0" t="0" r="0" b="0"/>
+          <a:pathLst/>
+        </a:custGeom>
+        <a:blipFill dpi="0" rotWithShape="0">
+          <a:blip xmlns:r="http://schemas.openxmlformats.org/officeDocument/2006/relationships" r:embed="rId1"/>
+          <a:srcRect/>
+          <a:tile tx="0" ty="0" sx="100000" sy="100000" flip="none" algn="tl"/>
+        </a:blipFill>
+        <a:ln w="25400" cap="flat" cmpd="sng" algn="ctr">
+          <a:solidFill>
+            <a:srgbClr val="000000"/>
+          </a:solidFill>
+          <a:prstDash val="solid"/>
+          <a:round/>
+          <a:headEnd type="none" w="med" len="med"/>
+          <a:tailEnd type="none" w="med" len="med"/>
+        </a:ln>
+        <a:effectLst/>
+        <a:extLst>
+          <a:ext uri="{AF507438-7753-43e0-B8FC-AC1667EBCBE1}">
+            <a14:hiddenEffects xmlns="" xmlns:a14="http://schemas.microsoft.com/office/drawing/2010/main">
+              <a:effectLst>
+                <a:outerShdw blurRad="63500" dist="38099" dir="2700000" algn="ctr" rotWithShape="0">
+                  <a:schemeClr val="bg2">
+                    <a:alpha val="74998"/>
+                  </a:schemeClr>
+                </a:outerShdw>
+              </a:effectLst>
+            </a14:hiddenEffects>
+          </a:ext>
+        </a:extLst>
+      </a:spPr>
+      <a:bodyPr vert="horz" wrap="square" lIns="91440" tIns="45720" rIns="91440" bIns="45720" numCol="1" anchor="t" anchorCtr="0" compatLnSpc="1">
+        <a:prstTxWarp prst="textNoShape">
+          <a:avLst/>
+        </a:prstTxWarp>
+      </a:bodyPr>
+      <a:lstStyle>
+        <a:defPPr marL="0" marR="0" indent="0" algn="ctr" defTabSz="914400" rtl="0" eaLnBrk="1" fontAlgn="base" latinLnBrk="0" hangingPunct="1">
+          <a:lnSpc>
+            <a:spcPct val="100000"/>
+          </a:lnSpc>
+          <a:spcBef>
+            <a:spcPct val="0"/>
+          </a:spcBef>
+          <a:spcAft>
+            <a:spcPct val="0"/>
+          </a:spcAft>
+          <a:buClrTx/>
+          <a:buSzTx/>
+          <a:buFontTx/>
+          <a:buNone/>
+          <a:tabLst/>
+          <a:defRPr kumimoji="0" lang="en-US" sz="4200" b="0" i="0" u="none" strike="noStrike" cap="none" normalizeH="0" baseline="0">
+            <a:ln>
+              <a:noFill/>
+            </a:ln>
+            <a:solidFill>
+              <a:srgbClr val="000000"/>
+            </a:solidFill>
+            <a:effectLst/>
+            <a:latin typeface="Gill Sans" charset="0"/>
+            <a:ea typeface="ヒラギノ角ゴ ProN W3" charset="0"/>
+            <a:cs typeface="ヒラギノ角ゴ ProN W3" charset="0"/>
+            <a:sym typeface="Gill Sans" charset="0"/>
+          </a:defRPr>
+        </a:defPPr>
+      </a:lstStyle>
+    </a:lnDef>
+    <a:txDef>
+      <a:spPr>
+        <a:noFill/>
+      </a:spPr>
+      <a:bodyPr wrap="square" rtlCol="0">
+        <a:spAutoFit/>
+      </a:bodyPr>
+      <a:lstStyle>
+        <a:defPPr algn="l">
+          <a:defRPr sz="2000" dirty="0">
+            <a:latin typeface="Georgia"/>
+            <a:cs typeface="Georgia"/>
+          </a:defRPr>
+        </a:defPPr>
+      </a:lstStyle>
+    </a:txDef>
+  </a:objectDefaults>
+  <a:extraClrSchemeLst>
+    <a:extraClrScheme>
+      <a:clrScheme name="Title &amp; Subtitle 1">
+        <a:dk1>
+          <a:srgbClr val="000000"/>
+        </a:dk1>
+        <a:lt1>
+          <a:srgbClr val="FFFFFF"/>
+        </a:lt1>
+        <a:dk2>
+          <a:srgbClr val="000000"/>
+        </a:dk2>
+        <a:lt2>
+          <a:srgbClr val="808080"/>
+        </a:lt2>
+        <a:accent1>
+          <a:srgbClr val="BBE0E3"/>
+        </a:accent1>
+        <a:accent2>
+          <a:srgbClr val="333399"/>
+        </a:accent2>
+        <a:accent3>
+          <a:srgbClr val="FFFFFF"/>
+        </a:accent3>
+        <a:accent4>
+          <a:srgbClr val="000000"/>
+        </a:accent4>
+        <a:accent5>
+          <a:srgbClr val="DAEDEF"/>
+        </a:accent5>
+        <a:accent6>
+          <a:srgbClr val="2D2D8A"/>
+        </a:accent6>
+        <a:hlink>
+          <a:srgbClr val="009999"/>
+        </a:hlink>
+        <a:folHlink>
+          <a:srgbClr val="99CC00"/>
+        </a:folHlink>
+      </a:clrScheme>
+      <a:clrMap bg1="lt1" tx1="dk1" bg2="lt2" tx2="dk2" accent1="accent1" accent2="accent2" accent3="accent3" accent4="accent4" accent5="accent5" accent6="accent6" hlink="hlink" folHlink="folHlink"/>
+    </a:extraClrScheme>
+  </a:extraClrSchemeLst>
+  <a:extLst>
+    <a:ext uri="{05A4C25C-085E-4340-85A3-A5531E510DB2}">
+      <thm15:themeFamily xmlns:thm15="http://schemas.microsoft.com/office/thememl/2012/main" name="Presentation3" id="{AAA6E46B-60FC-1F40-BD4B-1BE54D3E1F24}" vid="{4D1117C9-AABF-7645-B36E-EC8BFB83ACC4}"/>
+    </a:ext>
+  </a:extLst>
+</a:theme>
+</file>
+
+<file path=ppt/theme/theme4.xml><?xml version="1.0" encoding="utf-8"?>
 <a:theme xmlns:a="http://schemas.openxmlformats.org/drawingml/2006/main" name="1_Default Design">
   <a:themeElements>
     <a:clrScheme name="Default Design 1">
@@ -13312,7 +16238,7 @@
 </a:theme>
 </file>
 
-<file path=ppt/theme/theme4.xml><?xml version="1.0" encoding="utf-8"?>
+<file path=ppt/theme/theme5.xml><?xml version="1.0" encoding="utf-8"?>
 <a:theme xmlns:a="http://schemas.openxmlformats.org/drawingml/2006/main" name="Office Theme">
   <a:themeElements>
     <a:clrScheme name="Office">
